--- a/Materi/Matriks.pptx
+++ b/Materi/Matriks.pptx
@@ -5,12 +5,29 @@
     <p:sldMasterId id="2147483660" r:id="rId4"/>
   </p:sldMasterIdLst>
   <p:notesMasterIdLst>
-    <p:notesMasterId r:id="rId8"/>
+    <p:notesMasterId r:id="rId25"/>
   </p:notesMasterIdLst>
   <p:sldIdLst>
     <p:sldId id="256" r:id="rId5"/>
     <p:sldId id="273" r:id="rId6"/>
-    <p:sldId id="272" r:id="rId7"/>
+    <p:sldId id="274" r:id="rId7"/>
+    <p:sldId id="275" r:id="rId8"/>
+    <p:sldId id="276" r:id="rId9"/>
+    <p:sldId id="277" r:id="rId10"/>
+    <p:sldId id="278" r:id="rId11"/>
+    <p:sldId id="279" r:id="rId12"/>
+    <p:sldId id="280" r:id="rId13"/>
+    <p:sldId id="281" r:id="rId14"/>
+    <p:sldId id="282" r:id="rId15"/>
+    <p:sldId id="283" r:id="rId16"/>
+    <p:sldId id="284" r:id="rId17"/>
+    <p:sldId id="285" r:id="rId18"/>
+    <p:sldId id="286" r:id="rId19"/>
+    <p:sldId id="287" r:id="rId20"/>
+    <p:sldId id="288" r:id="rId21"/>
+    <p:sldId id="289" r:id="rId22"/>
+    <p:sldId id="290" r:id="rId23"/>
+    <p:sldId id="272" r:id="rId24"/>
   </p:sldIdLst>
   <p:sldSz cx="12192000" cy="6858000"/>
   <p:notesSz cx="6858000" cy="9144000"/>
@@ -116,6 +133,23 @@
           <p14:sldIdLst>
             <p14:sldId id="256"/>
             <p14:sldId id="273"/>
+            <p14:sldId id="274"/>
+            <p14:sldId id="275"/>
+            <p14:sldId id="276"/>
+            <p14:sldId id="277"/>
+            <p14:sldId id="278"/>
+            <p14:sldId id="279"/>
+            <p14:sldId id="280"/>
+            <p14:sldId id="281"/>
+            <p14:sldId id="282"/>
+            <p14:sldId id="283"/>
+            <p14:sldId id="284"/>
+            <p14:sldId id="285"/>
+            <p14:sldId id="286"/>
+            <p14:sldId id="287"/>
+            <p14:sldId id="288"/>
+            <p14:sldId id="289"/>
+            <p14:sldId id="290"/>
             <p14:sldId id="272"/>
           </p14:sldIdLst>
         </p14:section>
@@ -134,6 +168,9 @@
           </p15:clr>
         </p15:guide>
       </p15:sldGuideLst>
+    </p:ext>
+    <p:ext uri="{2D200454-40CA-4A62-9FC3-DE9A4176ACB9}">
+      <p15:notesGuideLst xmlns:p15="http://schemas.microsoft.com/office/powerpoint/2012/main"/>
     </p:ext>
   </p:extLst>
 </p:presentation>
@@ -227,7 +264,7 @@
           <a:p>
             <a:fld id="{EC13577B-6902-467D-A26C-08A0DD5E4E03}" type="datetimeFigureOut">
               <a:rPr lang="en-US" smtClean="0"/>
-              <a:t>3/15/2022</a:t>
+              <a:t>3/29/2022</a:t>
             </a:fld>
             <a:endParaRPr lang="en-US"/>
           </a:p>
@@ -780,7 +817,7 @@
           <a:p>
             <a:fld id="{8BEEBAAA-29B5-4AF5-BC5F-7E580C29002D}" type="datetimeFigureOut">
               <a:rPr lang="en-US" smtClean="0"/>
-              <a:t>3/15/2022</a:t>
+              <a:t>3/29/2022</a:t>
             </a:fld>
             <a:endParaRPr lang="en-US"/>
           </a:p>
@@ -1057,7 +1094,7 @@
           <a:p>
             <a:fld id="{8BEEBAAA-29B5-4AF5-BC5F-7E580C29002D}" type="datetimeFigureOut">
               <a:rPr lang="en-US" smtClean="0"/>
-              <a:t>3/15/2022</a:t>
+              <a:t>3/29/2022</a:t>
             </a:fld>
             <a:endParaRPr lang="en-US"/>
           </a:p>
@@ -1339,7 +1376,7 @@
           <a:p>
             <a:fld id="{8BEEBAAA-29B5-4AF5-BC5F-7E580C29002D}" type="datetimeFigureOut">
               <a:rPr lang="en-US" smtClean="0"/>
-              <a:t>3/15/2022</a:t>
+              <a:t>3/29/2022</a:t>
             </a:fld>
             <a:endParaRPr lang="en-US"/>
           </a:p>
@@ -1700,7 +1737,7 @@
           <a:p>
             <a:fld id="{8BEEBAAA-29B5-4AF5-BC5F-7E580C29002D}" type="datetimeFigureOut">
               <a:rPr lang="en-US" smtClean="0"/>
-              <a:t>3/15/2022</a:t>
+              <a:t>3/29/2022</a:t>
             </a:fld>
             <a:endParaRPr lang="en-US"/>
           </a:p>
@@ -2000,7 +2037,7 @@
           <a:p>
             <a:fld id="{8BEEBAAA-29B5-4AF5-BC5F-7E580C29002D}" type="datetimeFigureOut">
               <a:rPr lang="en-US" smtClean="0"/>
-              <a:t>3/15/2022</a:t>
+              <a:t>3/29/2022</a:t>
             </a:fld>
             <a:endParaRPr lang="en-US"/>
           </a:p>
@@ -2515,7 +2552,7 @@
           <a:p>
             <a:fld id="{8BEEBAAA-29B5-4AF5-BC5F-7E580C29002D}" type="datetimeFigureOut">
               <a:rPr lang="en-US" smtClean="0"/>
-              <a:t>3/15/2022</a:t>
+              <a:t>3/29/2022</a:t>
             </a:fld>
             <a:endParaRPr lang="en-US"/>
           </a:p>
@@ -3160,7 +3197,7 @@
           <a:p>
             <a:fld id="{8BEEBAAA-29B5-4AF5-BC5F-7E580C29002D}" type="datetimeFigureOut">
               <a:rPr lang="en-US" smtClean="0"/>
-              <a:t>3/15/2022</a:t>
+              <a:t>3/29/2022</a:t>
             </a:fld>
             <a:endParaRPr lang="en-US"/>
           </a:p>
@@ -3385,7 +3422,7 @@
           <a:p>
             <a:fld id="{8BEEBAAA-29B5-4AF5-BC5F-7E580C29002D}" type="datetimeFigureOut">
               <a:rPr lang="en-US" smtClean="0"/>
-              <a:t>3/15/2022</a:t>
+              <a:t>3/29/2022</a:t>
             </a:fld>
             <a:endParaRPr lang="en-US"/>
           </a:p>
@@ -3526,7 +3563,7 @@
           <a:p>
             <a:fld id="{8BEEBAAA-29B5-4AF5-BC5F-7E580C29002D}" type="datetimeFigureOut">
               <a:rPr lang="en-US" smtClean="0"/>
-              <a:t>3/15/2022</a:t>
+              <a:t>3/29/2022</a:t>
             </a:fld>
             <a:endParaRPr lang="en-US"/>
           </a:p>
@@ -3863,7 +3900,7 @@
           <a:p>
             <a:fld id="{8BEEBAAA-29B5-4AF5-BC5F-7E580C29002D}" type="datetimeFigureOut">
               <a:rPr lang="en-US" smtClean="0"/>
-              <a:t>3/15/2022</a:t>
+              <a:t>3/29/2022</a:t>
             </a:fld>
             <a:endParaRPr lang="en-US"/>
           </a:p>
@@ -4120,7 +4157,7 @@
           <a:p>
             <a:fld id="{8BEEBAAA-29B5-4AF5-BC5F-7E580C29002D}" type="datetimeFigureOut">
               <a:rPr lang="en-US" smtClean="0"/>
-              <a:t>3/15/2022</a:t>
+              <a:t>3/29/2022</a:t>
             </a:fld>
             <a:endParaRPr lang="en-US"/>
           </a:p>
@@ -4333,7 +4370,7 @@
           <a:p>
             <a:fld id="{8BEEBAAA-29B5-4AF5-BC5F-7E580C29002D}" type="datetimeFigureOut">
               <a:rPr lang="en-US" smtClean="0"/>
-              <a:t>3/15/2022</a:t>
+              <a:t>3/29/2022</a:t>
             </a:fld>
             <a:endParaRPr lang="en-US"/>
           </a:p>
@@ -4769,66 +4806,6 @@
       </p:sp>
       <p:sp>
         <p:nvSpPr>
-          <p:cNvPr id="3" name="Subtitle 2"/>
-          <p:cNvSpPr>
-            <a:spLocks noGrp="1"/>
-          </p:cNvSpPr>
-          <p:nvPr>
-            <p:ph type="subTitle" idx="1"/>
-          </p:nvPr>
-        </p:nvSpPr>
-        <p:spPr>
-          <a:xfrm>
-            <a:off x="838202" y="5110609"/>
-            <a:ext cx="6705599" cy="1588955"/>
-          </a:xfrm>
-        </p:spPr>
-        <p:txBody>
-          <a:bodyPr>
-            <a:normAutofit/>
-          </a:bodyPr>
-          <a:lstStyle/>
-          <a:p>
-            <a:r>
-              <a:rPr lang="en-US" dirty="0" err="1" smtClean="0"/>
-              <a:t>Oleh</a:t>
-            </a:r>
-            <a:r>
-              <a:rPr lang="en-US" dirty="0" smtClean="0"/>
-              <a:t> :</a:t>
-            </a:r>
-          </a:p>
-          <a:p>
-            <a:r>
-              <a:rPr lang="en-US" dirty="0" smtClean="0"/>
-              <a:t>Very </a:t>
-            </a:r>
-            <a:r>
-              <a:rPr lang="en-US" dirty="0" err="1" smtClean="0"/>
-              <a:t>Kurnia</a:t>
-            </a:r>
-            <a:r>
-              <a:rPr lang="en-US" dirty="0" smtClean="0"/>
-              <a:t> </a:t>
-            </a:r>
-            <a:r>
-              <a:rPr lang="en-US" dirty="0" err="1" smtClean="0"/>
-              <a:t>Bakti</a:t>
-            </a:r>
-            <a:r>
-              <a:rPr lang="en-US" dirty="0" smtClean="0"/>
-              <a:t>, </a:t>
-            </a:r>
-            <a:r>
-              <a:rPr lang="en-US" dirty="0" err="1" smtClean="0"/>
-              <a:t>M.Kom</a:t>
-            </a:r>
-            <a:endParaRPr lang="en-US" dirty="0"/>
-          </a:p>
-        </p:txBody>
-      </p:sp>
-      <p:sp>
-        <p:nvSpPr>
           <p:cNvPr id="5" name="TextBox 4"/>
           <p:cNvSpPr txBox="1"/>
           <p:nvPr/>
@@ -4850,30 +4827,22 @@
           <a:lstStyle/>
           <a:p>
             <a:r>
-              <a:rPr lang="en-US" sz="2400" dirty="0" err="1" smtClean="0">
+              <a:rPr lang="en-US" sz="2400" b="1" dirty="0">
                 <a:solidFill>
                   <a:schemeClr val="bg1"/>
                 </a:solidFill>
               </a:rPr>
-              <a:t>Matriks,Acces</a:t>
-            </a:r>
-            <a:r>
-              <a:rPr lang="en-US" sz="2400" dirty="0" smtClean="0">
+              <a:t>Color Image </a:t>
+            </a:r>
+            <a:r>
+              <a:rPr lang="en-US" sz="2400" b="1" dirty="0" smtClean="0">
                 <a:solidFill>
                   <a:schemeClr val="bg1"/>
                 </a:solidFill>
               </a:rPr>
-              <a:t> </a:t>
-            </a:r>
-            <a:r>
-              <a:rPr lang="en-US" sz="2400" dirty="0" err="1" smtClean="0">
-                <a:solidFill>
-                  <a:schemeClr val="bg1"/>
-                </a:solidFill>
-              </a:rPr>
-              <a:t>Matriks</a:t>
-            </a:r>
-            <a:endParaRPr lang="en-US" sz="2400" dirty="0">
+              <a:t>Processing</a:t>
+            </a:r>
+            <a:endParaRPr lang="en-US" sz="2400" b="1" dirty="0">
               <a:solidFill>
                 <a:schemeClr val="bg1"/>
               </a:solidFill>
@@ -4901,7 +4870,7 @@
 </p:sld>
 </file>
 
-<file path=ppt/slides/slide2.xml><?xml version="1.0" encoding="utf-8"?>
+<file path=ppt/slides/slide10.xml><?xml version="1.0" encoding="utf-8"?>
 <p:sld xmlns:a="http://schemas.openxmlformats.org/drawingml/2006/main" xmlns:r="http://schemas.openxmlformats.org/officeDocument/2006/relationships" xmlns:p="http://schemas.openxmlformats.org/presentationml/2006/main">
   <p:cSld>
     <p:spTree>
@@ -4934,31 +4903,4076 @@
           <a:lstStyle/>
           <a:p>
             <a:r>
-              <a:rPr lang="en-US" b="1" dirty="0" err="1" smtClean="0"/>
-              <a:t>Definisi</a:t>
-            </a:r>
-            <a:r>
-              <a:rPr lang="en-US" b="1" dirty="0" smtClean="0"/>
-              <a:t> </a:t>
-            </a:r>
-            <a:r>
-              <a:rPr lang="en-US" b="1" dirty="0" err="1" smtClean="0"/>
-              <a:t>Matriks</a:t>
-            </a:r>
-            <a:endParaRPr lang="en-US" b="1" dirty="0"/>
+              <a:rPr lang="en-US" b="1" dirty="0">
+                <a:latin typeface="Arial" panose="020B0604020202020204" pitchFamily="34" charset="0"/>
+              </a:rPr>
+              <a:t>Intensity Slicing </a:t>
+            </a:r>
+            <a:r>
+              <a:rPr lang="en-US" sz="2000" b="1" dirty="0">
+                <a:latin typeface="Arial" panose="020B0604020202020204" pitchFamily="34" charset="0"/>
+              </a:rPr>
+              <a:t>(1)</a:t>
+            </a:r>
+            <a:endParaRPr lang="en-US" dirty="0"/>
           </a:p>
         </p:txBody>
       </p:sp>
       <p:sp>
         <p:nvSpPr>
-          <p:cNvPr id="3" name="TextBox 2"/>
+          <p:cNvPr id="3" name="Rectangle 10"/>
+          <p:cNvSpPr txBox="1">
+            <a:spLocks noChangeArrowheads="1"/>
+          </p:cNvSpPr>
+          <p:nvPr/>
+        </p:nvSpPr>
+        <p:spPr>
+          <a:xfrm>
+            <a:off x="609600" y="1734470"/>
+            <a:ext cx="8077200" cy="1438275"/>
+          </a:xfrm>
+          <a:prstGeom prst="rect">
+            <a:avLst/>
+          </a:prstGeom>
+          <a:solidFill>
+            <a:schemeClr val="bg1"/>
+          </a:solidFill>
+          <a:ln/>
+        </p:spPr>
+        <p:txBody>
+          <a:bodyPr/>
+          <a:lstStyle>
+            <a:lvl1pPr marL="228600" indent="-228600" algn="l" defTabSz="914400" rtl="0" eaLnBrk="1" latinLnBrk="0" hangingPunct="1">
+              <a:lnSpc>
+                <a:spcPct val="90000"/>
+              </a:lnSpc>
+              <a:spcBef>
+                <a:spcPct val="30000"/>
+              </a:spcBef>
+              <a:buFont typeface="Arial" panose="020B0604020202020204" pitchFamily="34" charset="0"/>
+              <a:buChar char="•"/>
+              <a:defRPr sz="2800" kern="1200">
+                <a:solidFill>
+                  <a:schemeClr val="tx1"/>
+                </a:solidFill>
+                <a:latin typeface="+mn-lt"/>
+                <a:ea typeface="+mn-ea"/>
+                <a:cs typeface="+mn-cs"/>
+              </a:defRPr>
+            </a:lvl1pPr>
+            <a:lvl2pPr marL="685800" indent="-228600" algn="l" defTabSz="914400" rtl="0" eaLnBrk="1" latinLnBrk="0" hangingPunct="1">
+              <a:lnSpc>
+                <a:spcPct val="90000"/>
+              </a:lnSpc>
+              <a:spcBef>
+                <a:spcPct val="30000"/>
+              </a:spcBef>
+              <a:buFont typeface="Arial" panose="020B0604020202020204" pitchFamily="34" charset="0"/>
+              <a:buChar char="•"/>
+              <a:defRPr sz="2400" kern="1200">
+                <a:solidFill>
+                  <a:schemeClr val="tx1"/>
+                </a:solidFill>
+                <a:latin typeface="+mn-lt"/>
+                <a:ea typeface="+mn-ea"/>
+                <a:cs typeface="+mn-cs"/>
+              </a:defRPr>
+            </a:lvl2pPr>
+            <a:lvl3pPr marL="1143000" indent="-228600" algn="l" defTabSz="914400" rtl="0" eaLnBrk="1" latinLnBrk="0" hangingPunct="1">
+              <a:lnSpc>
+                <a:spcPct val="90000"/>
+              </a:lnSpc>
+              <a:spcBef>
+                <a:spcPct val="30000"/>
+              </a:spcBef>
+              <a:buFont typeface="Arial" panose="020B0604020202020204" pitchFamily="34" charset="0"/>
+              <a:buChar char="•"/>
+              <a:defRPr sz="2000" kern="1200">
+                <a:solidFill>
+                  <a:schemeClr val="tx1"/>
+                </a:solidFill>
+                <a:latin typeface="+mn-lt"/>
+                <a:ea typeface="+mn-ea"/>
+                <a:cs typeface="+mn-cs"/>
+              </a:defRPr>
+            </a:lvl3pPr>
+            <a:lvl4pPr marL="1600200" indent="-228600" algn="l" defTabSz="914400" rtl="0" eaLnBrk="1" latinLnBrk="0" hangingPunct="1">
+              <a:lnSpc>
+                <a:spcPct val="90000"/>
+              </a:lnSpc>
+              <a:spcBef>
+                <a:spcPct val="30000"/>
+              </a:spcBef>
+              <a:buFont typeface="Arial" panose="020B0604020202020204" pitchFamily="34" charset="0"/>
+              <a:buChar char="•"/>
+              <a:defRPr sz="1800" kern="1200">
+                <a:solidFill>
+                  <a:schemeClr val="tx1"/>
+                </a:solidFill>
+                <a:latin typeface="+mn-lt"/>
+                <a:ea typeface="+mn-ea"/>
+                <a:cs typeface="+mn-cs"/>
+              </a:defRPr>
+            </a:lvl4pPr>
+            <a:lvl5pPr marL="2057400" indent="-228600" algn="l" defTabSz="914400" rtl="0" eaLnBrk="1" latinLnBrk="0" hangingPunct="1">
+              <a:lnSpc>
+                <a:spcPct val="90000"/>
+              </a:lnSpc>
+              <a:spcBef>
+                <a:spcPct val="30000"/>
+              </a:spcBef>
+              <a:buFont typeface="Arial" panose="020B0604020202020204" pitchFamily="34" charset="0"/>
+              <a:buChar char="•"/>
+              <a:defRPr sz="1800" kern="1200">
+                <a:solidFill>
+                  <a:schemeClr val="tx1"/>
+                </a:solidFill>
+                <a:latin typeface="+mn-lt"/>
+                <a:ea typeface="+mn-ea"/>
+                <a:cs typeface="+mn-cs"/>
+              </a:defRPr>
+            </a:lvl5pPr>
+            <a:lvl6pPr marL="2514600" indent="-228600" algn="l" defTabSz="914400" rtl="0" eaLnBrk="1" latinLnBrk="0" hangingPunct="1">
+              <a:lnSpc>
+                <a:spcPct val="90000"/>
+              </a:lnSpc>
+              <a:spcBef>
+                <a:spcPct val="30000"/>
+              </a:spcBef>
+              <a:buFont typeface="Arial" panose="020B0604020202020204" pitchFamily="34" charset="0"/>
+              <a:buChar char="•"/>
+              <a:defRPr sz="1800" kern="1200">
+                <a:solidFill>
+                  <a:schemeClr val="tx1"/>
+                </a:solidFill>
+                <a:latin typeface="+mn-lt"/>
+                <a:ea typeface="+mn-ea"/>
+                <a:cs typeface="+mn-cs"/>
+              </a:defRPr>
+            </a:lvl6pPr>
+            <a:lvl7pPr marL="2971800" indent="-228600" algn="l" defTabSz="914400" rtl="0" eaLnBrk="1" latinLnBrk="0" hangingPunct="1">
+              <a:lnSpc>
+                <a:spcPct val="90000"/>
+              </a:lnSpc>
+              <a:spcBef>
+                <a:spcPct val="30000"/>
+              </a:spcBef>
+              <a:buFont typeface="Arial" panose="020B0604020202020204" pitchFamily="34" charset="0"/>
+              <a:buChar char="•"/>
+              <a:defRPr sz="1800" kern="1200">
+                <a:solidFill>
+                  <a:schemeClr val="tx1"/>
+                </a:solidFill>
+                <a:latin typeface="+mn-lt"/>
+                <a:ea typeface="+mn-ea"/>
+                <a:cs typeface="+mn-cs"/>
+              </a:defRPr>
+            </a:lvl7pPr>
+            <a:lvl8pPr marL="3429000" indent="-228600" algn="l" defTabSz="914400" rtl="0" eaLnBrk="1" latinLnBrk="0" hangingPunct="1">
+              <a:lnSpc>
+                <a:spcPct val="90000"/>
+              </a:lnSpc>
+              <a:spcBef>
+                <a:spcPct val="30000"/>
+              </a:spcBef>
+              <a:buFont typeface="Arial" panose="020B0604020202020204" pitchFamily="34" charset="0"/>
+              <a:buChar char="•"/>
+              <a:defRPr sz="1800" kern="1200">
+                <a:solidFill>
+                  <a:schemeClr val="tx1"/>
+                </a:solidFill>
+                <a:latin typeface="+mn-lt"/>
+                <a:ea typeface="+mn-ea"/>
+                <a:cs typeface="+mn-cs"/>
+              </a:defRPr>
+            </a:lvl8pPr>
+            <a:lvl9pPr marL="3886200" indent="-228600" algn="l" defTabSz="914400" rtl="0" eaLnBrk="1" latinLnBrk="0" hangingPunct="1">
+              <a:lnSpc>
+                <a:spcPct val="90000"/>
+              </a:lnSpc>
+              <a:spcBef>
+                <a:spcPct val="30000"/>
+              </a:spcBef>
+              <a:buFont typeface="Arial" panose="020B0604020202020204" pitchFamily="34" charset="0"/>
+              <a:buChar char="•"/>
+              <a:defRPr sz="1800" kern="1200">
+                <a:solidFill>
+                  <a:schemeClr val="tx1"/>
+                </a:solidFill>
+                <a:latin typeface="+mn-lt"/>
+                <a:ea typeface="+mn-ea"/>
+                <a:cs typeface="+mn-cs"/>
+              </a:defRPr>
+            </a:lvl9pPr>
+          </a:lstStyle>
+          <a:p>
+            <a:r>
+              <a:rPr lang="en-US" sz="1800" smtClean="0">
+                <a:latin typeface="Arial" panose="020B0604020202020204" pitchFamily="34" charset="0"/>
+              </a:rPr>
+              <a:t>Menyatakan citra dalam fungsi intensitas 2D</a:t>
+            </a:r>
+          </a:p>
+          <a:p>
+            <a:r>
+              <a:rPr lang="en-US" sz="1800" smtClean="0">
+                <a:latin typeface="Arial" panose="020B0604020202020204" pitchFamily="34" charset="0"/>
+              </a:rPr>
+              <a:t>Citra diiris oleh bidang yang sejajar dengan bidang </a:t>
+            </a:r>
+            <a:r>
+              <a:rPr lang="en-US" sz="1800" i="1" smtClean="0">
+                <a:latin typeface="Arial" panose="020B0604020202020204" pitchFamily="34" charset="0"/>
+              </a:rPr>
+              <a:t>xy</a:t>
+            </a:r>
+          </a:p>
+          <a:p>
+            <a:r>
+              <a:rPr lang="en-US" sz="1800" smtClean="0">
+                <a:latin typeface="Arial" panose="020B0604020202020204" pitchFamily="34" charset="0"/>
+              </a:rPr>
+              <a:t>Graylevel di atas dan di bawah bidang pengiris diwarnai dengan warna yang berbeda</a:t>
+            </a:r>
+            <a:endParaRPr lang="en-US" sz="1800" dirty="0">
+              <a:latin typeface="Arial" panose="020B0604020202020204" pitchFamily="34" charset="0"/>
+            </a:endParaRPr>
+          </a:p>
+        </p:txBody>
+      </p:sp>
+      <p:pic>
+        <p:nvPicPr>
+          <p:cNvPr id="4" name="Picture 12" descr="gray slicing"/>
+          <p:cNvPicPr>
+            <a:picLocks noChangeAspect="1" noChangeArrowheads="1"/>
+          </p:cNvPicPr>
+          <p:nvPr/>
+        </p:nvPicPr>
+        <p:blipFill>
+          <a:blip r:embed="rId2" cstate="print">
+            <a:extLst>
+              <a:ext uri="{28A0092B-C50C-407E-A947-70E740481C1C}">
+                <a14:useLocalDpi xmlns:a14="http://schemas.microsoft.com/office/drawing/2010/main" val="0"/>
+              </a:ext>
+            </a:extLst>
+          </a:blip>
+          <a:srcRect/>
+          <a:stretch>
+            <a:fillRect/>
+          </a:stretch>
+        </p:blipFill>
+        <p:spPr bwMode="auto">
+          <a:xfrm>
+            <a:off x="5454015" y="3605380"/>
+            <a:ext cx="3321050" cy="2767012"/>
+          </a:xfrm>
+          <a:prstGeom prst="rect">
+            <a:avLst/>
+          </a:prstGeom>
+          <a:noFill/>
+          <a:extLst>
+            <a:ext uri="{909E8E84-426E-40DD-AFC4-6F175D3DCCD1}">
+              <a14:hiddenFill xmlns:a14="http://schemas.microsoft.com/office/drawing/2010/main">
+                <a:solidFill>
+                  <a:srgbClr val="FFFFFF"/>
+                </a:solidFill>
+              </a14:hiddenFill>
+            </a:ext>
+          </a:extLst>
+        </p:spPr>
+      </p:pic>
+    </p:spTree>
+    <p:extLst>
+      <p:ext uri="{BB962C8B-B14F-4D97-AF65-F5344CB8AC3E}">
+        <p14:creationId xmlns:p14="http://schemas.microsoft.com/office/powerpoint/2010/main" val="5350032"/>
+      </p:ext>
+    </p:extLst>
+  </p:cSld>
+  <p:clrMapOvr>
+    <a:masterClrMapping/>
+  </p:clrMapOvr>
+</p:sld>
+</file>
+
+<file path=ppt/slides/slide11.xml><?xml version="1.0" encoding="utf-8"?>
+<p:sld xmlns:a="http://schemas.openxmlformats.org/drawingml/2006/main" xmlns:r="http://schemas.openxmlformats.org/officeDocument/2006/relationships" xmlns:p="http://schemas.openxmlformats.org/presentationml/2006/main">
+  <p:cSld>
+    <p:spTree>
+      <p:nvGrpSpPr>
+        <p:cNvPr id="1" name=""/>
+        <p:cNvGrpSpPr/>
+        <p:nvPr/>
+      </p:nvGrpSpPr>
+      <p:grpSpPr>
+        <a:xfrm>
+          <a:off x="0" y="0"/>
+          <a:ext cx="0" cy="0"/>
+          <a:chOff x="0" y="0"/>
+          <a:chExt cx="0" cy="0"/>
+        </a:xfrm>
+      </p:grpSpPr>
+      <p:sp>
+        <p:nvSpPr>
+          <p:cNvPr id="2" name="Title 1"/>
+          <p:cNvSpPr>
+            <a:spLocks noGrp="1"/>
+          </p:cNvSpPr>
+          <p:nvPr>
+            <p:ph type="title"/>
+          </p:nvPr>
+        </p:nvSpPr>
+        <p:spPr/>
+        <p:txBody>
+          <a:bodyPr/>
+          <a:lstStyle/>
+          <a:p>
+            <a:r>
+              <a:rPr lang="en-US" b="1" dirty="0">
+                <a:latin typeface="Arial" panose="020B0604020202020204" pitchFamily="34" charset="0"/>
+              </a:rPr>
+              <a:t>Intensity Slicing </a:t>
+            </a:r>
+            <a:r>
+              <a:rPr lang="en-US" sz="2000" b="1" dirty="0" smtClean="0">
+                <a:latin typeface="Arial" panose="020B0604020202020204" pitchFamily="34" charset="0"/>
+              </a:rPr>
+              <a:t>(2)</a:t>
+            </a:r>
+            <a:endParaRPr lang="en-US" dirty="0"/>
+          </a:p>
+        </p:txBody>
+      </p:sp>
+      <p:sp>
+        <p:nvSpPr>
+          <p:cNvPr id="3" name="Rectangle 10"/>
+          <p:cNvSpPr>
+            <a:spLocks noChangeArrowheads="1"/>
+          </p:cNvSpPr>
+          <p:nvPr/>
+        </p:nvSpPr>
+        <p:spPr bwMode="auto">
+          <a:xfrm>
+            <a:off x="685800" y="1513088"/>
+            <a:ext cx="8077200" cy="790575"/>
+          </a:xfrm>
+          <a:prstGeom prst="rect">
+            <a:avLst/>
+          </a:prstGeom>
+          <a:solidFill>
+            <a:schemeClr val="bg1"/>
+          </a:solidFill>
+          <a:ln>
+            <a:noFill/>
+          </a:ln>
+          <a:effectLst/>
+          <a:extLst>
+            <a:ext uri="{91240B29-F687-4F45-9708-019B960494DF}">
+              <a14:hiddenLine xmlns:a14="http://schemas.microsoft.com/office/drawing/2010/main" w="9525">
+                <a:solidFill>
+                  <a:schemeClr val="tx1"/>
+                </a:solidFill>
+                <a:miter lim="800000"/>
+                <a:headEnd/>
+                <a:tailEnd/>
+              </a14:hiddenLine>
+            </a:ext>
+            <a:ext uri="{AF507438-7753-43E0-B8FC-AC1667EBCBE1}">
+              <a14:hiddenEffects xmlns:a14="http://schemas.microsoft.com/office/drawing/2010/main">
+                <a:effectLst>
+                  <a:outerShdw dist="35921" dir="2700000" algn="ctr" rotWithShape="0">
+                    <a:schemeClr val="bg2"/>
+                  </a:outerShdw>
+                </a:effectLst>
+              </a14:hiddenEffects>
+            </a:ext>
+          </a:extLst>
+        </p:spPr>
+        <p:txBody>
+          <a:bodyPr/>
+          <a:lstStyle>
+            <a:lvl1pPr marL="342900" indent="-342900">
+              <a:spcBef>
+                <a:spcPct val="20000"/>
+              </a:spcBef>
+              <a:buChar char="•"/>
+              <a:defRPr sz="3200">
+                <a:solidFill>
+                  <a:schemeClr val="tx1"/>
+                </a:solidFill>
+                <a:latin typeface="Times New Roman" panose="02020603050405020304" pitchFamily="18" charset="0"/>
+              </a:defRPr>
+            </a:lvl1pPr>
+            <a:lvl2pPr marL="742950" indent="-285750">
+              <a:spcBef>
+                <a:spcPct val="20000"/>
+              </a:spcBef>
+              <a:buChar char="–"/>
+              <a:defRPr sz="2800">
+                <a:solidFill>
+                  <a:schemeClr val="tx1"/>
+                </a:solidFill>
+                <a:latin typeface="Times New Roman" panose="02020603050405020304" pitchFamily="18" charset="0"/>
+              </a:defRPr>
+            </a:lvl2pPr>
+            <a:lvl3pPr marL="1143000" indent="-228600">
+              <a:spcBef>
+                <a:spcPct val="20000"/>
+              </a:spcBef>
+              <a:buChar char="•"/>
+              <a:defRPr sz="2400">
+                <a:solidFill>
+                  <a:schemeClr val="tx1"/>
+                </a:solidFill>
+                <a:latin typeface="Times New Roman" panose="02020603050405020304" pitchFamily="18" charset="0"/>
+              </a:defRPr>
+            </a:lvl3pPr>
+            <a:lvl4pPr marL="1600200" indent="-228600">
+              <a:spcBef>
+                <a:spcPct val="20000"/>
+              </a:spcBef>
+              <a:buChar char="–"/>
+              <a:defRPr sz="2000">
+                <a:solidFill>
+                  <a:schemeClr val="tx1"/>
+                </a:solidFill>
+                <a:latin typeface="Times New Roman" panose="02020603050405020304" pitchFamily="18" charset="0"/>
+              </a:defRPr>
+            </a:lvl4pPr>
+            <a:lvl5pPr marL="2057400" indent="-228600">
+              <a:spcBef>
+                <a:spcPct val="20000"/>
+              </a:spcBef>
+              <a:buChar char="»"/>
+              <a:defRPr sz="2000">
+                <a:solidFill>
+                  <a:schemeClr val="tx1"/>
+                </a:solidFill>
+                <a:latin typeface="Times New Roman" panose="02020603050405020304" pitchFamily="18" charset="0"/>
+              </a:defRPr>
+            </a:lvl5pPr>
+            <a:lvl6pPr marL="2514600" indent="-228600" fontAlgn="base">
+              <a:spcBef>
+                <a:spcPct val="20000"/>
+              </a:spcBef>
+              <a:spcAft>
+                <a:spcPct val="0"/>
+              </a:spcAft>
+              <a:buChar char="»"/>
+              <a:defRPr sz="2000">
+                <a:solidFill>
+                  <a:schemeClr val="tx1"/>
+                </a:solidFill>
+                <a:latin typeface="Times New Roman" panose="02020603050405020304" pitchFamily="18" charset="0"/>
+              </a:defRPr>
+            </a:lvl6pPr>
+            <a:lvl7pPr marL="2971800" indent="-228600" fontAlgn="base">
+              <a:spcBef>
+                <a:spcPct val="20000"/>
+              </a:spcBef>
+              <a:spcAft>
+                <a:spcPct val="0"/>
+              </a:spcAft>
+              <a:buChar char="»"/>
+              <a:defRPr sz="2000">
+                <a:solidFill>
+                  <a:schemeClr val="tx1"/>
+                </a:solidFill>
+                <a:latin typeface="Times New Roman" panose="02020603050405020304" pitchFamily="18" charset="0"/>
+              </a:defRPr>
+            </a:lvl7pPr>
+            <a:lvl8pPr marL="3429000" indent="-228600" fontAlgn="base">
+              <a:spcBef>
+                <a:spcPct val="20000"/>
+              </a:spcBef>
+              <a:spcAft>
+                <a:spcPct val="0"/>
+              </a:spcAft>
+              <a:buChar char="»"/>
+              <a:defRPr sz="2000">
+                <a:solidFill>
+                  <a:schemeClr val="tx1"/>
+                </a:solidFill>
+                <a:latin typeface="Times New Roman" panose="02020603050405020304" pitchFamily="18" charset="0"/>
+              </a:defRPr>
+            </a:lvl8pPr>
+            <a:lvl9pPr marL="3886200" indent="-228600" fontAlgn="base">
+              <a:spcBef>
+                <a:spcPct val="20000"/>
+              </a:spcBef>
+              <a:spcAft>
+                <a:spcPct val="0"/>
+              </a:spcAft>
+              <a:buChar char="»"/>
+              <a:defRPr sz="2000">
+                <a:solidFill>
+                  <a:schemeClr val="tx1"/>
+                </a:solidFill>
+                <a:latin typeface="Times New Roman" panose="02020603050405020304" pitchFamily="18" charset="0"/>
+              </a:defRPr>
+            </a:lvl9pPr>
+          </a:lstStyle>
+          <a:p>
+            <a:r>
+              <a:rPr lang="en-US" sz="1800">
+                <a:latin typeface="Arial" panose="020B0604020202020204" pitchFamily="34" charset="0"/>
+              </a:rPr>
+              <a:t>Mirip dengan thresholding, tapi dengan 2 warna</a:t>
+            </a:r>
+          </a:p>
+          <a:p>
+            <a:r>
+              <a:rPr lang="en-US" sz="1800">
+                <a:latin typeface="Arial" panose="020B0604020202020204" pitchFamily="34" charset="0"/>
+              </a:rPr>
+              <a:t>Pengembangannya: gunakan beberapa bidang pengiris</a:t>
+            </a:r>
+          </a:p>
+        </p:txBody>
+      </p:sp>
+      <p:pic>
+        <p:nvPicPr>
+          <p:cNvPr id="4" name="Picture 11" descr="is1"/>
+          <p:cNvPicPr>
+            <a:picLocks noChangeAspect="1" noChangeArrowheads="1"/>
+          </p:cNvPicPr>
+          <p:nvPr/>
+        </p:nvPicPr>
+        <p:blipFill>
+          <a:blip r:embed="rId2">
+            <a:extLst>
+              <a:ext uri="{28A0092B-C50C-407E-A947-70E740481C1C}">
+                <a14:useLocalDpi xmlns:a14="http://schemas.microsoft.com/office/drawing/2010/main" val="0"/>
+              </a:ext>
+            </a:extLst>
+          </a:blip>
+          <a:srcRect/>
+          <a:stretch>
+            <a:fillRect/>
+          </a:stretch>
+        </p:blipFill>
+        <p:spPr bwMode="auto">
+          <a:xfrm>
+            <a:off x="936625" y="2674938"/>
+            <a:ext cx="2481263" cy="2673350"/>
+          </a:xfrm>
+          <a:prstGeom prst="rect">
+            <a:avLst/>
+          </a:prstGeom>
+          <a:noFill/>
+          <a:extLst>
+            <a:ext uri="{909E8E84-426E-40DD-AFC4-6F175D3DCCD1}">
+              <a14:hiddenFill xmlns:a14="http://schemas.microsoft.com/office/drawing/2010/main">
+                <a:solidFill>
+                  <a:srgbClr val="FFFFFF"/>
+                </a:solidFill>
+              </a14:hiddenFill>
+            </a:ext>
+          </a:extLst>
+        </p:spPr>
+      </p:pic>
+      <p:pic>
+        <p:nvPicPr>
+          <p:cNvPr id="5" name="Picture 12" descr="is2"/>
+          <p:cNvPicPr>
+            <a:picLocks noChangeAspect="1" noChangeArrowheads="1"/>
+          </p:cNvPicPr>
+          <p:nvPr/>
+        </p:nvPicPr>
+        <p:blipFill>
+          <a:blip r:embed="rId3">
+            <a:extLst>
+              <a:ext uri="{28A0092B-C50C-407E-A947-70E740481C1C}">
+                <a14:useLocalDpi xmlns:a14="http://schemas.microsoft.com/office/drawing/2010/main" val="0"/>
+              </a:ext>
+            </a:extLst>
+          </a:blip>
+          <a:srcRect/>
+          <a:stretch>
+            <a:fillRect/>
+          </a:stretch>
+        </p:blipFill>
+        <p:spPr bwMode="auto">
+          <a:xfrm>
+            <a:off x="3411538" y="2684463"/>
+            <a:ext cx="2451100" cy="2886075"/>
+          </a:xfrm>
+          <a:prstGeom prst="rect">
+            <a:avLst/>
+          </a:prstGeom>
+          <a:noFill/>
+          <a:extLst>
+            <a:ext uri="{909E8E84-426E-40DD-AFC4-6F175D3DCCD1}">
+              <a14:hiddenFill xmlns:a14="http://schemas.microsoft.com/office/drawing/2010/main">
+                <a:solidFill>
+                  <a:srgbClr val="FFFFFF"/>
+                </a:solidFill>
+              </a14:hiddenFill>
+            </a:ext>
+          </a:extLst>
+        </p:spPr>
+      </p:pic>
+      <p:pic>
+        <p:nvPicPr>
+          <p:cNvPr id="6" name="Picture 13" descr="is3"/>
+          <p:cNvPicPr>
+            <a:picLocks noChangeAspect="1" noChangeArrowheads="1"/>
+          </p:cNvPicPr>
+          <p:nvPr/>
+        </p:nvPicPr>
+        <p:blipFill>
+          <a:blip r:embed="rId4">
+            <a:extLst>
+              <a:ext uri="{28A0092B-C50C-407E-A947-70E740481C1C}">
+                <a14:useLocalDpi xmlns:a14="http://schemas.microsoft.com/office/drawing/2010/main" val="0"/>
+              </a:ext>
+            </a:extLst>
+          </a:blip>
+          <a:srcRect/>
+          <a:stretch>
+            <a:fillRect/>
+          </a:stretch>
+        </p:blipFill>
+        <p:spPr bwMode="auto">
+          <a:xfrm>
+            <a:off x="5915025" y="2697163"/>
+            <a:ext cx="2392363" cy="2797175"/>
+          </a:xfrm>
+          <a:prstGeom prst="rect">
+            <a:avLst/>
+          </a:prstGeom>
+          <a:noFill/>
+          <a:extLst>
+            <a:ext uri="{909E8E84-426E-40DD-AFC4-6F175D3DCCD1}">
+              <a14:hiddenFill xmlns:a14="http://schemas.microsoft.com/office/drawing/2010/main">
+                <a:solidFill>
+                  <a:srgbClr val="FFFFFF"/>
+                </a:solidFill>
+              </a14:hiddenFill>
+            </a:ext>
+          </a:extLst>
+        </p:spPr>
+      </p:pic>
+    </p:spTree>
+    <p:extLst>
+      <p:ext uri="{BB962C8B-B14F-4D97-AF65-F5344CB8AC3E}">
+        <p14:creationId xmlns:p14="http://schemas.microsoft.com/office/powerpoint/2010/main" val="2722919616"/>
+      </p:ext>
+    </p:extLst>
+  </p:cSld>
+  <p:clrMapOvr>
+    <a:masterClrMapping/>
+  </p:clrMapOvr>
+</p:sld>
+</file>
+
+<file path=ppt/slides/slide12.xml><?xml version="1.0" encoding="utf-8"?>
+<p:sld xmlns:a="http://schemas.openxmlformats.org/drawingml/2006/main" xmlns:r="http://schemas.openxmlformats.org/officeDocument/2006/relationships" xmlns:p="http://schemas.openxmlformats.org/presentationml/2006/main">
+  <p:cSld>
+    <p:spTree>
+      <p:nvGrpSpPr>
+        <p:cNvPr id="1" name=""/>
+        <p:cNvGrpSpPr/>
+        <p:nvPr/>
+      </p:nvGrpSpPr>
+      <p:grpSpPr>
+        <a:xfrm>
+          <a:off x="0" y="0"/>
+          <a:ext cx="0" cy="0"/>
+          <a:chOff x="0" y="0"/>
+          <a:chExt cx="0" cy="0"/>
+        </a:xfrm>
+      </p:grpSpPr>
+      <p:sp>
+        <p:nvSpPr>
+          <p:cNvPr id="2" name="Title 1"/>
+          <p:cNvSpPr>
+            <a:spLocks noGrp="1"/>
+          </p:cNvSpPr>
+          <p:nvPr>
+            <p:ph type="title"/>
+          </p:nvPr>
+        </p:nvSpPr>
+        <p:spPr/>
+        <p:txBody>
+          <a:bodyPr/>
+          <a:lstStyle/>
+          <a:p>
+            <a:r>
+              <a:rPr lang="en-US" b="1" dirty="0" err="1">
+                <a:latin typeface="Arial" panose="020B0604020202020204" pitchFamily="34" charset="0"/>
+              </a:rPr>
+              <a:t>Graylevel</a:t>
+            </a:r>
+            <a:r>
+              <a:rPr lang="en-US" b="1" dirty="0">
+                <a:latin typeface="Arial" panose="020B0604020202020204" pitchFamily="34" charset="0"/>
+              </a:rPr>
+              <a:t> to Color</a:t>
+            </a:r>
+            <a:endParaRPr lang="en-US" dirty="0"/>
+          </a:p>
+        </p:txBody>
+      </p:sp>
+      <p:sp>
+        <p:nvSpPr>
+          <p:cNvPr id="3" name="Rectangle 10"/>
+          <p:cNvSpPr txBox="1">
+            <a:spLocks noChangeArrowheads="1"/>
+          </p:cNvSpPr>
+          <p:nvPr/>
+        </p:nvSpPr>
+        <p:spPr>
+          <a:xfrm>
+            <a:off x="685800" y="1493838"/>
+            <a:ext cx="8077200" cy="384175"/>
+          </a:xfrm>
+          <a:prstGeom prst="rect">
+            <a:avLst/>
+          </a:prstGeom>
+          <a:solidFill>
+            <a:schemeClr val="bg1"/>
+          </a:solidFill>
+          <a:ln/>
+        </p:spPr>
+        <p:txBody>
+          <a:bodyPr/>
+          <a:lstStyle>
+            <a:lvl1pPr marL="228600" indent="-228600" algn="l" defTabSz="914400" rtl="0" eaLnBrk="1" latinLnBrk="0" hangingPunct="1">
+              <a:lnSpc>
+                <a:spcPct val="90000"/>
+              </a:lnSpc>
+              <a:spcBef>
+                <a:spcPct val="30000"/>
+              </a:spcBef>
+              <a:buFont typeface="Arial" panose="020B0604020202020204" pitchFamily="34" charset="0"/>
+              <a:buChar char="•"/>
+              <a:defRPr sz="2800" kern="1200">
+                <a:solidFill>
+                  <a:schemeClr val="tx1"/>
+                </a:solidFill>
+                <a:latin typeface="+mn-lt"/>
+                <a:ea typeface="+mn-ea"/>
+                <a:cs typeface="+mn-cs"/>
+              </a:defRPr>
+            </a:lvl1pPr>
+            <a:lvl2pPr marL="685800" indent="-228600" algn="l" defTabSz="914400" rtl="0" eaLnBrk="1" latinLnBrk="0" hangingPunct="1">
+              <a:lnSpc>
+                <a:spcPct val="90000"/>
+              </a:lnSpc>
+              <a:spcBef>
+                <a:spcPct val="30000"/>
+              </a:spcBef>
+              <a:buFont typeface="Arial" panose="020B0604020202020204" pitchFamily="34" charset="0"/>
+              <a:buChar char="•"/>
+              <a:defRPr sz="2400" kern="1200">
+                <a:solidFill>
+                  <a:schemeClr val="tx1"/>
+                </a:solidFill>
+                <a:latin typeface="+mn-lt"/>
+                <a:ea typeface="+mn-ea"/>
+                <a:cs typeface="+mn-cs"/>
+              </a:defRPr>
+            </a:lvl2pPr>
+            <a:lvl3pPr marL="1143000" indent="-228600" algn="l" defTabSz="914400" rtl="0" eaLnBrk="1" latinLnBrk="0" hangingPunct="1">
+              <a:lnSpc>
+                <a:spcPct val="90000"/>
+              </a:lnSpc>
+              <a:spcBef>
+                <a:spcPct val="30000"/>
+              </a:spcBef>
+              <a:buFont typeface="Arial" panose="020B0604020202020204" pitchFamily="34" charset="0"/>
+              <a:buChar char="•"/>
+              <a:defRPr sz="2000" kern="1200">
+                <a:solidFill>
+                  <a:schemeClr val="tx1"/>
+                </a:solidFill>
+                <a:latin typeface="+mn-lt"/>
+                <a:ea typeface="+mn-ea"/>
+                <a:cs typeface="+mn-cs"/>
+              </a:defRPr>
+            </a:lvl3pPr>
+            <a:lvl4pPr marL="1600200" indent="-228600" algn="l" defTabSz="914400" rtl="0" eaLnBrk="1" latinLnBrk="0" hangingPunct="1">
+              <a:lnSpc>
+                <a:spcPct val="90000"/>
+              </a:lnSpc>
+              <a:spcBef>
+                <a:spcPct val="30000"/>
+              </a:spcBef>
+              <a:buFont typeface="Arial" panose="020B0604020202020204" pitchFamily="34" charset="0"/>
+              <a:buChar char="•"/>
+              <a:defRPr sz="1800" kern="1200">
+                <a:solidFill>
+                  <a:schemeClr val="tx1"/>
+                </a:solidFill>
+                <a:latin typeface="+mn-lt"/>
+                <a:ea typeface="+mn-ea"/>
+                <a:cs typeface="+mn-cs"/>
+              </a:defRPr>
+            </a:lvl4pPr>
+            <a:lvl5pPr marL="2057400" indent="-228600" algn="l" defTabSz="914400" rtl="0" eaLnBrk="1" latinLnBrk="0" hangingPunct="1">
+              <a:lnSpc>
+                <a:spcPct val="90000"/>
+              </a:lnSpc>
+              <a:spcBef>
+                <a:spcPct val="30000"/>
+              </a:spcBef>
+              <a:buFont typeface="Arial" panose="020B0604020202020204" pitchFamily="34" charset="0"/>
+              <a:buChar char="•"/>
+              <a:defRPr sz="1800" kern="1200">
+                <a:solidFill>
+                  <a:schemeClr val="tx1"/>
+                </a:solidFill>
+                <a:latin typeface="+mn-lt"/>
+                <a:ea typeface="+mn-ea"/>
+                <a:cs typeface="+mn-cs"/>
+              </a:defRPr>
+            </a:lvl5pPr>
+            <a:lvl6pPr marL="2514600" indent="-228600" algn="l" defTabSz="914400" rtl="0" eaLnBrk="1" latinLnBrk="0" hangingPunct="1">
+              <a:lnSpc>
+                <a:spcPct val="90000"/>
+              </a:lnSpc>
+              <a:spcBef>
+                <a:spcPct val="30000"/>
+              </a:spcBef>
+              <a:buFont typeface="Arial" panose="020B0604020202020204" pitchFamily="34" charset="0"/>
+              <a:buChar char="•"/>
+              <a:defRPr sz="1800" kern="1200">
+                <a:solidFill>
+                  <a:schemeClr val="tx1"/>
+                </a:solidFill>
+                <a:latin typeface="+mn-lt"/>
+                <a:ea typeface="+mn-ea"/>
+                <a:cs typeface="+mn-cs"/>
+              </a:defRPr>
+            </a:lvl6pPr>
+            <a:lvl7pPr marL="2971800" indent="-228600" algn="l" defTabSz="914400" rtl="0" eaLnBrk="1" latinLnBrk="0" hangingPunct="1">
+              <a:lnSpc>
+                <a:spcPct val="90000"/>
+              </a:lnSpc>
+              <a:spcBef>
+                <a:spcPct val="30000"/>
+              </a:spcBef>
+              <a:buFont typeface="Arial" panose="020B0604020202020204" pitchFamily="34" charset="0"/>
+              <a:buChar char="•"/>
+              <a:defRPr sz="1800" kern="1200">
+                <a:solidFill>
+                  <a:schemeClr val="tx1"/>
+                </a:solidFill>
+                <a:latin typeface="+mn-lt"/>
+                <a:ea typeface="+mn-ea"/>
+                <a:cs typeface="+mn-cs"/>
+              </a:defRPr>
+            </a:lvl7pPr>
+            <a:lvl8pPr marL="3429000" indent="-228600" algn="l" defTabSz="914400" rtl="0" eaLnBrk="1" latinLnBrk="0" hangingPunct="1">
+              <a:lnSpc>
+                <a:spcPct val="90000"/>
+              </a:lnSpc>
+              <a:spcBef>
+                <a:spcPct val="30000"/>
+              </a:spcBef>
+              <a:buFont typeface="Arial" panose="020B0604020202020204" pitchFamily="34" charset="0"/>
+              <a:buChar char="•"/>
+              <a:defRPr sz="1800" kern="1200">
+                <a:solidFill>
+                  <a:schemeClr val="tx1"/>
+                </a:solidFill>
+                <a:latin typeface="+mn-lt"/>
+                <a:ea typeface="+mn-ea"/>
+                <a:cs typeface="+mn-cs"/>
+              </a:defRPr>
+            </a:lvl8pPr>
+            <a:lvl9pPr marL="3886200" indent="-228600" algn="l" defTabSz="914400" rtl="0" eaLnBrk="1" latinLnBrk="0" hangingPunct="1">
+              <a:lnSpc>
+                <a:spcPct val="90000"/>
+              </a:lnSpc>
+              <a:spcBef>
+                <a:spcPct val="30000"/>
+              </a:spcBef>
+              <a:buFont typeface="Arial" panose="020B0604020202020204" pitchFamily="34" charset="0"/>
+              <a:buChar char="•"/>
+              <a:defRPr sz="1800" kern="1200">
+                <a:solidFill>
+                  <a:schemeClr val="tx1"/>
+                </a:solidFill>
+                <a:latin typeface="+mn-lt"/>
+                <a:ea typeface="+mn-ea"/>
+                <a:cs typeface="+mn-cs"/>
+              </a:defRPr>
+            </a:lvl9pPr>
+          </a:lstStyle>
+          <a:p>
+            <a:r>
+              <a:rPr lang="en-US" sz="2000" smtClean="0">
+                <a:latin typeface="Arial" panose="020B0604020202020204" pitchFamily="34" charset="0"/>
+              </a:rPr>
+              <a:t>Masing-masing channel RGB diproses dengan cara yang berbeda</a:t>
+            </a:r>
+            <a:endParaRPr lang="en-US" sz="2000" dirty="0">
+              <a:latin typeface="Arial" panose="020B0604020202020204" pitchFamily="34" charset="0"/>
+            </a:endParaRPr>
+          </a:p>
+        </p:txBody>
+      </p:sp>
+      <p:pic>
+        <p:nvPicPr>
+          <p:cNvPr id="4" name="Picture 11" descr="image47"/>
+          <p:cNvPicPr>
+            <a:picLocks noChangeAspect="1" noChangeArrowheads="1"/>
+          </p:cNvPicPr>
+          <p:nvPr/>
+        </p:nvPicPr>
+        <p:blipFill>
+          <a:blip r:embed="rId2">
+            <a:extLst>
+              <a:ext uri="{28A0092B-C50C-407E-A947-70E740481C1C}">
+                <a14:useLocalDpi xmlns:a14="http://schemas.microsoft.com/office/drawing/2010/main" val="0"/>
+              </a:ext>
+            </a:extLst>
+          </a:blip>
+          <a:srcRect/>
+          <a:stretch>
+            <a:fillRect/>
+          </a:stretch>
+        </p:blipFill>
+        <p:spPr bwMode="auto">
+          <a:xfrm>
+            <a:off x="3038475" y="2212975"/>
+            <a:ext cx="1497013" cy="2206625"/>
+          </a:xfrm>
+          <a:prstGeom prst="rect">
+            <a:avLst/>
+          </a:prstGeom>
+          <a:noFill/>
+          <a:extLst>
+            <a:ext uri="{909E8E84-426E-40DD-AFC4-6F175D3DCCD1}">
+              <a14:hiddenFill xmlns:a14="http://schemas.microsoft.com/office/drawing/2010/main">
+                <a:solidFill>
+                  <a:srgbClr val="FFFFFF"/>
+                </a:solidFill>
+              </a14:hiddenFill>
+            </a:ext>
+          </a:extLst>
+        </p:spPr>
+      </p:pic>
+      <p:sp>
+        <p:nvSpPr>
+          <p:cNvPr id="5" name="Rectangle 13"/>
+          <p:cNvSpPr>
+            <a:spLocks noChangeArrowheads="1"/>
+          </p:cNvSpPr>
+          <p:nvPr/>
+        </p:nvSpPr>
+        <p:spPr bwMode="auto">
+          <a:xfrm>
+            <a:off x="723900" y="4884738"/>
+            <a:ext cx="8077200" cy="1171575"/>
+          </a:xfrm>
+          <a:prstGeom prst="rect">
+            <a:avLst/>
+          </a:prstGeom>
+          <a:solidFill>
+            <a:schemeClr val="bg1"/>
+          </a:solidFill>
+          <a:ln>
+            <a:noFill/>
+          </a:ln>
+          <a:effectLst/>
+          <a:extLst>
+            <a:ext uri="{91240B29-F687-4F45-9708-019B960494DF}">
+              <a14:hiddenLine xmlns:a14="http://schemas.microsoft.com/office/drawing/2010/main" w="9525">
+                <a:solidFill>
+                  <a:schemeClr val="tx1"/>
+                </a:solidFill>
+                <a:miter lim="800000"/>
+                <a:headEnd/>
+                <a:tailEnd/>
+              </a14:hiddenLine>
+            </a:ext>
+            <a:ext uri="{AF507438-7753-43E0-B8FC-AC1667EBCBE1}">
+              <a14:hiddenEffects xmlns:a14="http://schemas.microsoft.com/office/drawing/2010/main">
+                <a:effectLst>
+                  <a:outerShdw dist="35921" dir="2700000" algn="ctr" rotWithShape="0">
+                    <a:schemeClr val="bg2"/>
+                  </a:outerShdw>
+                </a:effectLst>
+              </a14:hiddenEffects>
+            </a:ext>
+          </a:extLst>
+        </p:spPr>
+        <p:txBody>
+          <a:bodyPr/>
+          <a:lstStyle>
+            <a:lvl1pPr marL="342900" indent="-342900">
+              <a:defRPr sz="2400">
+                <a:solidFill>
+                  <a:schemeClr val="tx1"/>
+                </a:solidFill>
+                <a:latin typeface="Times New Roman" panose="02020603050405020304" pitchFamily="18" charset="0"/>
+              </a:defRPr>
+            </a:lvl1pPr>
+            <a:lvl2pPr marL="742950" indent="-285750">
+              <a:defRPr sz="2400">
+                <a:solidFill>
+                  <a:schemeClr val="tx1"/>
+                </a:solidFill>
+                <a:latin typeface="Times New Roman" panose="02020603050405020304" pitchFamily="18" charset="0"/>
+              </a:defRPr>
+            </a:lvl2pPr>
+            <a:lvl3pPr marL="1143000" indent="-228600">
+              <a:defRPr sz="2400">
+                <a:solidFill>
+                  <a:schemeClr val="tx1"/>
+                </a:solidFill>
+                <a:latin typeface="Times New Roman" panose="02020603050405020304" pitchFamily="18" charset="0"/>
+              </a:defRPr>
+            </a:lvl3pPr>
+            <a:lvl4pPr marL="1600200" indent="-228600">
+              <a:defRPr sz="2400">
+                <a:solidFill>
+                  <a:schemeClr val="tx1"/>
+                </a:solidFill>
+                <a:latin typeface="Times New Roman" panose="02020603050405020304" pitchFamily="18" charset="0"/>
+              </a:defRPr>
+            </a:lvl4pPr>
+            <a:lvl5pPr marL="2057400" indent="-228600">
+              <a:defRPr sz="2400">
+                <a:solidFill>
+                  <a:schemeClr val="tx1"/>
+                </a:solidFill>
+                <a:latin typeface="Times New Roman" panose="02020603050405020304" pitchFamily="18" charset="0"/>
+              </a:defRPr>
+            </a:lvl5pPr>
+            <a:lvl6pPr marL="2514600" indent="-228600" fontAlgn="base">
+              <a:spcBef>
+                <a:spcPct val="0"/>
+              </a:spcBef>
+              <a:spcAft>
+                <a:spcPct val="0"/>
+              </a:spcAft>
+              <a:defRPr sz="2400">
+                <a:solidFill>
+                  <a:schemeClr val="tx1"/>
+                </a:solidFill>
+                <a:latin typeface="Times New Roman" panose="02020603050405020304" pitchFamily="18" charset="0"/>
+              </a:defRPr>
+            </a:lvl6pPr>
+            <a:lvl7pPr marL="2971800" indent="-228600" fontAlgn="base">
+              <a:spcBef>
+                <a:spcPct val="0"/>
+              </a:spcBef>
+              <a:spcAft>
+                <a:spcPct val="0"/>
+              </a:spcAft>
+              <a:defRPr sz="2400">
+                <a:solidFill>
+                  <a:schemeClr val="tx1"/>
+                </a:solidFill>
+                <a:latin typeface="Times New Roman" panose="02020603050405020304" pitchFamily="18" charset="0"/>
+              </a:defRPr>
+            </a:lvl7pPr>
+            <a:lvl8pPr marL="3429000" indent="-228600" fontAlgn="base">
+              <a:spcBef>
+                <a:spcPct val="0"/>
+              </a:spcBef>
+              <a:spcAft>
+                <a:spcPct val="0"/>
+              </a:spcAft>
+              <a:defRPr sz="2400">
+                <a:solidFill>
+                  <a:schemeClr val="tx1"/>
+                </a:solidFill>
+                <a:latin typeface="Times New Roman" panose="02020603050405020304" pitchFamily="18" charset="0"/>
+              </a:defRPr>
+            </a:lvl8pPr>
+            <a:lvl9pPr marL="3886200" indent="-228600" fontAlgn="base">
+              <a:spcBef>
+                <a:spcPct val="0"/>
+              </a:spcBef>
+              <a:spcAft>
+                <a:spcPct val="0"/>
+              </a:spcAft>
+              <a:defRPr sz="2400">
+                <a:solidFill>
+                  <a:schemeClr val="tx1"/>
+                </a:solidFill>
+                <a:latin typeface="Times New Roman" panose="02020603050405020304" pitchFamily="18" charset="0"/>
+              </a:defRPr>
+            </a:lvl9pPr>
+          </a:lstStyle>
+          <a:p>
+            <a:pPr>
+              <a:lnSpc>
+                <a:spcPct val="90000"/>
+              </a:lnSpc>
+              <a:spcBef>
+                <a:spcPct val="20000"/>
+              </a:spcBef>
+              <a:buFontTx/>
+              <a:buChar char="•"/>
+            </a:pPr>
+            <a:r>
+              <a:rPr lang="en-US" sz="2000">
+                <a:latin typeface="Arial" panose="020B0604020202020204" pitchFamily="34" charset="0"/>
+              </a:rPr>
+              <a:t>Apa jadinya bila fase ketiga komponen sama?</a:t>
+            </a:r>
+          </a:p>
+        </p:txBody>
+      </p:sp>
+      <p:pic>
+        <p:nvPicPr>
+          <p:cNvPr id="6" name="Picture 12" descr="image48"/>
+          <p:cNvPicPr>
+            <a:picLocks noChangeAspect="1" noChangeArrowheads="1"/>
+          </p:cNvPicPr>
+          <p:nvPr/>
+        </p:nvPicPr>
+        <p:blipFill>
+          <a:blip r:embed="rId3">
+            <a:extLst>
+              <a:ext uri="{28A0092B-C50C-407E-A947-70E740481C1C}">
+                <a14:useLocalDpi xmlns:a14="http://schemas.microsoft.com/office/drawing/2010/main" val="0"/>
+              </a:ext>
+            </a:extLst>
+          </a:blip>
+          <a:srcRect/>
+          <a:stretch>
+            <a:fillRect/>
+          </a:stretch>
+        </p:blipFill>
+        <p:spPr bwMode="auto">
+          <a:xfrm>
+            <a:off x="4587875" y="2200275"/>
+            <a:ext cx="1497013" cy="2206625"/>
+          </a:xfrm>
+          <a:prstGeom prst="rect">
+            <a:avLst/>
+          </a:prstGeom>
+          <a:noFill/>
+          <a:extLst>
+            <a:ext uri="{909E8E84-426E-40DD-AFC4-6F175D3DCCD1}">
+              <a14:hiddenFill xmlns:a14="http://schemas.microsoft.com/office/drawing/2010/main">
+                <a:solidFill>
+                  <a:srgbClr val="FFFFFF"/>
+                </a:solidFill>
+              </a14:hiddenFill>
+            </a:ext>
+          </a:extLst>
+        </p:spPr>
+      </p:pic>
+    </p:spTree>
+    <p:extLst>
+      <p:ext uri="{BB962C8B-B14F-4D97-AF65-F5344CB8AC3E}">
+        <p14:creationId xmlns:p14="http://schemas.microsoft.com/office/powerpoint/2010/main" val="1442478257"/>
+      </p:ext>
+    </p:extLst>
+  </p:cSld>
+  <p:clrMapOvr>
+    <a:masterClrMapping/>
+  </p:clrMapOvr>
+</p:sld>
+</file>
+
+<file path=ppt/slides/slide13.xml><?xml version="1.0" encoding="utf-8"?>
+<p:sld xmlns:a="http://schemas.openxmlformats.org/drawingml/2006/main" xmlns:r="http://schemas.openxmlformats.org/officeDocument/2006/relationships" xmlns:p="http://schemas.openxmlformats.org/presentationml/2006/main">
+  <p:cSld>
+    <p:spTree>
+      <p:nvGrpSpPr>
+        <p:cNvPr id="1" name=""/>
+        <p:cNvGrpSpPr/>
+        <p:nvPr/>
+      </p:nvGrpSpPr>
+      <p:grpSpPr>
+        <a:xfrm>
+          <a:off x="0" y="0"/>
+          <a:ext cx="0" cy="0"/>
+          <a:chOff x="0" y="0"/>
+          <a:chExt cx="0" cy="0"/>
+        </a:xfrm>
+      </p:grpSpPr>
+      <p:sp>
+        <p:nvSpPr>
+          <p:cNvPr id="2" name="Title 1"/>
+          <p:cNvSpPr>
+            <a:spLocks noGrp="1"/>
+          </p:cNvSpPr>
+          <p:nvPr>
+            <p:ph type="title"/>
+          </p:nvPr>
+        </p:nvSpPr>
+        <p:spPr/>
+        <p:txBody>
+          <a:bodyPr/>
+          <a:lstStyle/>
+          <a:p>
+            <a:r>
+              <a:rPr lang="en-US" b="1" dirty="0">
+                <a:latin typeface="Arial" panose="020B0604020202020204" pitchFamily="34" charset="0"/>
+              </a:rPr>
+              <a:t>Full-color Image Processing</a:t>
+            </a:r>
+            <a:endParaRPr lang="en-US" dirty="0"/>
+          </a:p>
+        </p:txBody>
+      </p:sp>
+      <p:sp>
+        <p:nvSpPr>
+          <p:cNvPr id="3" name="Rectangle 10"/>
+          <p:cNvSpPr txBox="1">
+            <a:spLocks noChangeArrowheads="1"/>
+          </p:cNvSpPr>
+          <p:nvPr/>
+        </p:nvSpPr>
+        <p:spPr>
+          <a:xfrm>
+            <a:off x="685800" y="1493838"/>
+            <a:ext cx="8077200" cy="3228975"/>
+          </a:xfrm>
+          <a:prstGeom prst="rect">
+            <a:avLst/>
+          </a:prstGeom>
+          <a:solidFill>
+            <a:schemeClr val="bg1"/>
+          </a:solidFill>
+          <a:ln/>
+        </p:spPr>
+        <p:txBody>
+          <a:bodyPr/>
+          <a:lstStyle>
+            <a:lvl1pPr marL="228600" indent="-228600" algn="l" defTabSz="914400" rtl="0" eaLnBrk="1" latinLnBrk="0" hangingPunct="1">
+              <a:lnSpc>
+                <a:spcPct val="90000"/>
+              </a:lnSpc>
+              <a:spcBef>
+                <a:spcPct val="30000"/>
+              </a:spcBef>
+              <a:buFont typeface="Arial" panose="020B0604020202020204" pitchFamily="34" charset="0"/>
+              <a:buChar char="•"/>
+              <a:defRPr sz="2800" kern="1200">
+                <a:solidFill>
+                  <a:schemeClr val="tx1"/>
+                </a:solidFill>
+                <a:latin typeface="+mn-lt"/>
+                <a:ea typeface="+mn-ea"/>
+                <a:cs typeface="+mn-cs"/>
+              </a:defRPr>
+            </a:lvl1pPr>
+            <a:lvl2pPr marL="685800" indent="-228600" algn="l" defTabSz="914400" rtl="0" eaLnBrk="1" latinLnBrk="0" hangingPunct="1">
+              <a:lnSpc>
+                <a:spcPct val="90000"/>
+              </a:lnSpc>
+              <a:spcBef>
+                <a:spcPct val="30000"/>
+              </a:spcBef>
+              <a:buFont typeface="Arial" panose="020B0604020202020204" pitchFamily="34" charset="0"/>
+              <a:buChar char="•"/>
+              <a:defRPr sz="2400" kern="1200">
+                <a:solidFill>
+                  <a:schemeClr val="tx1"/>
+                </a:solidFill>
+                <a:latin typeface="+mn-lt"/>
+                <a:ea typeface="+mn-ea"/>
+                <a:cs typeface="+mn-cs"/>
+              </a:defRPr>
+            </a:lvl2pPr>
+            <a:lvl3pPr marL="1143000" indent="-228600" algn="l" defTabSz="914400" rtl="0" eaLnBrk="1" latinLnBrk="0" hangingPunct="1">
+              <a:lnSpc>
+                <a:spcPct val="90000"/>
+              </a:lnSpc>
+              <a:spcBef>
+                <a:spcPct val="30000"/>
+              </a:spcBef>
+              <a:buFont typeface="Arial" panose="020B0604020202020204" pitchFamily="34" charset="0"/>
+              <a:buChar char="•"/>
+              <a:defRPr sz="2000" kern="1200">
+                <a:solidFill>
+                  <a:schemeClr val="tx1"/>
+                </a:solidFill>
+                <a:latin typeface="+mn-lt"/>
+                <a:ea typeface="+mn-ea"/>
+                <a:cs typeface="+mn-cs"/>
+              </a:defRPr>
+            </a:lvl3pPr>
+            <a:lvl4pPr marL="1600200" indent="-228600" algn="l" defTabSz="914400" rtl="0" eaLnBrk="1" latinLnBrk="0" hangingPunct="1">
+              <a:lnSpc>
+                <a:spcPct val="90000"/>
+              </a:lnSpc>
+              <a:spcBef>
+                <a:spcPct val="30000"/>
+              </a:spcBef>
+              <a:buFont typeface="Arial" panose="020B0604020202020204" pitchFamily="34" charset="0"/>
+              <a:buChar char="•"/>
+              <a:defRPr sz="1800" kern="1200">
+                <a:solidFill>
+                  <a:schemeClr val="tx1"/>
+                </a:solidFill>
+                <a:latin typeface="+mn-lt"/>
+                <a:ea typeface="+mn-ea"/>
+                <a:cs typeface="+mn-cs"/>
+              </a:defRPr>
+            </a:lvl4pPr>
+            <a:lvl5pPr marL="2057400" indent="-228600" algn="l" defTabSz="914400" rtl="0" eaLnBrk="1" latinLnBrk="0" hangingPunct="1">
+              <a:lnSpc>
+                <a:spcPct val="90000"/>
+              </a:lnSpc>
+              <a:spcBef>
+                <a:spcPct val="30000"/>
+              </a:spcBef>
+              <a:buFont typeface="Arial" panose="020B0604020202020204" pitchFamily="34" charset="0"/>
+              <a:buChar char="•"/>
+              <a:defRPr sz="1800" kern="1200">
+                <a:solidFill>
+                  <a:schemeClr val="tx1"/>
+                </a:solidFill>
+                <a:latin typeface="+mn-lt"/>
+                <a:ea typeface="+mn-ea"/>
+                <a:cs typeface="+mn-cs"/>
+              </a:defRPr>
+            </a:lvl5pPr>
+            <a:lvl6pPr marL="2514600" indent="-228600" algn="l" defTabSz="914400" rtl="0" eaLnBrk="1" latinLnBrk="0" hangingPunct="1">
+              <a:lnSpc>
+                <a:spcPct val="90000"/>
+              </a:lnSpc>
+              <a:spcBef>
+                <a:spcPct val="30000"/>
+              </a:spcBef>
+              <a:buFont typeface="Arial" panose="020B0604020202020204" pitchFamily="34" charset="0"/>
+              <a:buChar char="•"/>
+              <a:defRPr sz="1800" kern="1200">
+                <a:solidFill>
+                  <a:schemeClr val="tx1"/>
+                </a:solidFill>
+                <a:latin typeface="+mn-lt"/>
+                <a:ea typeface="+mn-ea"/>
+                <a:cs typeface="+mn-cs"/>
+              </a:defRPr>
+            </a:lvl6pPr>
+            <a:lvl7pPr marL="2971800" indent="-228600" algn="l" defTabSz="914400" rtl="0" eaLnBrk="1" latinLnBrk="0" hangingPunct="1">
+              <a:lnSpc>
+                <a:spcPct val="90000"/>
+              </a:lnSpc>
+              <a:spcBef>
+                <a:spcPct val="30000"/>
+              </a:spcBef>
+              <a:buFont typeface="Arial" panose="020B0604020202020204" pitchFamily="34" charset="0"/>
+              <a:buChar char="•"/>
+              <a:defRPr sz="1800" kern="1200">
+                <a:solidFill>
+                  <a:schemeClr val="tx1"/>
+                </a:solidFill>
+                <a:latin typeface="+mn-lt"/>
+                <a:ea typeface="+mn-ea"/>
+                <a:cs typeface="+mn-cs"/>
+              </a:defRPr>
+            </a:lvl7pPr>
+            <a:lvl8pPr marL="3429000" indent="-228600" algn="l" defTabSz="914400" rtl="0" eaLnBrk="1" latinLnBrk="0" hangingPunct="1">
+              <a:lnSpc>
+                <a:spcPct val="90000"/>
+              </a:lnSpc>
+              <a:spcBef>
+                <a:spcPct val="30000"/>
+              </a:spcBef>
+              <a:buFont typeface="Arial" panose="020B0604020202020204" pitchFamily="34" charset="0"/>
+              <a:buChar char="•"/>
+              <a:defRPr sz="1800" kern="1200">
+                <a:solidFill>
+                  <a:schemeClr val="tx1"/>
+                </a:solidFill>
+                <a:latin typeface="+mn-lt"/>
+                <a:ea typeface="+mn-ea"/>
+                <a:cs typeface="+mn-cs"/>
+              </a:defRPr>
+            </a:lvl8pPr>
+            <a:lvl9pPr marL="3886200" indent="-228600" algn="l" defTabSz="914400" rtl="0" eaLnBrk="1" latinLnBrk="0" hangingPunct="1">
+              <a:lnSpc>
+                <a:spcPct val="90000"/>
+              </a:lnSpc>
+              <a:spcBef>
+                <a:spcPct val="30000"/>
+              </a:spcBef>
+              <a:buFont typeface="Arial" panose="020B0604020202020204" pitchFamily="34" charset="0"/>
+              <a:buChar char="•"/>
+              <a:defRPr sz="1800" kern="1200">
+                <a:solidFill>
+                  <a:schemeClr val="tx1"/>
+                </a:solidFill>
+                <a:latin typeface="+mn-lt"/>
+                <a:ea typeface="+mn-ea"/>
+                <a:cs typeface="+mn-cs"/>
+              </a:defRPr>
+            </a:lvl9pPr>
+          </a:lstStyle>
+          <a:p>
+            <a:r>
+              <a:rPr lang="en-US" sz="1800" dirty="0" err="1" smtClean="0">
+                <a:latin typeface="Arial" panose="020B0604020202020204" pitchFamily="34" charset="0"/>
+              </a:rPr>
+              <a:t>Tujuan</a:t>
+            </a:r>
+            <a:r>
+              <a:rPr lang="en-US" sz="1800" dirty="0" smtClean="0">
+                <a:latin typeface="Arial" panose="020B0604020202020204" pitchFamily="34" charset="0"/>
+              </a:rPr>
+              <a:t> </a:t>
+            </a:r>
+            <a:r>
+              <a:rPr lang="en-US" sz="1800" dirty="0" err="1" smtClean="0">
+                <a:latin typeface="Arial" panose="020B0604020202020204" pitchFamily="34" charset="0"/>
+              </a:rPr>
+              <a:t>utamanya</a:t>
+            </a:r>
+            <a:r>
+              <a:rPr lang="en-US" sz="1800" dirty="0" smtClean="0">
+                <a:latin typeface="Arial" panose="020B0604020202020204" pitchFamily="34" charset="0"/>
+              </a:rPr>
+              <a:t> </a:t>
+            </a:r>
+            <a:r>
+              <a:rPr lang="en-US" sz="1800" dirty="0" err="1" smtClean="0">
+                <a:latin typeface="Arial" panose="020B0604020202020204" pitchFamily="34" charset="0"/>
+              </a:rPr>
+              <a:t>adalah</a:t>
+            </a:r>
+            <a:r>
+              <a:rPr lang="en-US" sz="1800" dirty="0" smtClean="0">
+                <a:latin typeface="Arial" panose="020B0604020202020204" pitchFamily="34" charset="0"/>
+              </a:rPr>
+              <a:t>: Image Enhancement</a:t>
+            </a:r>
+          </a:p>
+          <a:p>
+            <a:r>
+              <a:rPr lang="en-US" sz="1800" dirty="0" err="1" smtClean="0">
+                <a:latin typeface="Arial" panose="020B0604020202020204" pitchFamily="34" charset="0"/>
+              </a:rPr>
+              <a:t>Perhatikan</a:t>
+            </a:r>
+            <a:r>
+              <a:rPr lang="en-US" sz="1800" dirty="0" smtClean="0">
+                <a:latin typeface="Arial" panose="020B0604020202020204" pitchFamily="34" charset="0"/>
+              </a:rPr>
+              <a:t> </a:t>
+            </a:r>
+            <a:r>
+              <a:rPr lang="en-US" sz="1800" dirty="0" err="1" smtClean="0">
+                <a:latin typeface="Arial" panose="020B0604020202020204" pitchFamily="34" charset="0"/>
+              </a:rPr>
+              <a:t>bahwa</a:t>
+            </a:r>
+            <a:r>
+              <a:rPr lang="en-US" sz="1800" dirty="0" smtClean="0">
+                <a:latin typeface="Arial" panose="020B0604020202020204" pitchFamily="34" charset="0"/>
+              </a:rPr>
+              <a:t> </a:t>
+            </a:r>
+            <a:r>
+              <a:rPr lang="en-US" sz="1800" dirty="0" err="1" smtClean="0">
+                <a:latin typeface="Arial" panose="020B0604020202020204" pitchFamily="34" charset="0"/>
+              </a:rPr>
+              <a:t>kebanyakan</a:t>
+            </a:r>
+            <a:r>
+              <a:rPr lang="en-US" sz="1800" dirty="0" smtClean="0">
+                <a:latin typeface="Arial" panose="020B0604020202020204" pitchFamily="34" charset="0"/>
+              </a:rPr>
+              <a:t> color model yang </a:t>
+            </a:r>
+            <a:r>
+              <a:rPr lang="en-US" sz="1800" dirty="0" err="1" smtClean="0">
+                <a:latin typeface="Arial" panose="020B0604020202020204" pitchFamily="34" charset="0"/>
+              </a:rPr>
+              <a:t>digunakan</a:t>
+            </a:r>
+            <a:r>
+              <a:rPr lang="en-US" sz="1800" dirty="0" smtClean="0">
+                <a:latin typeface="Arial" panose="020B0604020202020204" pitchFamily="34" charset="0"/>
+              </a:rPr>
+              <a:t> </a:t>
+            </a:r>
+            <a:r>
+              <a:rPr lang="en-US" sz="1800" dirty="0" err="1" smtClean="0">
+                <a:latin typeface="Arial" panose="020B0604020202020204" pitchFamily="34" charset="0"/>
+              </a:rPr>
+              <a:t>adalah</a:t>
+            </a:r>
+            <a:r>
+              <a:rPr lang="en-US" sz="1800" dirty="0" smtClean="0">
+                <a:latin typeface="Arial" panose="020B0604020202020204" pitchFamily="34" charset="0"/>
+              </a:rPr>
+              <a:t> HSI, </a:t>
+            </a:r>
+            <a:r>
+              <a:rPr lang="en-US" sz="1800" dirty="0" err="1" smtClean="0">
+                <a:latin typeface="Arial" panose="020B0604020202020204" pitchFamily="34" charset="0"/>
+              </a:rPr>
+              <a:t>bukan</a:t>
+            </a:r>
+            <a:r>
+              <a:rPr lang="en-US" sz="1800" dirty="0" smtClean="0">
+                <a:latin typeface="Arial" panose="020B0604020202020204" pitchFamily="34" charset="0"/>
+              </a:rPr>
+              <a:t> RGB. </a:t>
+            </a:r>
+            <a:r>
+              <a:rPr lang="en-US" sz="1800" dirty="0" err="1" smtClean="0">
+                <a:latin typeface="Arial" panose="020B0604020202020204" pitchFamily="34" charset="0"/>
+              </a:rPr>
+              <a:t>Mengapa</a:t>
+            </a:r>
+            <a:r>
+              <a:rPr lang="en-US" sz="1800" dirty="0" smtClean="0">
+                <a:latin typeface="Arial" panose="020B0604020202020204" pitchFamily="34" charset="0"/>
+              </a:rPr>
+              <a:t>?</a:t>
+            </a:r>
+          </a:p>
+          <a:p>
+            <a:r>
+              <a:rPr lang="en-US" sz="1800" dirty="0" smtClean="0">
+                <a:latin typeface="Arial" panose="020B0604020202020204" pitchFamily="34" charset="0"/>
+              </a:rPr>
+              <a:t>Yang </a:t>
+            </a:r>
+            <a:r>
+              <a:rPr lang="en-US" sz="1800" dirty="0" err="1" smtClean="0">
+                <a:latin typeface="Arial" panose="020B0604020202020204" pitchFamily="34" charset="0"/>
+              </a:rPr>
+              <a:t>hendak</a:t>
+            </a:r>
+            <a:r>
+              <a:rPr lang="en-US" sz="1800" dirty="0" smtClean="0">
+                <a:latin typeface="Arial" panose="020B0604020202020204" pitchFamily="34" charset="0"/>
+              </a:rPr>
+              <a:t> </a:t>
+            </a:r>
+            <a:r>
+              <a:rPr lang="en-US" sz="1800" dirty="0" err="1" smtClean="0">
+                <a:latin typeface="Arial" panose="020B0604020202020204" pitchFamily="34" charset="0"/>
+              </a:rPr>
+              <a:t>kita</a:t>
+            </a:r>
+            <a:r>
+              <a:rPr lang="en-US" sz="1800" dirty="0" smtClean="0">
+                <a:latin typeface="Arial" panose="020B0604020202020204" pitchFamily="34" charset="0"/>
+              </a:rPr>
+              <a:t> </a:t>
+            </a:r>
+            <a:r>
+              <a:rPr lang="en-US" sz="1800" dirty="0" err="1" smtClean="0">
+                <a:latin typeface="Arial" panose="020B0604020202020204" pitchFamily="34" charset="0"/>
+              </a:rPr>
+              <a:t>bahas</a:t>
+            </a:r>
+            <a:r>
+              <a:rPr lang="en-US" sz="1800" dirty="0" smtClean="0">
+                <a:latin typeface="Arial" panose="020B0604020202020204" pitchFamily="34" charset="0"/>
+              </a:rPr>
+              <a:t>:</a:t>
+            </a:r>
+          </a:p>
+          <a:p>
+            <a:pPr lvl="1"/>
+            <a:r>
+              <a:rPr lang="en-US" sz="1400" dirty="0" smtClean="0">
+                <a:latin typeface="Arial" panose="020B0604020202020204" pitchFamily="34" charset="0"/>
+              </a:rPr>
+              <a:t>Intensity adjustment</a:t>
+            </a:r>
+          </a:p>
+          <a:p>
+            <a:pPr lvl="1"/>
+            <a:r>
+              <a:rPr lang="en-US" sz="1400" dirty="0" smtClean="0">
+                <a:latin typeface="Arial" panose="020B0604020202020204" pitchFamily="34" charset="0"/>
+              </a:rPr>
+              <a:t>Histogram equalization</a:t>
+            </a:r>
+          </a:p>
+          <a:p>
+            <a:pPr lvl="1"/>
+            <a:r>
+              <a:rPr lang="en-US" sz="1400" dirty="0" smtClean="0">
+                <a:latin typeface="Arial" panose="020B0604020202020204" pitchFamily="34" charset="0"/>
+              </a:rPr>
+              <a:t>Color images smoothing</a:t>
+            </a:r>
+          </a:p>
+          <a:p>
+            <a:pPr lvl="1"/>
+            <a:r>
+              <a:rPr lang="en-US" sz="1400" dirty="0" smtClean="0">
+                <a:latin typeface="Arial" panose="020B0604020202020204" pitchFamily="34" charset="0"/>
+              </a:rPr>
+              <a:t>Color images sharpening</a:t>
+            </a:r>
+            <a:endParaRPr lang="en-US" sz="1400" dirty="0">
+              <a:latin typeface="Arial" panose="020B0604020202020204" pitchFamily="34" charset="0"/>
+            </a:endParaRPr>
+          </a:p>
+        </p:txBody>
+      </p:sp>
+    </p:spTree>
+    <p:extLst>
+      <p:ext uri="{BB962C8B-B14F-4D97-AF65-F5344CB8AC3E}">
+        <p14:creationId xmlns:p14="http://schemas.microsoft.com/office/powerpoint/2010/main" val="1063534486"/>
+      </p:ext>
+    </p:extLst>
+  </p:cSld>
+  <p:clrMapOvr>
+    <a:masterClrMapping/>
+  </p:clrMapOvr>
+</p:sld>
+</file>
+
+<file path=ppt/slides/slide14.xml><?xml version="1.0" encoding="utf-8"?>
+<p:sld xmlns:a="http://schemas.openxmlformats.org/drawingml/2006/main" xmlns:r="http://schemas.openxmlformats.org/officeDocument/2006/relationships" xmlns:p="http://schemas.openxmlformats.org/presentationml/2006/main">
+  <p:cSld>
+    <p:spTree>
+      <p:nvGrpSpPr>
+        <p:cNvPr id="1" name=""/>
+        <p:cNvGrpSpPr/>
+        <p:nvPr/>
+      </p:nvGrpSpPr>
+      <p:grpSpPr>
+        <a:xfrm>
+          <a:off x="0" y="0"/>
+          <a:ext cx="0" cy="0"/>
+          <a:chOff x="0" y="0"/>
+          <a:chExt cx="0" cy="0"/>
+        </a:xfrm>
+      </p:grpSpPr>
+      <p:sp>
+        <p:nvSpPr>
+          <p:cNvPr id="2" name="Title 1"/>
+          <p:cNvSpPr>
+            <a:spLocks noGrp="1"/>
+          </p:cNvSpPr>
+          <p:nvPr>
+            <p:ph type="title"/>
+          </p:nvPr>
+        </p:nvSpPr>
+        <p:spPr/>
+        <p:txBody>
+          <a:bodyPr/>
+          <a:lstStyle/>
+          <a:p>
+            <a:r>
+              <a:rPr lang="en-US" b="1" dirty="0">
+                <a:latin typeface="Arial" panose="020B0604020202020204" pitchFamily="34" charset="0"/>
+              </a:rPr>
+              <a:t>Intensity Adjustment</a:t>
+            </a:r>
+            <a:endParaRPr lang="en-US" dirty="0"/>
+          </a:p>
+        </p:txBody>
+      </p:sp>
+      <p:sp>
+        <p:nvSpPr>
+          <p:cNvPr id="3" name="Text Box 16"/>
+          <p:cNvSpPr txBox="1">
+            <a:spLocks noChangeArrowheads="1"/>
+          </p:cNvSpPr>
+          <p:nvPr/>
+        </p:nvSpPr>
+        <p:spPr bwMode="auto">
+          <a:xfrm>
+            <a:off x="693738" y="1466850"/>
+            <a:ext cx="7041736" cy="4893647"/>
+          </a:xfrm>
+          <a:prstGeom prst="rect">
+            <a:avLst/>
+          </a:prstGeom>
+          <a:noFill/>
+          <a:ln>
+            <a:noFill/>
+          </a:ln>
+          <a:effectLst/>
+          <a:extLst>
+            <a:ext uri="{909E8E84-426E-40DD-AFC4-6F175D3DCCD1}">
+              <a14:hiddenFill xmlns:a14="http://schemas.microsoft.com/office/drawing/2010/main">
+                <a:solidFill>
+                  <a:schemeClr val="accent1"/>
+                </a:solidFill>
+              </a14:hiddenFill>
+            </a:ext>
+            <a:ext uri="{91240B29-F687-4F45-9708-019B960494DF}">
+              <a14:hiddenLine xmlns:a14="http://schemas.microsoft.com/office/drawing/2010/main" w="9525">
+                <a:solidFill>
+                  <a:schemeClr val="tx1"/>
+                </a:solidFill>
+                <a:miter lim="800000"/>
+                <a:headEnd/>
+                <a:tailEnd/>
+              </a14:hiddenLine>
+            </a:ext>
+            <a:ext uri="{AF507438-7753-43E0-B8FC-AC1667EBCBE1}">
+              <a14:hiddenEffects xmlns:a14="http://schemas.microsoft.com/office/drawing/2010/main">
+                <a:effectLst>
+                  <a:outerShdw dist="35921" dir="2700000" algn="ctr" rotWithShape="0">
+                    <a:schemeClr val="bg2"/>
+                  </a:outerShdw>
+                </a:effectLst>
+              </a14:hiddenEffects>
+            </a:ext>
+          </a:extLst>
+        </p:spPr>
+        <p:txBody>
+          <a:bodyPr wrap="none">
+            <a:spAutoFit/>
+          </a:bodyPr>
+          <a:lstStyle/>
+          <a:p>
+            <a:r>
+              <a:rPr lang="en-US" sz="2400" dirty="0" err="1"/>
+              <a:t>Diberikan</a:t>
+            </a:r>
+            <a:r>
+              <a:rPr lang="en-US" sz="2400" dirty="0"/>
+              <a:t> </a:t>
+            </a:r>
+            <a:r>
+              <a:rPr lang="en-US" sz="2400" dirty="0" err="1"/>
+              <a:t>persamaan</a:t>
+            </a:r>
+            <a:r>
+              <a:rPr lang="en-US" sz="2400" dirty="0"/>
+              <a:t> </a:t>
+            </a:r>
+            <a:r>
+              <a:rPr lang="en-US" sz="2400" dirty="0" err="1"/>
+              <a:t>intensitas</a:t>
+            </a:r>
+            <a:r>
+              <a:rPr lang="en-US" sz="2400" dirty="0"/>
+              <a:t> </a:t>
+            </a:r>
+            <a:r>
+              <a:rPr lang="en-US" sz="2400" dirty="0" err="1"/>
+              <a:t>sbb</a:t>
+            </a:r>
+            <a:r>
+              <a:rPr lang="en-US" sz="2400" dirty="0"/>
+              <a:t>:</a:t>
+            </a:r>
+          </a:p>
+          <a:p>
+            <a:r>
+              <a:rPr lang="en-US" sz="2400" dirty="0"/>
+              <a:t>			</a:t>
+            </a:r>
+            <a:r>
+              <a:rPr lang="en-US" sz="2400" i="1" dirty="0"/>
+              <a:t>g(</a:t>
+            </a:r>
+            <a:r>
+              <a:rPr lang="en-US" sz="2400" i="1" dirty="0" err="1"/>
+              <a:t>m,n</a:t>
+            </a:r>
+            <a:r>
+              <a:rPr lang="en-US" sz="2400" i="1" dirty="0"/>
+              <a:t>)=</a:t>
+            </a:r>
+            <a:r>
+              <a:rPr lang="en-US" sz="2400" i="1" dirty="0" err="1"/>
+              <a:t>kf</a:t>
+            </a:r>
+            <a:r>
+              <a:rPr lang="en-US" sz="2400" i="1" dirty="0"/>
+              <a:t>(</a:t>
+            </a:r>
+            <a:r>
+              <a:rPr lang="en-US" sz="2400" i="1" dirty="0" err="1"/>
+              <a:t>m,n</a:t>
+            </a:r>
+            <a:r>
+              <a:rPr lang="en-US" sz="2400" i="1" dirty="0"/>
+              <a:t>)</a:t>
+            </a:r>
+          </a:p>
+          <a:p>
+            <a:r>
+              <a:rPr lang="en-US" sz="2400" i="1" dirty="0" err="1"/>
+              <a:t>Dimana</a:t>
+            </a:r>
+            <a:r>
+              <a:rPr lang="en-US" sz="2400" i="1" dirty="0"/>
+              <a:t> k </a:t>
+            </a:r>
+            <a:r>
+              <a:rPr lang="en-US" sz="2400" i="1" dirty="0" err="1"/>
+              <a:t>adalah</a:t>
+            </a:r>
+            <a:r>
+              <a:rPr lang="en-US" sz="2400" i="1" dirty="0"/>
+              <a:t> </a:t>
+            </a:r>
+            <a:r>
+              <a:rPr lang="en-US" sz="2400" i="1" dirty="0" err="1"/>
+              <a:t>skala</a:t>
+            </a:r>
+            <a:r>
+              <a:rPr lang="en-US" sz="2400" i="1" dirty="0"/>
+              <a:t> yang </a:t>
+            </a:r>
+            <a:r>
+              <a:rPr lang="en-US" sz="2400" i="1" dirty="0" err="1"/>
+              <a:t>terletak</a:t>
+            </a:r>
+            <a:r>
+              <a:rPr lang="en-US" sz="2400" i="1" dirty="0"/>
+              <a:t> </a:t>
+            </a:r>
+            <a:r>
+              <a:rPr lang="en-US" sz="2400" i="1" dirty="0" err="1"/>
+              <a:t>antara</a:t>
+            </a:r>
+            <a:r>
+              <a:rPr lang="en-US" sz="2400" i="1" dirty="0"/>
+              <a:t> 0&lt;k&lt;1</a:t>
+            </a:r>
+          </a:p>
+          <a:p>
+            <a:endParaRPr lang="en-US" sz="2400" i="1" dirty="0"/>
+          </a:p>
+          <a:p>
+            <a:r>
+              <a:rPr lang="en-US" sz="2400" i="1" dirty="0" err="1"/>
+              <a:t>Maka</a:t>
+            </a:r>
+            <a:r>
+              <a:rPr lang="en-US" sz="2400" i="1" dirty="0"/>
+              <a:t> </a:t>
+            </a:r>
+            <a:r>
+              <a:rPr lang="en-US" sz="2400" i="1" dirty="0" err="1"/>
+              <a:t>persamaan</a:t>
+            </a:r>
+            <a:r>
+              <a:rPr lang="en-US" sz="2400" i="1" dirty="0"/>
+              <a:t> </a:t>
+            </a:r>
+            <a:r>
+              <a:rPr lang="en-US" sz="2400" i="1" dirty="0" err="1"/>
+              <a:t>dalam</a:t>
+            </a:r>
+            <a:r>
+              <a:rPr lang="en-US" sz="2400" i="1" dirty="0"/>
+              <a:t> HSI </a:t>
+            </a:r>
+            <a:r>
+              <a:rPr lang="en-US" sz="2400" i="1" dirty="0" err="1"/>
+              <a:t>adalah</a:t>
+            </a:r>
+            <a:r>
+              <a:rPr lang="en-US" sz="2400" i="1" dirty="0"/>
+              <a:t>:</a:t>
+            </a:r>
+          </a:p>
+          <a:p>
+            <a:endParaRPr lang="en-US" sz="2400" i="1" dirty="0"/>
+          </a:p>
+          <a:p>
+            <a:endParaRPr lang="en-US" sz="2400" i="1" dirty="0"/>
+          </a:p>
+          <a:p>
+            <a:r>
+              <a:rPr lang="en-US" sz="2400" i="1" dirty="0"/>
+              <a:t>Dan </a:t>
+            </a:r>
+            <a:r>
+              <a:rPr lang="en-US" sz="2400" i="1" dirty="0" err="1"/>
+              <a:t>persamaan</a:t>
+            </a:r>
+            <a:r>
+              <a:rPr lang="en-US" sz="2400" i="1" dirty="0"/>
+              <a:t> </a:t>
+            </a:r>
+            <a:r>
+              <a:rPr lang="en-US" sz="2400" i="1" dirty="0" err="1"/>
+              <a:t>dalam</a:t>
+            </a:r>
+            <a:r>
+              <a:rPr lang="en-US" sz="2400" i="1" dirty="0"/>
+              <a:t> RGB </a:t>
+            </a:r>
+            <a:r>
+              <a:rPr lang="en-US" sz="2400" i="1" dirty="0" err="1"/>
+              <a:t>adalah</a:t>
+            </a:r>
+            <a:r>
+              <a:rPr lang="en-US" sz="2400" i="1" dirty="0"/>
+              <a:t>:</a:t>
+            </a:r>
+          </a:p>
+          <a:p>
+            <a:endParaRPr lang="en-US" sz="2400" i="1" dirty="0"/>
+          </a:p>
+          <a:p>
+            <a:endParaRPr lang="en-US" sz="2400" i="1" dirty="0"/>
+          </a:p>
+          <a:p>
+            <a:r>
+              <a:rPr lang="en-US" sz="2400" i="1" dirty="0" err="1"/>
+              <a:t>Persamaan</a:t>
+            </a:r>
+            <a:r>
+              <a:rPr lang="en-US" sz="2400" i="1" dirty="0"/>
+              <a:t> </a:t>
+            </a:r>
+            <a:r>
+              <a:rPr lang="en-US" sz="2400" i="1" dirty="0" err="1"/>
+              <a:t>dalam</a:t>
+            </a:r>
+            <a:r>
+              <a:rPr lang="en-US" sz="2400" i="1" dirty="0"/>
+              <a:t> CMY </a:t>
+            </a:r>
+            <a:r>
+              <a:rPr lang="en-US" sz="2400" i="1" dirty="0" err="1"/>
+              <a:t>adalah</a:t>
+            </a:r>
+            <a:r>
+              <a:rPr lang="en-US" sz="2400" i="1" dirty="0"/>
+              <a:t>:</a:t>
+            </a:r>
+          </a:p>
+          <a:p>
+            <a:endParaRPr lang="en-US" sz="2400" i="1" dirty="0"/>
+          </a:p>
+          <a:p>
+            <a:endParaRPr lang="en-US" sz="2400" i="1" dirty="0"/>
+          </a:p>
+        </p:txBody>
+      </p:sp>
+      <p:pic>
+        <p:nvPicPr>
+          <p:cNvPr id="4" name="Picture 17"/>
+          <p:cNvPicPr>
+            <a:picLocks noChangeAspect="1" noChangeArrowheads="1"/>
+          </p:cNvPicPr>
+          <p:nvPr/>
+        </p:nvPicPr>
+        <p:blipFill>
+          <a:blip r:embed="rId2">
+            <a:extLst>
+              <a:ext uri="{28A0092B-C50C-407E-A947-70E740481C1C}">
+                <a14:useLocalDpi xmlns:a14="http://schemas.microsoft.com/office/drawing/2010/main" val="0"/>
+              </a:ext>
+            </a:extLst>
+          </a:blip>
+          <a:srcRect/>
+          <a:stretch>
+            <a:fillRect/>
+          </a:stretch>
+        </p:blipFill>
+        <p:spPr>
+          <a:xfrm>
+            <a:off x="1366888" y="3455878"/>
+            <a:ext cx="3810000" cy="584200"/>
+          </a:xfrm>
+          <a:prstGeom prst="rect">
+            <a:avLst/>
+          </a:prstGeom>
+          <a:noFill/>
+          <a:ln/>
+        </p:spPr>
+      </p:pic>
+      <p:pic>
+        <p:nvPicPr>
+          <p:cNvPr id="5" name="Picture 19"/>
+          <p:cNvPicPr>
+            <a:picLocks noChangeAspect="1" noChangeArrowheads="1"/>
+          </p:cNvPicPr>
+          <p:nvPr/>
+        </p:nvPicPr>
+        <p:blipFill>
+          <a:blip r:embed="rId3">
+            <a:extLst>
+              <a:ext uri="{28A0092B-C50C-407E-A947-70E740481C1C}">
+                <a14:useLocalDpi xmlns:a14="http://schemas.microsoft.com/office/drawing/2010/main" val="0"/>
+              </a:ext>
+            </a:extLst>
+          </a:blip>
+          <a:srcRect/>
+          <a:stretch>
+            <a:fillRect/>
+          </a:stretch>
+        </p:blipFill>
+        <p:spPr>
+          <a:xfrm>
+            <a:off x="1366888" y="4584549"/>
+            <a:ext cx="3810000" cy="463550"/>
+          </a:xfrm>
+          <a:prstGeom prst="rect">
+            <a:avLst/>
+          </a:prstGeom>
+          <a:noFill/>
+          <a:ln/>
+        </p:spPr>
+      </p:pic>
+      <p:pic>
+        <p:nvPicPr>
+          <p:cNvPr id="6" name="Picture 21"/>
+          <p:cNvPicPr>
+            <a:picLocks noChangeAspect="1" noChangeArrowheads="1"/>
+          </p:cNvPicPr>
+          <p:nvPr/>
+        </p:nvPicPr>
+        <p:blipFill>
+          <a:blip r:embed="rId4">
+            <a:extLst>
+              <a:ext uri="{28A0092B-C50C-407E-A947-70E740481C1C}">
+                <a14:useLocalDpi xmlns:a14="http://schemas.microsoft.com/office/drawing/2010/main" val="0"/>
+              </a:ext>
+            </a:extLst>
+          </a:blip>
+          <a:srcRect/>
+          <a:stretch>
+            <a:fillRect/>
+          </a:stretch>
+        </p:blipFill>
+        <p:spPr>
+          <a:xfrm>
+            <a:off x="1002999" y="5786424"/>
+            <a:ext cx="5954713" cy="406400"/>
+          </a:xfrm>
+          <a:prstGeom prst="rect">
+            <a:avLst/>
+          </a:prstGeom>
+          <a:noFill/>
+          <a:ln/>
+        </p:spPr>
+      </p:pic>
+    </p:spTree>
+    <p:extLst>
+      <p:ext uri="{BB962C8B-B14F-4D97-AF65-F5344CB8AC3E}">
+        <p14:creationId xmlns:p14="http://schemas.microsoft.com/office/powerpoint/2010/main" val="2084373351"/>
+      </p:ext>
+    </p:extLst>
+  </p:cSld>
+  <p:clrMapOvr>
+    <a:masterClrMapping/>
+  </p:clrMapOvr>
+</p:sld>
+</file>
+
+<file path=ppt/slides/slide15.xml><?xml version="1.0" encoding="utf-8"?>
+<p:sld xmlns:a="http://schemas.openxmlformats.org/drawingml/2006/main" xmlns:r="http://schemas.openxmlformats.org/officeDocument/2006/relationships" xmlns:p="http://schemas.openxmlformats.org/presentationml/2006/main">
+  <p:cSld>
+    <p:spTree>
+      <p:nvGrpSpPr>
+        <p:cNvPr id="1" name=""/>
+        <p:cNvGrpSpPr/>
+        <p:nvPr/>
+      </p:nvGrpSpPr>
+      <p:grpSpPr>
+        <a:xfrm>
+          <a:off x="0" y="0"/>
+          <a:ext cx="0" cy="0"/>
+          <a:chOff x="0" y="0"/>
+          <a:chExt cx="0" cy="0"/>
+        </a:xfrm>
+      </p:grpSpPr>
+      <p:sp>
+        <p:nvSpPr>
+          <p:cNvPr id="2" name="Title 1"/>
+          <p:cNvSpPr>
+            <a:spLocks noGrp="1"/>
+          </p:cNvSpPr>
+          <p:nvPr>
+            <p:ph type="title"/>
+          </p:nvPr>
+        </p:nvSpPr>
+        <p:spPr/>
+        <p:txBody>
+          <a:bodyPr/>
+          <a:lstStyle/>
+          <a:p>
+            <a:r>
+              <a:rPr lang="en-US" b="1" dirty="0">
+                <a:latin typeface="Arial" panose="020B0604020202020204" pitchFamily="34" charset="0"/>
+              </a:rPr>
+              <a:t>Intensity Adjustment</a:t>
+            </a:r>
+            <a:endParaRPr lang="en-US" dirty="0"/>
+          </a:p>
+        </p:txBody>
+      </p:sp>
+      <p:pic>
+        <p:nvPicPr>
+          <p:cNvPr id="3" name="Picture 10" descr="adjust intensity"/>
+          <p:cNvPicPr>
+            <a:picLocks noChangeAspect="1" noChangeArrowheads="1"/>
+          </p:cNvPicPr>
+          <p:nvPr/>
+        </p:nvPicPr>
+        <p:blipFill>
+          <a:blip r:embed="rId2">
+            <a:extLst>
+              <a:ext uri="{28A0092B-C50C-407E-A947-70E740481C1C}">
+                <a14:useLocalDpi xmlns:a14="http://schemas.microsoft.com/office/drawing/2010/main" val="0"/>
+              </a:ext>
+            </a:extLst>
+          </a:blip>
+          <a:srcRect/>
+          <a:stretch>
+            <a:fillRect/>
+          </a:stretch>
+        </p:blipFill>
+        <p:spPr bwMode="auto">
+          <a:xfrm>
+            <a:off x="2570765" y="1577090"/>
+            <a:ext cx="5756275" cy="4498975"/>
+          </a:xfrm>
+          <a:prstGeom prst="rect">
+            <a:avLst/>
+          </a:prstGeom>
+          <a:noFill/>
+          <a:extLst>
+            <a:ext uri="{909E8E84-426E-40DD-AFC4-6F175D3DCCD1}">
+              <a14:hiddenFill xmlns:a14="http://schemas.microsoft.com/office/drawing/2010/main">
+                <a:solidFill>
+                  <a:srgbClr val="FFFFFF"/>
+                </a:solidFill>
+              </a14:hiddenFill>
+            </a:ext>
+          </a:extLst>
+        </p:spPr>
+      </p:pic>
+    </p:spTree>
+    <p:extLst>
+      <p:ext uri="{BB962C8B-B14F-4D97-AF65-F5344CB8AC3E}">
+        <p14:creationId xmlns:p14="http://schemas.microsoft.com/office/powerpoint/2010/main" val="4244365215"/>
+      </p:ext>
+    </p:extLst>
+  </p:cSld>
+  <p:clrMapOvr>
+    <a:masterClrMapping/>
+  </p:clrMapOvr>
+</p:sld>
+</file>
+
+<file path=ppt/slides/slide16.xml><?xml version="1.0" encoding="utf-8"?>
+<p:sld xmlns:a="http://schemas.openxmlformats.org/drawingml/2006/main" xmlns:r="http://schemas.openxmlformats.org/officeDocument/2006/relationships" xmlns:p="http://schemas.openxmlformats.org/presentationml/2006/main">
+  <p:cSld>
+    <p:spTree>
+      <p:nvGrpSpPr>
+        <p:cNvPr id="1" name=""/>
+        <p:cNvGrpSpPr/>
+        <p:nvPr/>
+      </p:nvGrpSpPr>
+      <p:grpSpPr>
+        <a:xfrm>
+          <a:off x="0" y="0"/>
+          <a:ext cx="0" cy="0"/>
+          <a:chOff x="0" y="0"/>
+          <a:chExt cx="0" cy="0"/>
+        </a:xfrm>
+      </p:grpSpPr>
+      <p:sp>
+        <p:nvSpPr>
+          <p:cNvPr id="2" name="Title 1"/>
+          <p:cNvSpPr>
+            <a:spLocks noGrp="1"/>
+          </p:cNvSpPr>
+          <p:nvPr>
+            <p:ph type="title"/>
+          </p:nvPr>
+        </p:nvSpPr>
+        <p:spPr/>
+        <p:txBody>
+          <a:bodyPr/>
+          <a:lstStyle/>
+          <a:p>
+            <a:r>
+              <a:rPr lang="en-US" b="1" dirty="0">
+                <a:latin typeface="Arial" panose="020B0604020202020204" pitchFamily="34" charset="0"/>
+              </a:rPr>
+              <a:t>Histogram Equalization </a:t>
+            </a:r>
+            <a:r>
+              <a:rPr lang="en-US" sz="2000" b="1" dirty="0">
+                <a:latin typeface="Arial" panose="020B0604020202020204" pitchFamily="34" charset="0"/>
+              </a:rPr>
+              <a:t>(1)</a:t>
+            </a:r>
+            <a:endParaRPr lang="en-US" dirty="0"/>
+          </a:p>
+        </p:txBody>
+      </p:sp>
+      <p:sp>
+        <p:nvSpPr>
+          <p:cNvPr id="3" name="Rectangle 10"/>
+          <p:cNvSpPr txBox="1">
+            <a:spLocks noChangeArrowheads="1"/>
+          </p:cNvSpPr>
+          <p:nvPr/>
+        </p:nvSpPr>
+        <p:spPr>
+          <a:xfrm>
+            <a:off x="685800" y="1493838"/>
+            <a:ext cx="8077200" cy="854075"/>
+          </a:xfrm>
+          <a:prstGeom prst="rect">
+            <a:avLst/>
+          </a:prstGeom>
+          <a:solidFill>
+            <a:schemeClr val="bg1"/>
+          </a:solidFill>
+          <a:ln/>
+        </p:spPr>
+        <p:txBody>
+          <a:bodyPr/>
+          <a:lstStyle>
+            <a:lvl1pPr marL="228600" indent="-228600" algn="l" defTabSz="914400" rtl="0" eaLnBrk="1" latinLnBrk="0" hangingPunct="1">
+              <a:lnSpc>
+                <a:spcPct val="90000"/>
+              </a:lnSpc>
+              <a:spcBef>
+                <a:spcPct val="30000"/>
+              </a:spcBef>
+              <a:buFont typeface="Arial" panose="020B0604020202020204" pitchFamily="34" charset="0"/>
+              <a:buChar char="•"/>
+              <a:defRPr sz="2800" kern="1200">
+                <a:solidFill>
+                  <a:schemeClr val="tx1"/>
+                </a:solidFill>
+                <a:latin typeface="+mn-lt"/>
+                <a:ea typeface="+mn-ea"/>
+                <a:cs typeface="+mn-cs"/>
+              </a:defRPr>
+            </a:lvl1pPr>
+            <a:lvl2pPr marL="685800" indent="-228600" algn="l" defTabSz="914400" rtl="0" eaLnBrk="1" latinLnBrk="0" hangingPunct="1">
+              <a:lnSpc>
+                <a:spcPct val="90000"/>
+              </a:lnSpc>
+              <a:spcBef>
+                <a:spcPct val="30000"/>
+              </a:spcBef>
+              <a:buFont typeface="Arial" panose="020B0604020202020204" pitchFamily="34" charset="0"/>
+              <a:buChar char="•"/>
+              <a:defRPr sz="2400" kern="1200">
+                <a:solidFill>
+                  <a:schemeClr val="tx1"/>
+                </a:solidFill>
+                <a:latin typeface="+mn-lt"/>
+                <a:ea typeface="+mn-ea"/>
+                <a:cs typeface="+mn-cs"/>
+              </a:defRPr>
+            </a:lvl2pPr>
+            <a:lvl3pPr marL="1143000" indent="-228600" algn="l" defTabSz="914400" rtl="0" eaLnBrk="1" latinLnBrk="0" hangingPunct="1">
+              <a:lnSpc>
+                <a:spcPct val="90000"/>
+              </a:lnSpc>
+              <a:spcBef>
+                <a:spcPct val="30000"/>
+              </a:spcBef>
+              <a:buFont typeface="Arial" panose="020B0604020202020204" pitchFamily="34" charset="0"/>
+              <a:buChar char="•"/>
+              <a:defRPr sz="2000" kern="1200">
+                <a:solidFill>
+                  <a:schemeClr val="tx1"/>
+                </a:solidFill>
+                <a:latin typeface="+mn-lt"/>
+                <a:ea typeface="+mn-ea"/>
+                <a:cs typeface="+mn-cs"/>
+              </a:defRPr>
+            </a:lvl3pPr>
+            <a:lvl4pPr marL="1600200" indent="-228600" algn="l" defTabSz="914400" rtl="0" eaLnBrk="1" latinLnBrk="0" hangingPunct="1">
+              <a:lnSpc>
+                <a:spcPct val="90000"/>
+              </a:lnSpc>
+              <a:spcBef>
+                <a:spcPct val="30000"/>
+              </a:spcBef>
+              <a:buFont typeface="Arial" panose="020B0604020202020204" pitchFamily="34" charset="0"/>
+              <a:buChar char="•"/>
+              <a:defRPr sz="1800" kern="1200">
+                <a:solidFill>
+                  <a:schemeClr val="tx1"/>
+                </a:solidFill>
+                <a:latin typeface="+mn-lt"/>
+                <a:ea typeface="+mn-ea"/>
+                <a:cs typeface="+mn-cs"/>
+              </a:defRPr>
+            </a:lvl4pPr>
+            <a:lvl5pPr marL="2057400" indent="-228600" algn="l" defTabSz="914400" rtl="0" eaLnBrk="1" latinLnBrk="0" hangingPunct="1">
+              <a:lnSpc>
+                <a:spcPct val="90000"/>
+              </a:lnSpc>
+              <a:spcBef>
+                <a:spcPct val="30000"/>
+              </a:spcBef>
+              <a:buFont typeface="Arial" panose="020B0604020202020204" pitchFamily="34" charset="0"/>
+              <a:buChar char="•"/>
+              <a:defRPr sz="1800" kern="1200">
+                <a:solidFill>
+                  <a:schemeClr val="tx1"/>
+                </a:solidFill>
+                <a:latin typeface="+mn-lt"/>
+                <a:ea typeface="+mn-ea"/>
+                <a:cs typeface="+mn-cs"/>
+              </a:defRPr>
+            </a:lvl5pPr>
+            <a:lvl6pPr marL="2514600" indent="-228600" algn="l" defTabSz="914400" rtl="0" eaLnBrk="1" latinLnBrk="0" hangingPunct="1">
+              <a:lnSpc>
+                <a:spcPct val="90000"/>
+              </a:lnSpc>
+              <a:spcBef>
+                <a:spcPct val="30000"/>
+              </a:spcBef>
+              <a:buFont typeface="Arial" panose="020B0604020202020204" pitchFamily="34" charset="0"/>
+              <a:buChar char="•"/>
+              <a:defRPr sz="1800" kern="1200">
+                <a:solidFill>
+                  <a:schemeClr val="tx1"/>
+                </a:solidFill>
+                <a:latin typeface="+mn-lt"/>
+                <a:ea typeface="+mn-ea"/>
+                <a:cs typeface="+mn-cs"/>
+              </a:defRPr>
+            </a:lvl6pPr>
+            <a:lvl7pPr marL="2971800" indent="-228600" algn="l" defTabSz="914400" rtl="0" eaLnBrk="1" latinLnBrk="0" hangingPunct="1">
+              <a:lnSpc>
+                <a:spcPct val="90000"/>
+              </a:lnSpc>
+              <a:spcBef>
+                <a:spcPct val="30000"/>
+              </a:spcBef>
+              <a:buFont typeface="Arial" panose="020B0604020202020204" pitchFamily="34" charset="0"/>
+              <a:buChar char="•"/>
+              <a:defRPr sz="1800" kern="1200">
+                <a:solidFill>
+                  <a:schemeClr val="tx1"/>
+                </a:solidFill>
+                <a:latin typeface="+mn-lt"/>
+                <a:ea typeface="+mn-ea"/>
+                <a:cs typeface="+mn-cs"/>
+              </a:defRPr>
+            </a:lvl7pPr>
+            <a:lvl8pPr marL="3429000" indent="-228600" algn="l" defTabSz="914400" rtl="0" eaLnBrk="1" latinLnBrk="0" hangingPunct="1">
+              <a:lnSpc>
+                <a:spcPct val="90000"/>
+              </a:lnSpc>
+              <a:spcBef>
+                <a:spcPct val="30000"/>
+              </a:spcBef>
+              <a:buFont typeface="Arial" panose="020B0604020202020204" pitchFamily="34" charset="0"/>
+              <a:buChar char="•"/>
+              <a:defRPr sz="1800" kern="1200">
+                <a:solidFill>
+                  <a:schemeClr val="tx1"/>
+                </a:solidFill>
+                <a:latin typeface="+mn-lt"/>
+                <a:ea typeface="+mn-ea"/>
+                <a:cs typeface="+mn-cs"/>
+              </a:defRPr>
+            </a:lvl8pPr>
+            <a:lvl9pPr marL="3886200" indent="-228600" algn="l" defTabSz="914400" rtl="0" eaLnBrk="1" latinLnBrk="0" hangingPunct="1">
+              <a:lnSpc>
+                <a:spcPct val="90000"/>
+              </a:lnSpc>
+              <a:spcBef>
+                <a:spcPct val="30000"/>
+              </a:spcBef>
+              <a:buFont typeface="Arial" panose="020B0604020202020204" pitchFamily="34" charset="0"/>
+              <a:buChar char="•"/>
+              <a:defRPr sz="1800" kern="1200">
+                <a:solidFill>
+                  <a:schemeClr val="tx1"/>
+                </a:solidFill>
+                <a:latin typeface="+mn-lt"/>
+                <a:ea typeface="+mn-ea"/>
+                <a:cs typeface="+mn-cs"/>
+              </a:defRPr>
+            </a:lvl9pPr>
+          </a:lstStyle>
+          <a:p>
+            <a:r>
+              <a:rPr lang="en-US" sz="1800" smtClean="0">
+                <a:latin typeface="Arial" panose="020B0604020202020204" pitchFamily="34" charset="0"/>
+              </a:rPr>
+              <a:t>Lakukan ekualisasi hanya pada komponen I (intensitas)</a:t>
+            </a:r>
+          </a:p>
+          <a:p>
+            <a:r>
+              <a:rPr lang="en-US" sz="1800" smtClean="0">
+                <a:latin typeface="Arial" panose="020B0604020202020204" pitchFamily="34" charset="0"/>
+              </a:rPr>
+              <a:t>Lakukan saturation adjustment seperlunya</a:t>
+            </a:r>
+            <a:endParaRPr lang="en-US" sz="1800" dirty="0">
+              <a:latin typeface="Arial" panose="020B0604020202020204" pitchFamily="34" charset="0"/>
+            </a:endParaRPr>
+          </a:p>
+        </p:txBody>
+      </p:sp>
+      <p:pic>
+        <p:nvPicPr>
+          <p:cNvPr id="4" name="Picture 11" descr="colorhist"/>
+          <p:cNvPicPr>
+            <a:picLocks noChangeAspect="1" noChangeArrowheads="1"/>
+          </p:cNvPicPr>
+          <p:nvPr/>
+        </p:nvPicPr>
+        <p:blipFill>
+          <a:blip r:embed="rId2">
+            <a:extLst>
+              <a:ext uri="{28A0092B-C50C-407E-A947-70E740481C1C}">
+                <a14:useLocalDpi xmlns:a14="http://schemas.microsoft.com/office/drawing/2010/main" val="0"/>
+              </a:ext>
+            </a:extLst>
+          </a:blip>
+          <a:srcRect/>
+          <a:stretch>
+            <a:fillRect/>
+          </a:stretch>
+        </p:blipFill>
+        <p:spPr bwMode="auto">
+          <a:xfrm>
+            <a:off x="931863" y="2566988"/>
+            <a:ext cx="7496175" cy="1774825"/>
+          </a:xfrm>
+          <a:prstGeom prst="rect">
+            <a:avLst/>
+          </a:prstGeom>
+          <a:noFill/>
+          <a:extLst>
+            <a:ext uri="{909E8E84-426E-40DD-AFC4-6F175D3DCCD1}">
+              <a14:hiddenFill xmlns:a14="http://schemas.microsoft.com/office/drawing/2010/main">
+                <a:solidFill>
+                  <a:srgbClr val="FFFFFF"/>
+                </a:solidFill>
+              </a14:hiddenFill>
+            </a:ext>
+          </a:extLst>
+        </p:spPr>
+      </p:pic>
+    </p:spTree>
+    <p:extLst>
+      <p:ext uri="{BB962C8B-B14F-4D97-AF65-F5344CB8AC3E}">
+        <p14:creationId xmlns:p14="http://schemas.microsoft.com/office/powerpoint/2010/main" val="3055575397"/>
+      </p:ext>
+    </p:extLst>
+  </p:cSld>
+  <p:clrMapOvr>
+    <a:masterClrMapping/>
+  </p:clrMapOvr>
+</p:sld>
+</file>
+
+<file path=ppt/slides/slide17.xml><?xml version="1.0" encoding="utf-8"?>
+<p:sld xmlns:a="http://schemas.openxmlformats.org/drawingml/2006/main" xmlns:r="http://schemas.openxmlformats.org/officeDocument/2006/relationships" xmlns:p="http://schemas.openxmlformats.org/presentationml/2006/main">
+  <p:cSld>
+    <p:spTree>
+      <p:nvGrpSpPr>
+        <p:cNvPr id="1" name=""/>
+        <p:cNvGrpSpPr/>
+        <p:nvPr/>
+      </p:nvGrpSpPr>
+      <p:grpSpPr>
+        <a:xfrm>
+          <a:off x="0" y="0"/>
+          <a:ext cx="0" cy="0"/>
+          <a:chOff x="0" y="0"/>
+          <a:chExt cx="0" cy="0"/>
+        </a:xfrm>
+      </p:grpSpPr>
+      <p:sp>
+        <p:nvSpPr>
+          <p:cNvPr id="2" name="Title 1"/>
+          <p:cNvSpPr>
+            <a:spLocks noGrp="1"/>
+          </p:cNvSpPr>
+          <p:nvPr>
+            <p:ph type="title"/>
+          </p:nvPr>
+        </p:nvSpPr>
+        <p:spPr/>
+        <p:txBody>
+          <a:bodyPr/>
+          <a:lstStyle/>
+          <a:p>
+            <a:r>
+              <a:rPr lang="en-US" b="1" dirty="0">
+                <a:latin typeface="Arial" panose="020B0604020202020204" pitchFamily="34" charset="0"/>
+              </a:rPr>
+              <a:t>Histogram Equalization </a:t>
+            </a:r>
+            <a:r>
+              <a:rPr lang="en-US" sz="2000" b="1" dirty="0" smtClean="0">
+                <a:latin typeface="Arial" panose="020B0604020202020204" pitchFamily="34" charset="0"/>
+              </a:rPr>
+              <a:t>(2)</a:t>
+            </a:r>
+            <a:endParaRPr lang="en-US" dirty="0"/>
+          </a:p>
+        </p:txBody>
+      </p:sp>
+      <p:pic>
+        <p:nvPicPr>
+          <p:cNvPr id="3" name="Picture 15" descr="s adjustment after eq"/>
+          <p:cNvPicPr>
+            <a:picLocks noChangeAspect="1" noChangeArrowheads="1"/>
+          </p:cNvPicPr>
+          <p:nvPr/>
+        </p:nvPicPr>
+        <p:blipFill>
+          <a:blip r:embed="rId2">
+            <a:extLst>
+              <a:ext uri="{28A0092B-C50C-407E-A947-70E740481C1C}">
+                <a14:useLocalDpi xmlns:a14="http://schemas.microsoft.com/office/drawing/2010/main" val="0"/>
+              </a:ext>
+            </a:extLst>
+          </a:blip>
+          <a:srcRect/>
+          <a:stretch>
+            <a:fillRect/>
+          </a:stretch>
+        </p:blipFill>
+        <p:spPr bwMode="auto">
+          <a:xfrm>
+            <a:off x="695325" y="1431241"/>
+            <a:ext cx="2994025" cy="2859087"/>
+          </a:xfrm>
+          <a:prstGeom prst="rect">
+            <a:avLst/>
+          </a:prstGeom>
+          <a:noFill/>
+          <a:extLst>
+            <a:ext uri="{909E8E84-426E-40DD-AFC4-6F175D3DCCD1}">
+              <a14:hiddenFill xmlns:a14="http://schemas.microsoft.com/office/drawing/2010/main">
+                <a:solidFill>
+                  <a:srgbClr val="FFFFFF"/>
+                </a:solidFill>
+              </a14:hiddenFill>
+            </a:ext>
+          </a:extLst>
+        </p:spPr>
+      </p:pic>
+      <p:pic>
+        <p:nvPicPr>
+          <p:cNvPr id="4" name="Picture 16" descr="asli"/>
+          <p:cNvPicPr>
+            <a:picLocks noChangeAspect="1" noChangeArrowheads="1"/>
+          </p:cNvPicPr>
+          <p:nvPr/>
+        </p:nvPicPr>
+        <p:blipFill>
+          <a:blip r:embed="rId3" cstate="print">
+            <a:extLst>
+              <a:ext uri="{28A0092B-C50C-407E-A947-70E740481C1C}">
+                <a14:useLocalDpi xmlns:a14="http://schemas.microsoft.com/office/drawing/2010/main" val="0"/>
+              </a:ext>
+            </a:extLst>
+          </a:blip>
+          <a:srcRect/>
+          <a:stretch>
+            <a:fillRect/>
+          </a:stretch>
+        </p:blipFill>
+        <p:spPr bwMode="auto">
+          <a:xfrm>
+            <a:off x="4809991" y="2997334"/>
+            <a:ext cx="2733675" cy="3367088"/>
+          </a:xfrm>
+          <a:prstGeom prst="rect">
+            <a:avLst/>
+          </a:prstGeom>
+          <a:noFill/>
+          <a:extLst>
+            <a:ext uri="{909E8E84-426E-40DD-AFC4-6F175D3DCCD1}">
+              <a14:hiddenFill xmlns:a14="http://schemas.microsoft.com/office/drawing/2010/main">
+                <a:solidFill>
+                  <a:srgbClr val="FFFFFF"/>
+                </a:solidFill>
+              </a14:hiddenFill>
+            </a:ext>
+          </a:extLst>
+        </p:spPr>
+      </p:pic>
+      <p:pic>
+        <p:nvPicPr>
+          <p:cNvPr id="5" name="Picture 17" descr="contast"/>
+          <p:cNvPicPr>
+            <a:picLocks noChangeAspect="1" noChangeArrowheads="1"/>
+          </p:cNvPicPr>
+          <p:nvPr/>
+        </p:nvPicPr>
+        <p:blipFill>
+          <a:blip r:embed="rId4" cstate="print">
+            <a:extLst>
+              <a:ext uri="{28A0092B-C50C-407E-A947-70E740481C1C}">
+                <a14:useLocalDpi xmlns:a14="http://schemas.microsoft.com/office/drawing/2010/main" val="0"/>
+              </a:ext>
+            </a:extLst>
+          </a:blip>
+          <a:srcRect/>
+          <a:stretch>
+            <a:fillRect/>
+          </a:stretch>
+        </p:blipFill>
+        <p:spPr bwMode="auto">
+          <a:xfrm>
+            <a:off x="8216633" y="2997334"/>
+            <a:ext cx="2744788" cy="3382963"/>
+          </a:xfrm>
+          <a:prstGeom prst="rect">
+            <a:avLst/>
+          </a:prstGeom>
+          <a:noFill/>
+          <a:extLst>
+            <a:ext uri="{909E8E84-426E-40DD-AFC4-6F175D3DCCD1}">
+              <a14:hiddenFill xmlns:a14="http://schemas.microsoft.com/office/drawing/2010/main">
+                <a:solidFill>
+                  <a:srgbClr val="FFFFFF"/>
+                </a:solidFill>
+              </a14:hiddenFill>
+            </a:ext>
+          </a:extLst>
+        </p:spPr>
+      </p:pic>
+      <p:sp>
+        <p:nvSpPr>
+          <p:cNvPr id="6" name="Rectangle 18"/>
+          <p:cNvSpPr txBox="1">
+            <a:spLocks noChangeArrowheads="1"/>
+          </p:cNvSpPr>
+          <p:nvPr/>
+        </p:nvSpPr>
+        <p:spPr>
+          <a:xfrm>
+            <a:off x="4809991" y="1590092"/>
+            <a:ext cx="4445000" cy="854075"/>
+          </a:xfrm>
+          <a:prstGeom prst="rect">
+            <a:avLst/>
+          </a:prstGeom>
+          <a:solidFill>
+            <a:schemeClr val="bg1"/>
+          </a:solidFill>
+          <a:ln/>
+        </p:spPr>
+        <p:txBody>
+          <a:bodyPr/>
+          <a:lstStyle>
+            <a:lvl1pPr marL="228600" indent="-228600" algn="l" defTabSz="914400" rtl="0" eaLnBrk="1" latinLnBrk="0" hangingPunct="1">
+              <a:lnSpc>
+                <a:spcPct val="90000"/>
+              </a:lnSpc>
+              <a:spcBef>
+                <a:spcPct val="30000"/>
+              </a:spcBef>
+              <a:buFont typeface="Arial" panose="020B0604020202020204" pitchFamily="34" charset="0"/>
+              <a:buChar char="•"/>
+              <a:defRPr sz="2800" kern="1200">
+                <a:solidFill>
+                  <a:schemeClr val="tx1"/>
+                </a:solidFill>
+                <a:latin typeface="+mn-lt"/>
+                <a:ea typeface="+mn-ea"/>
+                <a:cs typeface="+mn-cs"/>
+              </a:defRPr>
+            </a:lvl1pPr>
+            <a:lvl2pPr marL="685800" indent="-228600" algn="l" defTabSz="914400" rtl="0" eaLnBrk="1" latinLnBrk="0" hangingPunct="1">
+              <a:lnSpc>
+                <a:spcPct val="90000"/>
+              </a:lnSpc>
+              <a:spcBef>
+                <a:spcPct val="30000"/>
+              </a:spcBef>
+              <a:buFont typeface="Arial" panose="020B0604020202020204" pitchFamily="34" charset="0"/>
+              <a:buChar char="•"/>
+              <a:defRPr sz="2400" kern="1200">
+                <a:solidFill>
+                  <a:schemeClr val="tx1"/>
+                </a:solidFill>
+                <a:latin typeface="+mn-lt"/>
+                <a:ea typeface="+mn-ea"/>
+                <a:cs typeface="+mn-cs"/>
+              </a:defRPr>
+            </a:lvl2pPr>
+            <a:lvl3pPr marL="1143000" indent="-228600" algn="l" defTabSz="914400" rtl="0" eaLnBrk="1" latinLnBrk="0" hangingPunct="1">
+              <a:lnSpc>
+                <a:spcPct val="90000"/>
+              </a:lnSpc>
+              <a:spcBef>
+                <a:spcPct val="30000"/>
+              </a:spcBef>
+              <a:buFont typeface="Arial" panose="020B0604020202020204" pitchFamily="34" charset="0"/>
+              <a:buChar char="•"/>
+              <a:defRPr sz="2000" kern="1200">
+                <a:solidFill>
+                  <a:schemeClr val="tx1"/>
+                </a:solidFill>
+                <a:latin typeface="+mn-lt"/>
+                <a:ea typeface="+mn-ea"/>
+                <a:cs typeface="+mn-cs"/>
+              </a:defRPr>
+            </a:lvl3pPr>
+            <a:lvl4pPr marL="1600200" indent="-228600" algn="l" defTabSz="914400" rtl="0" eaLnBrk="1" latinLnBrk="0" hangingPunct="1">
+              <a:lnSpc>
+                <a:spcPct val="90000"/>
+              </a:lnSpc>
+              <a:spcBef>
+                <a:spcPct val="30000"/>
+              </a:spcBef>
+              <a:buFont typeface="Arial" panose="020B0604020202020204" pitchFamily="34" charset="0"/>
+              <a:buChar char="•"/>
+              <a:defRPr sz="1800" kern="1200">
+                <a:solidFill>
+                  <a:schemeClr val="tx1"/>
+                </a:solidFill>
+                <a:latin typeface="+mn-lt"/>
+                <a:ea typeface="+mn-ea"/>
+                <a:cs typeface="+mn-cs"/>
+              </a:defRPr>
+            </a:lvl4pPr>
+            <a:lvl5pPr marL="2057400" indent="-228600" algn="l" defTabSz="914400" rtl="0" eaLnBrk="1" latinLnBrk="0" hangingPunct="1">
+              <a:lnSpc>
+                <a:spcPct val="90000"/>
+              </a:lnSpc>
+              <a:spcBef>
+                <a:spcPct val="30000"/>
+              </a:spcBef>
+              <a:buFont typeface="Arial" panose="020B0604020202020204" pitchFamily="34" charset="0"/>
+              <a:buChar char="•"/>
+              <a:defRPr sz="1800" kern="1200">
+                <a:solidFill>
+                  <a:schemeClr val="tx1"/>
+                </a:solidFill>
+                <a:latin typeface="+mn-lt"/>
+                <a:ea typeface="+mn-ea"/>
+                <a:cs typeface="+mn-cs"/>
+              </a:defRPr>
+            </a:lvl5pPr>
+            <a:lvl6pPr marL="2514600" indent="-228600" algn="l" defTabSz="914400" rtl="0" eaLnBrk="1" latinLnBrk="0" hangingPunct="1">
+              <a:lnSpc>
+                <a:spcPct val="90000"/>
+              </a:lnSpc>
+              <a:spcBef>
+                <a:spcPct val="30000"/>
+              </a:spcBef>
+              <a:buFont typeface="Arial" panose="020B0604020202020204" pitchFamily="34" charset="0"/>
+              <a:buChar char="•"/>
+              <a:defRPr sz="1800" kern="1200">
+                <a:solidFill>
+                  <a:schemeClr val="tx1"/>
+                </a:solidFill>
+                <a:latin typeface="+mn-lt"/>
+                <a:ea typeface="+mn-ea"/>
+                <a:cs typeface="+mn-cs"/>
+              </a:defRPr>
+            </a:lvl6pPr>
+            <a:lvl7pPr marL="2971800" indent="-228600" algn="l" defTabSz="914400" rtl="0" eaLnBrk="1" latinLnBrk="0" hangingPunct="1">
+              <a:lnSpc>
+                <a:spcPct val="90000"/>
+              </a:lnSpc>
+              <a:spcBef>
+                <a:spcPct val="30000"/>
+              </a:spcBef>
+              <a:buFont typeface="Arial" panose="020B0604020202020204" pitchFamily="34" charset="0"/>
+              <a:buChar char="•"/>
+              <a:defRPr sz="1800" kern="1200">
+                <a:solidFill>
+                  <a:schemeClr val="tx1"/>
+                </a:solidFill>
+                <a:latin typeface="+mn-lt"/>
+                <a:ea typeface="+mn-ea"/>
+                <a:cs typeface="+mn-cs"/>
+              </a:defRPr>
+            </a:lvl7pPr>
+            <a:lvl8pPr marL="3429000" indent="-228600" algn="l" defTabSz="914400" rtl="0" eaLnBrk="1" latinLnBrk="0" hangingPunct="1">
+              <a:lnSpc>
+                <a:spcPct val="90000"/>
+              </a:lnSpc>
+              <a:spcBef>
+                <a:spcPct val="30000"/>
+              </a:spcBef>
+              <a:buFont typeface="Arial" panose="020B0604020202020204" pitchFamily="34" charset="0"/>
+              <a:buChar char="•"/>
+              <a:defRPr sz="1800" kern="1200">
+                <a:solidFill>
+                  <a:schemeClr val="tx1"/>
+                </a:solidFill>
+                <a:latin typeface="+mn-lt"/>
+                <a:ea typeface="+mn-ea"/>
+                <a:cs typeface="+mn-cs"/>
+              </a:defRPr>
+            </a:lvl8pPr>
+            <a:lvl9pPr marL="3886200" indent="-228600" algn="l" defTabSz="914400" rtl="0" eaLnBrk="1" latinLnBrk="0" hangingPunct="1">
+              <a:lnSpc>
+                <a:spcPct val="90000"/>
+              </a:lnSpc>
+              <a:spcBef>
+                <a:spcPct val="30000"/>
+              </a:spcBef>
+              <a:buFont typeface="Arial" panose="020B0604020202020204" pitchFamily="34" charset="0"/>
+              <a:buChar char="•"/>
+              <a:defRPr sz="1800" kern="1200">
+                <a:solidFill>
+                  <a:schemeClr val="tx1"/>
+                </a:solidFill>
+                <a:latin typeface="+mn-lt"/>
+                <a:ea typeface="+mn-ea"/>
+                <a:cs typeface="+mn-cs"/>
+              </a:defRPr>
+            </a:lvl9pPr>
+          </a:lstStyle>
+          <a:p>
+            <a:pPr marL="0" indent="0">
+              <a:buFontTx/>
+              <a:buNone/>
+            </a:pPr>
+            <a:r>
+              <a:rPr lang="en-US" sz="1800" dirty="0" err="1" smtClean="0">
+                <a:latin typeface="Arial" panose="020B0604020202020204" pitchFamily="34" charset="0"/>
+              </a:rPr>
+              <a:t>Contoh</a:t>
+            </a:r>
+            <a:r>
+              <a:rPr lang="en-US" sz="1800" dirty="0" smtClean="0">
+                <a:latin typeface="Arial" panose="020B0604020202020204" pitchFamily="34" charset="0"/>
+              </a:rPr>
+              <a:t> histogram equalization yang </a:t>
+            </a:r>
+            <a:r>
+              <a:rPr lang="en-US" sz="1800" dirty="0" err="1" smtClean="0">
+                <a:latin typeface="Arial" panose="020B0604020202020204" pitchFamily="34" charset="0"/>
+              </a:rPr>
+              <a:t>dilakukan</a:t>
+            </a:r>
+            <a:r>
+              <a:rPr lang="en-US" sz="1800" dirty="0" smtClean="0">
+                <a:latin typeface="Arial" panose="020B0604020202020204" pitchFamily="34" charset="0"/>
+              </a:rPr>
+              <a:t> </a:t>
+            </a:r>
+            <a:r>
+              <a:rPr lang="en-US" sz="1800" dirty="0" err="1" smtClean="0">
+                <a:latin typeface="Arial" panose="020B0604020202020204" pitchFamily="34" charset="0"/>
+              </a:rPr>
+              <a:t>pada</a:t>
+            </a:r>
+            <a:r>
+              <a:rPr lang="en-US" sz="1800" dirty="0" smtClean="0">
+                <a:latin typeface="Arial" panose="020B0604020202020204" pitchFamily="34" charset="0"/>
+              </a:rPr>
+              <a:t> intensity, </a:t>
+            </a:r>
+            <a:r>
+              <a:rPr lang="en-US" sz="1800" dirty="0" err="1" smtClean="0">
+                <a:latin typeface="Arial" panose="020B0604020202020204" pitchFamily="34" charset="0"/>
+              </a:rPr>
+              <a:t>lalu</a:t>
+            </a:r>
+            <a:r>
+              <a:rPr lang="en-US" sz="1800" dirty="0" smtClean="0">
+                <a:latin typeface="Arial" panose="020B0604020202020204" pitchFamily="34" charset="0"/>
+              </a:rPr>
+              <a:t> saturation </a:t>
+            </a:r>
+            <a:r>
+              <a:rPr lang="en-US" sz="1800" dirty="0" err="1" smtClean="0">
+                <a:latin typeface="Arial" panose="020B0604020202020204" pitchFamily="34" charset="0"/>
+              </a:rPr>
+              <a:t>ditambah</a:t>
+            </a:r>
+            <a:r>
+              <a:rPr lang="en-US" sz="1800" dirty="0" smtClean="0">
+                <a:latin typeface="Arial" panose="020B0604020202020204" pitchFamily="34" charset="0"/>
+              </a:rPr>
+              <a:t>.</a:t>
+            </a:r>
+            <a:endParaRPr lang="en-US" sz="1800" dirty="0">
+              <a:latin typeface="Arial" panose="020B0604020202020204" pitchFamily="34" charset="0"/>
+            </a:endParaRPr>
+          </a:p>
+        </p:txBody>
+      </p:sp>
+    </p:spTree>
+    <p:extLst>
+      <p:ext uri="{BB962C8B-B14F-4D97-AF65-F5344CB8AC3E}">
+        <p14:creationId xmlns:p14="http://schemas.microsoft.com/office/powerpoint/2010/main" val="922538001"/>
+      </p:ext>
+    </p:extLst>
+  </p:cSld>
+  <p:clrMapOvr>
+    <a:masterClrMapping/>
+  </p:clrMapOvr>
+</p:sld>
+</file>
+
+<file path=ppt/slides/slide18.xml><?xml version="1.0" encoding="utf-8"?>
+<p:sld xmlns:a="http://schemas.openxmlformats.org/drawingml/2006/main" xmlns:r="http://schemas.openxmlformats.org/officeDocument/2006/relationships" xmlns:p="http://schemas.openxmlformats.org/presentationml/2006/main">
+  <p:cSld>
+    <p:spTree>
+      <p:nvGrpSpPr>
+        <p:cNvPr id="1" name=""/>
+        <p:cNvGrpSpPr/>
+        <p:nvPr/>
+      </p:nvGrpSpPr>
+      <p:grpSpPr>
+        <a:xfrm>
+          <a:off x="0" y="0"/>
+          <a:ext cx="0" cy="0"/>
+          <a:chOff x="0" y="0"/>
+          <a:chExt cx="0" cy="0"/>
+        </a:xfrm>
+      </p:grpSpPr>
+      <p:sp>
+        <p:nvSpPr>
+          <p:cNvPr id="2" name="Title 1"/>
+          <p:cNvSpPr>
+            <a:spLocks noGrp="1"/>
+          </p:cNvSpPr>
+          <p:nvPr>
+            <p:ph type="title"/>
+          </p:nvPr>
+        </p:nvSpPr>
+        <p:spPr/>
+        <p:txBody>
+          <a:bodyPr/>
+          <a:lstStyle/>
+          <a:p>
+            <a:r>
+              <a:rPr lang="en-US" b="1" dirty="0">
+                <a:latin typeface="Arial" panose="020B0604020202020204" pitchFamily="34" charset="0"/>
+              </a:rPr>
+              <a:t>Smoothing</a:t>
+            </a:r>
+            <a:endParaRPr lang="en-US" dirty="0"/>
+          </a:p>
+        </p:txBody>
+      </p:sp>
+      <p:sp>
+        <p:nvSpPr>
+          <p:cNvPr id="3" name="Rectangle 10"/>
+          <p:cNvSpPr txBox="1">
+            <a:spLocks noChangeArrowheads="1"/>
+          </p:cNvSpPr>
+          <p:nvPr/>
+        </p:nvSpPr>
+        <p:spPr>
+          <a:xfrm>
+            <a:off x="685800" y="1493838"/>
+            <a:ext cx="8077200" cy="1095375"/>
+          </a:xfrm>
+          <a:prstGeom prst="rect">
+            <a:avLst/>
+          </a:prstGeom>
+          <a:solidFill>
+            <a:schemeClr val="bg1"/>
+          </a:solidFill>
+          <a:ln/>
+        </p:spPr>
+        <p:txBody>
+          <a:bodyPr/>
+          <a:lstStyle>
+            <a:lvl1pPr marL="228600" indent="-228600" algn="l" defTabSz="914400" rtl="0" eaLnBrk="1" latinLnBrk="0" hangingPunct="1">
+              <a:lnSpc>
+                <a:spcPct val="90000"/>
+              </a:lnSpc>
+              <a:spcBef>
+                <a:spcPct val="30000"/>
+              </a:spcBef>
+              <a:buFont typeface="Arial" panose="020B0604020202020204" pitchFamily="34" charset="0"/>
+              <a:buChar char="•"/>
+              <a:defRPr sz="2800" kern="1200">
+                <a:solidFill>
+                  <a:schemeClr val="tx1"/>
+                </a:solidFill>
+                <a:latin typeface="+mn-lt"/>
+                <a:ea typeface="+mn-ea"/>
+                <a:cs typeface="+mn-cs"/>
+              </a:defRPr>
+            </a:lvl1pPr>
+            <a:lvl2pPr marL="685800" indent="-228600" algn="l" defTabSz="914400" rtl="0" eaLnBrk="1" latinLnBrk="0" hangingPunct="1">
+              <a:lnSpc>
+                <a:spcPct val="90000"/>
+              </a:lnSpc>
+              <a:spcBef>
+                <a:spcPct val="30000"/>
+              </a:spcBef>
+              <a:buFont typeface="Arial" panose="020B0604020202020204" pitchFamily="34" charset="0"/>
+              <a:buChar char="•"/>
+              <a:defRPr sz="2400" kern="1200">
+                <a:solidFill>
+                  <a:schemeClr val="tx1"/>
+                </a:solidFill>
+                <a:latin typeface="+mn-lt"/>
+                <a:ea typeface="+mn-ea"/>
+                <a:cs typeface="+mn-cs"/>
+              </a:defRPr>
+            </a:lvl2pPr>
+            <a:lvl3pPr marL="1143000" indent="-228600" algn="l" defTabSz="914400" rtl="0" eaLnBrk="1" latinLnBrk="0" hangingPunct="1">
+              <a:lnSpc>
+                <a:spcPct val="90000"/>
+              </a:lnSpc>
+              <a:spcBef>
+                <a:spcPct val="30000"/>
+              </a:spcBef>
+              <a:buFont typeface="Arial" panose="020B0604020202020204" pitchFamily="34" charset="0"/>
+              <a:buChar char="•"/>
+              <a:defRPr sz="2000" kern="1200">
+                <a:solidFill>
+                  <a:schemeClr val="tx1"/>
+                </a:solidFill>
+                <a:latin typeface="+mn-lt"/>
+                <a:ea typeface="+mn-ea"/>
+                <a:cs typeface="+mn-cs"/>
+              </a:defRPr>
+            </a:lvl3pPr>
+            <a:lvl4pPr marL="1600200" indent="-228600" algn="l" defTabSz="914400" rtl="0" eaLnBrk="1" latinLnBrk="0" hangingPunct="1">
+              <a:lnSpc>
+                <a:spcPct val="90000"/>
+              </a:lnSpc>
+              <a:spcBef>
+                <a:spcPct val="30000"/>
+              </a:spcBef>
+              <a:buFont typeface="Arial" panose="020B0604020202020204" pitchFamily="34" charset="0"/>
+              <a:buChar char="•"/>
+              <a:defRPr sz="1800" kern="1200">
+                <a:solidFill>
+                  <a:schemeClr val="tx1"/>
+                </a:solidFill>
+                <a:latin typeface="+mn-lt"/>
+                <a:ea typeface="+mn-ea"/>
+                <a:cs typeface="+mn-cs"/>
+              </a:defRPr>
+            </a:lvl4pPr>
+            <a:lvl5pPr marL="2057400" indent="-228600" algn="l" defTabSz="914400" rtl="0" eaLnBrk="1" latinLnBrk="0" hangingPunct="1">
+              <a:lnSpc>
+                <a:spcPct val="90000"/>
+              </a:lnSpc>
+              <a:spcBef>
+                <a:spcPct val="30000"/>
+              </a:spcBef>
+              <a:buFont typeface="Arial" panose="020B0604020202020204" pitchFamily="34" charset="0"/>
+              <a:buChar char="•"/>
+              <a:defRPr sz="1800" kern="1200">
+                <a:solidFill>
+                  <a:schemeClr val="tx1"/>
+                </a:solidFill>
+                <a:latin typeface="+mn-lt"/>
+                <a:ea typeface="+mn-ea"/>
+                <a:cs typeface="+mn-cs"/>
+              </a:defRPr>
+            </a:lvl5pPr>
+            <a:lvl6pPr marL="2514600" indent="-228600" algn="l" defTabSz="914400" rtl="0" eaLnBrk="1" latinLnBrk="0" hangingPunct="1">
+              <a:lnSpc>
+                <a:spcPct val="90000"/>
+              </a:lnSpc>
+              <a:spcBef>
+                <a:spcPct val="30000"/>
+              </a:spcBef>
+              <a:buFont typeface="Arial" panose="020B0604020202020204" pitchFamily="34" charset="0"/>
+              <a:buChar char="•"/>
+              <a:defRPr sz="1800" kern="1200">
+                <a:solidFill>
+                  <a:schemeClr val="tx1"/>
+                </a:solidFill>
+                <a:latin typeface="+mn-lt"/>
+                <a:ea typeface="+mn-ea"/>
+                <a:cs typeface="+mn-cs"/>
+              </a:defRPr>
+            </a:lvl6pPr>
+            <a:lvl7pPr marL="2971800" indent="-228600" algn="l" defTabSz="914400" rtl="0" eaLnBrk="1" latinLnBrk="0" hangingPunct="1">
+              <a:lnSpc>
+                <a:spcPct val="90000"/>
+              </a:lnSpc>
+              <a:spcBef>
+                <a:spcPct val="30000"/>
+              </a:spcBef>
+              <a:buFont typeface="Arial" panose="020B0604020202020204" pitchFamily="34" charset="0"/>
+              <a:buChar char="•"/>
+              <a:defRPr sz="1800" kern="1200">
+                <a:solidFill>
+                  <a:schemeClr val="tx1"/>
+                </a:solidFill>
+                <a:latin typeface="+mn-lt"/>
+                <a:ea typeface="+mn-ea"/>
+                <a:cs typeface="+mn-cs"/>
+              </a:defRPr>
+            </a:lvl7pPr>
+            <a:lvl8pPr marL="3429000" indent="-228600" algn="l" defTabSz="914400" rtl="0" eaLnBrk="1" latinLnBrk="0" hangingPunct="1">
+              <a:lnSpc>
+                <a:spcPct val="90000"/>
+              </a:lnSpc>
+              <a:spcBef>
+                <a:spcPct val="30000"/>
+              </a:spcBef>
+              <a:buFont typeface="Arial" panose="020B0604020202020204" pitchFamily="34" charset="0"/>
+              <a:buChar char="•"/>
+              <a:defRPr sz="1800" kern="1200">
+                <a:solidFill>
+                  <a:schemeClr val="tx1"/>
+                </a:solidFill>
+                <a:latin typeface="+mn-lt"/>
+                <a:ea typeface="+mn-ea"/>
+                <a:cs typeface="+mn-cs"/>
+              </a:defRPr>
+            </a:lvl8pPr>
+            <a:lvl9pPr marL="3886200" indent="-228600" algn="l" defTabSz="914400" rtl="0" eaLnBrk="1" latinLnBrk="0" hangingPunct="1">
+              <a:lnSpc>
+                <a:spcPct val="90000"/>
+              </a:lnSpc>
+              <a:spcBef>
+                <a:spcPct val="30000"/>
+              </a:spcBef>
+              <a:buFont typeface="Arial" panose="020B0604020202020204" pitchFamily="34" charset="0"/>
+              <a:buChar char="•"/>
+              <a:defRPr sz="1800" kern="1200">
+                <a:solidFill>
+                  <a:schemeClr val="tx1"/>
+                </a:solidFill>
+                <a:latin typeface="+mn-lt"/>
+                <a:ea typeface="+mn-ea"/>
+                <a:cs typeface="+mn-cs"/>
+              </a:defRPr>
+            </a:lvl9pPr>
+          </a:lstStyle>
+          <a:p>
+            <a:r>
+              <a:rPr lang="en-US" sz="1800" smtClean="0">
+                <a:latin typeface="Arial" panose="020B0604020202020204" pitchFamily="34" charset="0"/>
+              </a:rPr>
+              <a:t>Pada RGB akan berpotensi untuk memunculkan warna-warna yang sebelumnya tidak ada (karena warna baru dihitung dari rata-rata)</a:t>
+            </a:r>
+          </a:p>
+          <a:p>
+            <a:r>
+              <a:rPr lang="en-US" sz="1800" smtClean="0">
+                <a:latin typeface="Arial" panose="020B0604020202020204" pitchFamily="34" charset="0"/>
+              </a:rPr>
+              <a:t>Pada HIS hanya I yang difilter … apa efeknya?</a:t>
+            </a:r>
+            <a:endParaRPr lang="en-US" sz="1800" dirty="0">
+              <a:latin typeface="Arial" panose="020B0604020202020204" pitchFamily="34" charset="0"/>
+            </a:endParaRPr>
+          </a:p>
+        </p:txBody>
+      </p:sp>
+      <p:pic>
+        <p:nvPicPr>
+          <p:cNvPr id="4" name="Picture 11" descr="smoothing"/>
+          <p:cNvPicPr>
+            <a:picLocks noChangeAspect="1" noChangeArrowheads="1"/>
+          </p:cNvPicPr>
+          <p:nvPr/>
+        </p:nvPicPr>
+        <p:blipFill>
+          <a:blip r:embed="rId2" cstate="print">
+            <a:extLst>
+              <a:ext uri="{28A0092B-C50C-407E-A947-70E740481C1C}">
+                <a14:useLocalDpi xmlns:a14="http://schemas.microsoft.com/office/drawing/2010/main" val="0"/>
+              </a:ext>
+            </a:extLst>
+          </a:blip>
+          <a:srcRect/>
+          <a:stretch>
+            <a:fillRect/>
+          </a:stretch>
+        </p:blipFill>
+        <p:spPr bwMode="auto">
+          <a:xfrm>
+            <a:off x="1001713" y="3422650"/>
+            <a:ext cx="1146175" cy="1125538"/>
+          </a:xfrm>
+          <a:prstGeom prst="rect">
+            <a:avLst/>
+          </a:prstGeom>
+          <a:noFill/>
+          <a:extLst>
+            <a:ext uri="{909E8E84-426E-40DD-AFC4-6F175D3DCCD1}">
+              <a14:hiddenFill xmlns:a14="http://schemas.microsoft.com/office/drawing/2010/main">
+                <a:solidFill>
+                  <a:srgbClr val="FFFFFF"/>
+                </a:solidFill>
+              </a14:hiddenFill>
+            </a:ext>
+          </a:extLst>
+        </p:spPr>
+      </p:pic>
+      <p:pic>
+        <p:nvPicPr>
+          <p:cNvPr id="5" name="Picture 12" descr="aslicolor"/>
+          <p:cNvPicPr>
+            <a:picLocks noChangeAspect="1" noChangeArrowheads="1"/>
+          </p:cNvPicPr>
+          <p:nvPr/>
+        </p:nvPicPr>
+        <p:blipFill>
+          <a:blip r:embed="rId3" cstate="print">
+            <a:extLst>
+              <a:ext uri="{28A0092B-C50C-407E-A947-70E740481C1C}">
+                <a14:useLocalDpi xmlns:a14="http://schemas.microsoft.com/office/drawing/2010/main" val="0"/>
+              </a:ext>
+            </a:extLst>
+          </a:blip>
+          <a:srcRect/>
+          <a:stretch>
+            <a:fillRect/>
+          </a:stretch>
+        </p:blipFill>
+        <p:spPr bwMode="auto">
+          <a:xfrm>
+            <a:off x="2309813" y="3116263"/>
+            <a:ext cx="1695450" cy="1692275"/>
+          </a:xfrm>
+          <a:prstGeom prst="rect">
+            <a:avLst/>
+          </a:prstGeom>
+          <a:noFill/>
+          <a:extLst>
+            <a:ext uri="{909E8E84-426E-40DD-AFC4-6F175D3DCCD1}">
+              <a14:hiddenFill xmlns:a14="http://schemas.microsoft.com/office/drawing/2010/main">
+                <a:solidFill>
+                  <a:srgbClr val="FFFFFF"/>
+                </a:solidFill>
+              </a14:hiddenFill>
+            </a:ext>
+          </a:extLst>
+        </p:spPr>
+      </p:pic>
+      <p:pic>
+        <p:nvPicPr>
+          <p:cNvPr id="6" name="Picture 13" descr="colorblur"/>
+          <p:cNvPicPr>
+            <a:picLocks noChangeAspect="1" noChangeArrowheads="1"/>
+          </p:cNvPicPr>
+          <p:nvPr/>
+        </p:nvPicPr>
+        <p:blipFill>
+          <a:blip r:embed="rId4">
+            <a:extLst>
+              <a:ext uri="{28A0092B-C50C-407E-A947-70E740481C1C}">
+                <a14:useLocalDpi xmlns:a14="http://schemas.microsoft.com/office/drawing/2010/main" val="0"/>
+              </a:ext>
+            </a:extLst>
+          </a:blip>
+          <a:srcRect/>
+          <a:stretch>
+            <a:fillRect/>
+          </a:stretch>
+        </p:blipFill>
+        <p:spPr bwMode="auto">
+          <a:xfrm>
+            <a:off x="4954588" y="3125788"/>
+            <a:ext cx="3375025" cy="1676400"/>
+          </a:xfrm>
+          <a:prstGeom prst="rect">
+            <a:avLst/>
+          </a:prstGeom>
+          <a:noFill/>
+          <a:extLst>
+            <a:ext uri="{909E8E84-426E-40DD-AFC4-6F175D3DCCD1}">
+              <a14:hiddenFill xmlns:a14="http://schemas.microsoft.com/office/drawing/2010/main">
+                <a:solidFill>
+                  <a:srgbClr val="FFFFFF"/>
+                </a:solidFill>
+              </a14:hiddenFill>
+            </a:ext>
+          </a:extLst>
+        </p:spPr>
+      </p:pic>
+      <p:sp>
+        <p:nvSpPr>
+          <p:cNvPr id="7" name="Rectangle 15"/>
+          <p:cNvSpPr>
+            <a:spLocks noChangeArrowheads="1"/>
+          </p:cNvSpPr>
+          <p:nvPr/>
+        </p:nvSpPr>
+        <p:spPr bwMode="auto">
+          <a:xfrm>
+            <a:off x="5521325" y="4876800"/>
+            <a:ext cx="641350" cy="284163"/>
+          </a:xfrm>
+          <a:prstGeom prst="rect">
+            <a:avLst/>
+          </a:prstGeom>
+          <a:noFill/>
+          <a:ln>
+            <a:noFill/>
+          </a:ln>
+          <a:effectLst/>
+          <a:extLst>
+            <a:ext uri="{909E8E84-426E-40DD-AFC4-6F175D3DCCD1}">
+              <a14:hiddenFill xmlns:a14="http://schemas.microsoft.com/office/drawing/2010/main">
+                <a:solidFill>
+                  <a:schemeClr val="accent1"/>
+                </a:solidFill>
+              </a14:hiddenFill>
+            </a:ext>
+            <a:ext uri="{91240B29-F687-4F45-9708-019B960494DF}">
+              <a14:hiddenLine xmlns:a14="http://schemas.microsoft.com/office/drawing/2010/main" w="9525">
+                <a:solidFill>
+                  <a:schemeClr val="tx1"/>
+                </a:solidFill>
+                <a:miter lim="800000"/>
+                <a:headEnd/>
+                <a:tailEnd/>
+              </a14:hiddenLine>
+            </a:ext>
+            <a:ext uri="{AF507438-7753-43E0-B8FC-AC1667EBCBE1}">
+              <a14:hiddenEffects xmlns:a14="http://schemas.microsoft.com/office/drawing/2010/main">
+                <a:effectLst>
+                  <a:outerShdw dist="35921" dir="2700000" algn="ctr" rotWithShape="0">
+                    <a:schemeClr val="bg2"/>
+                  </a:outerShdw>
+                </a:effectLst>
+              </a14:hiddenEffects>
+            </a:ext>
+          </a:extLst>
+        </p:spPr>
+        <p:txBody>
+          <a:bodyPr>
+            <a:spAutoFit/>
+          </a:bodyPr>
+          <a:lstStyle/>
+          <a:p>
+            <a:pPr algn="ctr">
+              <a:lnSpc>
+                <a:spcPct val="90000"/>
+              </a:lnSpc>
+              <a:spcBef>
+                <a:spcPct val="20000"/>
+              </a:spcBef>
+            </a:pPr>
+            <a:r>
+              <a:rPr lang="en-US" sz="1400" b="1">
+                <a:latin typeface="Arial" panose="020B0604020202020204" pitchFamily="34" charset="0"/>
+              </a:rPr>
+              <a:t>RGB</a:t>
+            </a:r>
+          </a:p>
+        </p:txBody>
+      </p:sp>
+      <p:sp>
+        <p:nvSpPr>
+          <p:cNvPr id="8" name="Rectangle 16"/>
+          <p:cNvSpPr>
+            <a:spLocks noChangeArrowheads="1"/>
+          </p:cNvSpPr>
+          <p:nvPr/>
+        </p:nvSpPr>
+        <p:spPr bwMode="auto">
+          <a:xfrm>
+            <a:off x="7273925" y="4876800"/>
+            <a:ext cx="641350" cy="284163"/>
+          </a:xfrm>
+          <a:prstGeom prst="rect">
+            <a:avLst/>
+          </a:prstGeom>
+          <a:noFill/>
+          <a:ln>
+            <a:noFill/>
+          </a:ln>
+          <a:effectLst/>
+          <a:extLst>
+            <a:ext uri="{909E8E84-426E-40DD-AFC4-6F175D3DCCD1}">
+              <a14:hiddenFill xmlns:a14="http://schemas.microsoft.com/office/drawing/2010/main">
+                <a:solidFill>
+                  <a:schemeClr val="accent1"/>
+                </a:solidFill>
+              </a14:hiddenFill>
+            </a:ext>
+            <a:ext uri="{91240B29-F687-4F45-9708-019B960494DF}">
+              <a14:hiddenLine xmlns:a14="http://schemas.microsoft.com/office/drawing/2010/main" w="9525">
+                <a:solidFill>
+                  <a:schemeClr val="tx1"/>
+                </a:solidFill>
+                <a:miter lim="800000"/>
+                <a:headEnd/>
+                <a:tailEnd/>
+              </a14:hiddenLine>
+            </a:ext>
+            <a:ext uri="{AF507438-7753-43E0-B8FC-AC1667EBCBE1}">
+              <a14:hiddenEffects xmlns:a14="http://schemas.microsoft.com/office/drawing/2010/main">
+                <a:effectLst>
+                  <a:outerShdw dist="35921" dir="2700000" algn="ctr" rotWithShape="0">
+                    <a:schemeClr val="bg2"/>
+                  </a:outerShdw>
+                </a:effectLst>
+              </a14:hiddenEffects>
+            </a:ext>
+          </a:extLst>
+        </p:spPr>
+        <p:txBody>
+          <a:bodyPr>
+            <a:spAutoFit/>
+          </a:bodyPr>
+          <a:lstStyle/>
+          <a:p>
+            <a:pPr algn="ctr">
+              <a:lnSpc>
+                <a:spcPct val="90000"/>
+              </a:lnSpc>
+              <a:spcBef>
+                <a:spcPct val="20000"/>
+              </a:spcBef>
+            </a:pPr>
+            <a:r>
+              <a:rPr lang="en-US" sz="1400" b="1">
+                <a:latin typeface="Arial" panose="020B0604020202020204" pitchFamily="34" charset="0"/>
+              </a:rPr>
+              <a:t>HSI</a:t>
+            </a:r>
+          </a:p>
+        </p:txBody>
+      </p:sp>
+    </p:spTree>
+    <p:extLst>
+      <p:ext uri="{BB962C8B-B14F-4D97-AF65-F5344CB8AC3E}">
+        <p14:creationId xmlns:p14="http://schemas.microsoft.com/office/powerpoint/2010/main" val="553178833"/>
+      </p:ext>
+    </p:extLst>
+  </p:cSld>
+  <p:clrMapOvr>
+    <a:masterClrMapping/>
+  </p:clrMapOvr>
+</p:sld>
+</file>
+
+<file path=ppt/slides/slide19.xml><?xml version="1.0" encoding="utf-8"?>
+<p:sld xmlns:a="http://schemas.openxmlformats.org/drawingml/2006/main" xmlns:r="http://schemas.openxmlformats.org/officeDocument/2006/relationships" xmlns:p="http://schemas.openxmlformats.org/presentationml/2006/main">
+  <p:cSld>
+    <p:spTree>
+      <p:nvGrpSpPr>
+        <p:cNvPr id="1" name=""/>
+        <p:cNvGrpSpPr/>
+        <p:nvPr/>
+      </p:nvGrpSpPr>
+      <p:grpSpPr>
+        <a:xfrm>
+          <a:off x="0" y="0"/>
+          <a:ext cx="0" cy="0"/>
+          <a:chOff x="0" y="0"/>
+          <a:chExt cx="0" cy="0"/>
+        </a:xfrm>
+      </p:grpSpPr>
+      <p:sp>
+        <p:nvSpPr>
+          <p:cNvPr id="2" name="Title 1"/>
+          <p:cNvSpPr>
+            <a:spLocks noGrp="1"/>
+          </p:cNvSpPr>
+          <p:nvPr>
+            <p:ph type="title"/>
+          </p:nvPr>
+        </p:nvSpPr>
+        <p:spPr/>
+        <p:txBody>
+          <a:bodyPr/>
+          <a:lstStyle/>
+          <a:p>
+            <a:r>
+              <a:rPr lang="en-US" b="1" dirty="0">
+                <a:latin typeface="Arial" panose="020B0604020202020204" pitchFamily="34" charset="0"/>
+              </a:rPr>
+              <a:t>Sharpening</a:t>
+            </a:r>
+            <a:endParaRPr lang="en-US" dirty="0"/>
+          </a:p>
+        </p:txBody>
+      </p:sp>
+      <p:sp>
+        <p:nvSpPr>
+          <p:cNvPr id="3" name="Rectangle 19"/>
+          <p:cNvSpPr txBox="1">
+            <a:spLocks noChangeArrowheads="1"/>
+          </p:cNvSpPr>
+          <p:nvPr/>
+        </p:nvSpPr>
+        <p:spPr>
+          <a:xfrm>
+            <a:off x="685800" y="1493838"/>
+            <a:ext cx="8077200" cy="1095375"/>
+          </a:xfrm>
+          <a:prstGeom prst="rect">
+            <a:avLst/>
+          </a:prstGeom>
+          <a:solidFill>
+            <a:schemeClr val="bg1"/>
+          </a:solidFill>
+          <a:ln/>
+        </p:spPr>
+        <p:txBody>
+          <a:bodyPr/>
+          <a:lstStyle>
+            <a:lvl1pPr marL="228600" indent="-228600" algn="l" defTabSz="914400" rtl="0" eaLnBrk="1" latinLnBrk="0" hangingPunct="1">
+              <a:lnSpc>
+                <a:spcPct val="90000"/>
+              </a:lnSpc>
+              <a:spcBef>
+                <a:spcPct val="30000"/>
+              </a:spcBef>
+              <a:buFont typeface="Arial" panose="020B0604020202020204" pitchFamily="34" charset="0"/>
+              <a:buChar char="•"/>
+              <a:defRPr sz="2800" kern="1200">
+                <a:solidFill>
+                  <a:schemeClr val="tx1"/>
+                </a:solidFill>
+                <a:latin typeface="+mn-lt"/>
+                <a:ea typeface="+mn-ea"/>
+                <a:cs typeface="+mn-cs"/>
+              </a:defRPr>
+            </a:lvl1pPr>
+            <a:lvl2pPr marL="685800" indent="-228600" algn="l" defTabSz="914400" rtl="0" eaLnBrk="1" latinLnBrk="0" hangingPunct="1">
+              <a:lnSpc>
+                <a:spcPct val="90000"/>
+              </a:lnSpc>
+              <a:spcBef>
+                <a:spcPct val="30000"/>
+              </a:spcBef>
+              <a:buFont typeface="Arial" panose="020B0604020202020204" pitchFamily="34" charset="0"/>
+              <a:buChar char="•"/>
+              <a:defRPr sz="2400" kern="1200">
+                <a:solidFill>
+                  <a:schemeClr val="tx1"/>
+                </a:solidFill>
+                <a:latin typeface="+mn-lt"/>
+                <a:ea typeface="+mn-ea"/>
+                <a:cs typeface="+mn-cs"/>
+              </a:defRPr>
+            </a:lvl2pPr>
+            <a:lvl3pPr marL="1143000" indent="-228600" algn="l" defTabSz="914400" rtl="0" eaLnBrk="1" latinLnBrk="0" hangingPunct="1">
+              <a:lnSpc>
+                <a:spcPct val="90000"/>
+              </a:lnSpc>
+              <a:spcBef>
+                <a:spcPct val="30000"/>
+              </a:spcBef>
+              <a:buFont typeface="Arial" panose="020B0604020202020204" pitchFamily="34" charset="0"/>
+              <a:buChar char="•"/>
+              <a:defRPr sz="2000" kern="1200">
+                <a:solidFill>
+                  <a:schemeClr val="tx1"/>
+                </a:solidFill>
+                <a:latin typeface="+mn-lt"/>
+                <a:ea typeface="+mn-ea"/>
+                <a:cs typeface="+mn-cs"/>
+              </a:defRPr>
+            </a:lvl3pPr>
+            <a:lvl4pPr marL="1600200" indent="-228600" algn="l" defTabSz="914400" rtl="0" eaLnBrk="1" latinLnBrk="0" hangingPunct="1">
+              <a:lnSpc>
+                <a:spcPct val="90000"/>
+              </a:lnSpc>
+              <a:spcBef>
+                <a:spcPct val="30000"/>
+              </a:spcBef>
+              <a:buFont typeface="Arial" panose="020B0604020202020204" pitchFamily="34" charset="0"/>
+              <a:buChar char="•"/>
+              <a:defRPr sz="1800" kern="1200">
+                <a:solidFill>
+                  <a:schemeClr val="tx1"/>
+                </a:solidFill>
+                <a:latin typeface="+mn-lt"/>
+                <a:ea typeface="+mn-ea"/>
+                <a:cs typeface="+mn-cs"/>
+              </a:defRPr>
+            </a:lvl4pPr>
+            <a:lvl5pPr marL="2057400" indent="-228600" algn="l" defTabSz="914400" rtl="0" eaLnBrk="1" latinLnBrk="0" hangingPunct="1">
+              <a:lnSpc>
+                <a:spcPct val="90000"/>
+              </a:lnSpc>
+              <a:spcBef>
+                <a:spcPct val="30000"/>
+              </a:spcBef>
+              <a:buFont typeface="Arial" panose="020B0604020202020204" pitchFamily="34" charset="0"/>
+              <a:buChar char="•"/>
+              <a:defRPr sz="1800" kern="1200">
+                <a:solidFill>
+                  <a:schemeClr val="tx1"/>
+                </a:solidFill>
+                <a:latin typeface="+mn-lt"/>
+                <a:ea typeface="+mn-ea"/>
+                <a:cs typeface="+mn-cs"/>
+              </a:defRPr>
+            </a:lvl5pPr>
+            <a:lvl6pPr marL="2514600" indent="-228600" algn="l" defTabSz="914400" rtl="0" eaLnBrk="1" latinLnBrk="0" hangingPunct="1">
+              <a:lnSpc>
+                <a:spcPct val="90000"/>
+              </a:lnSpc>
+              <a:spcBef>
+                <a:spcPct val="30000"/>
+              </a:spcBef>
+              <a:buFont typeface="Arial" panose="020B0604020202020204" pitchFamily="34" charset="0"/>
+              <a:buChar char="•"/>
+              <a:defRPr sz="1800" kern="1200">
+                <a:solidFill>
+                  <a:schemeClr val="tx1"/>
+                </a:solidFill>
+                <a:latin typeface="+mn-lt"/>
+                <a:ea typeface="+mn-ea"/>
+                <a:cs typeface="+mn-cs"/>
+              </a:defRPr>
+            </a:lvl6pPr>
+            <a:lvl7pPr marL="2971800" indent="-228600" algn="l" defTabSz="914400" rtl="0" eaLnBrk="1" latinLnBrk="0" hangingPunct="1">
+              <a:lnSpc>
+                <a:spcPct val="90000"/>
+              </a:lnSpc>
+              <a:spcBef>
+                <a:spcPct val="30000"/>
+              </a:spcBef>
+              <a:buFont typeface="Arial" panose="020B0604020202020204" pitchFamily="34" charset="0"/>
+              <a:buChar char="•"/>
+              <a:defRPr sz="1800" kern="1200">
+                <a:solidFill>
+                  <a:schemeClr val="tx1"/>
+                </a:solidFill>
+                <a:latin typeface="+mn-lt"/>
+                <a:ea typeface="+mn-ea"/>
+                <a:cs typeface="+mn-cs"/>
+              </a:defRPr>
+            </a:lvl7pPr>
+            <a:lvl8pPr marL="3429000" indent="-228600" algn="l" defTabSz="914400" rtl="0" eaLnBrk="1" latinLnBrk="0" hangingPunct="1">
+              <a:lnSpc>
+                <a:spcPct val="90000"/>
+              </a:lnSpc>
+              <a:spcBef>
+                <a:spcPct val="30000"/>
+              </a:spcBef>
+              <a:buFont typeface="Arial" panose="020B0604020202020204" pitchFamily="34" charset="0"/>
+              <a:buChar char="•"/>
+              <a:defRPr sz="1800" kern="1200">
+                <a:solidFill>
+                  <a:schemeClr val="tx1"/>
+                </a:solidFill>
+                <a:latin typeface="+mn-lt"/>
+                <a:ea typeface="+mn-ea"/>
+                <a:cs typeface="+mn-cs"/>
+              </a:defRPr>
+            </a:lvl8pPr>
+            <a:lvl9pPr marL="3886200" indent="-228600" algn="l" defTabSz="914400" rtl="0" eaLnBrk="1" latinLnBrk="0" hangingPunct="1">
+              <a:lnSpc>
+                <a:spcPct val="90000"/>
+              </a:lnSpc>
+              <a:spcBef>
+                <a:spcPct val="30000"/>
+              </a:spcBef>
+              <a:buFont typeface="Arial" panose="020B0604020202020204" pitchFamily="34" charset="0"/>
+              <a:buChar char="•"/>
+              <a:defRPr sz="1800" kern="1200">
+                <a:solidFill>
+                  <a:schemeClr val="tx1"/>
+                </a:solidFill>
+                <a:latin typeface="+mn-lt"/>
+                <a:ea typeface="+mn-ea"/>
+                <a:cs typeface="+mn-cs"/>
+              </a:defRPr>
+            </a:lvl9pPr>
+          </a:lstStyle>
+          <a:p>
+            <a:r>
+              <a:rPr lang="en-US" sz="1800" smtClean="0">
+                <a:latin typeface="Arial" panose="020B0604020202020204" pitchFamily="34" charset="0"/>
+              </a:rPr>
+              <a:t>Seperti pada smoothing, sharpening pada RGB akan berpotensi menimbulkan warna-warna yang sebelumnya tidak ada</a:t>
+            </a:r>
+          </a:p>
+          <a:p>
+            <a:r>
+              <a:rPr lang="en-US" sz="1800" smtClean="0">
+                <a:latin typeface="Arial" panose="020B0604020202020204" pitchFamily="34" charset="0"/>
+              </a:rPr>
+              <a:t>Pada HIS hanya I yang difilter … apa efeknya?</a:t>
+            </a:r>
+            <a:endParaRPr lang="en-US" sz="1800">
+              <a:latin typeface="Arial" panose="020B0604020202020204" pitchFamily="34" charset="0"/>
+            </a:endParaRPr>
+          </a:p>
+        </p:txBody>
+      </p:sp>
+      <p:sp>
+        <p:nvSpPr>
+          <p:cNvPr id="4" name="Line 23"/>
+          <p:cNvSpPr>
+            <a:spLocks noChangeShapeType="1"/>
+          </p:cNvSpPr>
+          <p:nvPr/>
+        </p:nvSpPr>
+        <p:spPr bwMode="auto">
+          <a:xfrm>
+            <a:off x="4051300" y="4013200"/>
+            <a:ext cx="749300" cy="0"/>
+          </a:xfrm>
+          <a:prstGeom prst="line">
+            <a:avLst/>
+          </a:prstGeom>
+          <a:noFill/>
+          <a:ln w="28575">
+            <a:solidFill>
+              <a:schemeClr val="tx1"/>
+            </a:solidFill>
+            <a:round/>
+            <a:headEnd/>
+            <a:tailEnd type="triangle" w="med" len="med"/>
+          </a:ln>
+          <a:effectLst/>
+          <a:extLst>
+            <a:ext uri="{909E8E84-426E-40DD-AFC4-6F175D3DCCD1}">
+              <a14:hiddenFill xmlns:a14="http://schemas.microsoft.com/office/drawing/2010/main">
+                <a:noFill/>
+              </a14:hiddenFill>
+            </a:ext>
+            <a:ext uri="{AF507438-7753-43E0-B8FC-AC1667EBCBE1}">
+              <a14:hiddenEffects xmlns:a14="http://schemas.microsoft.com/office/drawing/2010/main">
+                <a:effectLst>
+                  <a:outerShdw dist="35921" dir="2700000" algn="ctr" rotWithShape="0">
+                    <a:schemeClr val="bg2"/>
+                  </a:outerShdw>
+                </a:effectLst>
+              </a14:hiddenEffects>
+            </a:ext>
+          </a:extLst>
+        </p:spPr>
+        <p:txBody>
+          <a:bodyPr/>
+          <a:lstStyle/>
+          <a:p>
+            <a:endParaRPr lang="en-US"/>
+          </a:p>
+        </p:txBody>
+      </p:sp>
+      <p:sp>
+        <p:nvSpPr>
+          <p:cNvPr id="5" name="Rectangle 24"/>
+          <p:cNvSpPr>
+            <a:spLocks noChangeArrowheads="1"/>
+          </p:cNvSpPr>
+          <p:nvPr/>
+        </p:nvSpPr>
+        <p:spPr bwMode="auto">
+          <a:xfrm>
+            <a:off x="5521325" y="4876800"/>
+            <a:ext cx="641350" cy="284163"/>
+          </a:xfrm>
+          <a:prstGeom prst="rect">
+            <a:avLst/>
+          </a:prstGeom>
+          <a:noFill/>
+          <a:ln>
+            <a:noFill/>
+          </a:ln>
+          <a:effectLst/>
+          <a:extLst>
+            <a:ext uri="{909E8E84-426E-40DD-AFC4-6F175D3DCCD1}">
+              <a14:hiddenFill xmlns:a14="http://schemas.microsoft.com/office/drawing/2010/main">
+                <a:solidFill>
+                  <a:schemeClr val="accent1"/>
+                </a:solidFill>
+              </a14:hiddenFill>
+            </a:ext>
+            <a:ext uri="{91240B29-F687-4F45-9708-019B960494DF}">
+              <a14:hiddenLine xmlns:a14="http://schemas.microsoft.com/office/drawing/2010/main" w="9525">
+                <a:solidFill>
+                  <a:schemeClr val="tx1"/>
+                </a:solidFill>
+                <a:miter lim="800000"/>
+                <a:headEnd/>
+                <a:tailEnd/>
+              </a14:hiddenLine>
+            </a:ext>
+            <a:ext uri="{AF507438-7753-43E0-B8FC-AC1667EBCBE1}">
+              <a14:hiddenEffects xmlns:a14="http://schemas.microsoft.com/office/drawing/2010/main">
+                <a:effectLst>
+                  <a:outerShdw dist="35921" dir="2700000" algn="ctr" rotWithShape="0">
+                    <a:schemeClr val="bg2"/>
+                  </a:outerShdw>
+                </a:effectLst>
+              </a14:hiddenEffects>
+            </a:ext>
+          </a:extLst>
+        </p:spPr>
+        <p:txBody>
+          <a:bodyPr>
+            <a:spAutoFit/>
+          </a:bodyPr>
+          <a:lstStyle/>
+          <a:p>
+            <a:pPr algn="ctr">
+              <a:lnSpc>
+                <a:spcPct val="90000"/>
+              </a:lnSpc>
+              <a:spcBef>
+                <a:spcPct val="20000"/>
+              </a:spcBef>
+            </a:pPr>
+            <a:r>
+              <a:rPr lang="en-US" sz="1400" b="1">
+                <a:latin typeface="Arial" panose="020B0604020202020204" pitchFamily="34" charset="0"/>
+              </a:rPr>
+              <a:t>RGB</a:t>
+            </a:r>
+          </a:p>
+        </p:txBody>
+      </p:sp>
+      <p:sp>
+        <p:nvSpPr>
+          <p:cNvPr id="6" name="Rectangle 25"/>
+          <p:cNvSpPr>
+            <a:spLocks noChangeArrowheads="1"/>
+          </p:cNvSpPr>
+          <p:nvPr/>
+        </p:nvSpPr>
+        <p:spPr bwMode="auto">
+          <a:xfrm>
+            <a:off x="7273925" y="4876800"/>
+            <a:ext cx="641350" cy="284163"/>
+          </a:xfrm>
+          <a:prstGeom prst="rect">
+            <a:avLst/>
+          </a:prstGeom>
+          <a:noFill/>
+          <a:ln>
+            <a:noFill/>
+          </a:ln>
+          <a:effectLst/>
+          <a:extLst>
+            <a:ext uri="{909E8E84-426E-40DD-AFC4-6F175D3DCCD1}">
+              <a14:hiddenFill xmlns:a14="http://schemas.microsoft.com/office/drawing/2010/main">
+                <a:solidFill>
+                  <a:schemeClr val="accent1"/>
+                </a:solidFill>
+              </a14:hiddenFill>
+            </a:ext>
+            <a:ext uri="{91240B29-F687-4F45-9708-019B960494DF}">
+              <a14:hiddenLine xmlns:a14="http://schemas.microsoft.com/office/drawing/2010/main" w="9525">
+                <a:solidFill>
+                  <a:schemeClr val="tx1"/>
+                </a:solidFill>
+                <a:miter lim="800000"/>
+                <a:headEnd/>
+                <a:tailEnd/>
+              </a14:hiddenLine>
+            </a:ext>
+            <a:ext uri="{AF507438-7753-43E0-B8FC-AC1667EBCBE1}">
+              <a14:hiddenEffects xmlns:a14="http://schemas.microsoft.com/office/drawing/2010/main">
+                <a:effectLst>
+                  <a:outerShdw dist="35921" dir="2700000" algn="ctr" rotWithShape="0">
+                    <a:schemeClr val="bg2"/>
+                  </a:outerShdw>
+                </a:effectLst>
+              </a14:hiddenEffects>
+            </a:ext>
+          </a:extLst>
+        </p:spPr>
+        <p:txBody>
+          <a:bodyPr>
+            <a:spAutoFit/>
+          </a:bodyPr>
+          <a:lstStyle/>
+          <a:p>
+            <a:pPr algn="ctr">
+              <a:lnSpc>
+                <a:spcPct val="90000"/>
+              </a:lnSpc>
+              <a:spcBef>
+                <a:spcPct val="20000"/>
+              </a:spcBef>
+            </a:pPr>
+            <a:r>
+              <a:rPr lang="en-US" sz="1400" b="1">
+                <a:latin typeface="Arial" panose="020B0604020202020204" pitchFamily="34" charset="0"/>
+              </a:rPr>
+              <a:t>HSI</a:t>
+            </a:r>
+          </a:p>
+        </p:txBody>
+      </p:sp>
+      <p:pic>
+        <p:nvPicPr>
+          <p:cNvPr id="7" name="Picture 26" descr="sharpmask"/>
+          <p:cNvPicPr>
+            <a:picLocks noChangeAspect="1" noChangeArrowheads="1"/>
+          </p:cNvPicPr>
+          <p:nvPr/>
+        </p:nvPicPr>
+        <p:blipFill>
+          <a:blip r:embed="rId2">
+            <a:extLst>
+              <a:ext uri="{28A0092B-C50C-407E-A947-70E740481C1C}">
+                <a14:useLocalDpi xmlns:a14="http://schemas.microsoft.com/office/drawing/2010/main" val="0"/>
+              </a:ext>
+            </a:extLst>
+          </a:blip>
+          <a:srcRect/>
+          <a:stretch>
+            <a:fillRect/>
+          </a:stretch>
+        </p:blipFill>
+        <p:spPr bwMode="auto">
+          <a:xfrm>
+            <a:off x="1071563" y="2813050"/>
+            <a:ext cx="2603500" cy="1054100"/>
+          </a:xfrm>
+          <a:prstGeom prst="rect">
+            <a:avLst/>
+          </a:prstGeom>
+          <a:noFill/>
+          <a:extLst>
+            <a:ext uri="{909E8E84-426E-40DD-AFC4-6F175D3DCCD1}">
+              <a14:hiddenFill xmlns:a14="http://schemas.microsoft.com/office/drawing/2010/main">
+                <a:solidFill>
+                  <a:srgbClr val="FFFFFF"/>
+                </a:solidFill>
+              </a14:hiddenFill>
+            </a:ext>
+          </a:extLst>
+        </p:spPr>
+      </p:pic>
+      <p:pic>
+        <p:nvPicPr>
+          <p:cNvPr id="8" name="Picture 27" descr="colorsharp"/>
+          <p:cNvPicPr>
+            <a:picLocks noChangeAspect="1" noChangeArrowheads="1"/>
+          </p:cNvPicPr>
+          <p:nvPr/>
+        </p:nvPicPr>
+        <p:blipFill>
+          <a:blip r:embed="rId3" cstate="print">
+            <a:extLst>
+              <a:ext uri="{28A0092B-C50C-407E-A947-70E740481C1C}">
+                <a14:useLocalDpi xmlns:a14="http://schemas.microsoft.com/office/drawing/2010/main" val="0"/>
+              </a:ext>
+            </a:extLst>
+          </a:blip>
+          <a:srcRect/>
+          <a:stretch>
+            <a:fillRect/>
+          </a:stretch>
+        </p:blipFill>
+        <p:spPr bwMode="auto">
+          <a:xfrm>
+            <a:off x="5027613" y="2990850"/>
+            <a:ext cx="3511550" cy="1743075"/>
+          </a:xfrm>
+          <a:prstGeom prst="rect">
+            <a:avLst/>
+          </a:prstGeom>
+          <a:noFill/>
+          <a:extLst>
+            <a:ext uri="{909E8E84-426E-40DD-AFC4-6F175D3DCCD1}">
+              <a14:hiddenFill xmlns:a14="http://schemas.microsoft.com/office/drawing/2010/main">
+                <a:solidFill>
+                  <a:srgbClr val="FFFFFF"/>
+                </a:solidFill>
+              </a14:hiddenFill>
+            </a:ext>
+          </a:extLst>
+        </p:spPr>
+      </p:pic>
+      <p:pic>
+        <p:nvPicPr>
+          <p:cNvPr id="9" name="Picture 28" descr="aslicolor"/>
+          <p:cNvPicPr>
+            <a:picLocks noChangeAspect="1" noChangeArrowheads="1"/>
+          </p:cNvPicPr>
+          <p:nvPr/>
+        </p:nvPicPr>
+        <p:blipFill>
+          <a:blip r:embed="rId4" cstate="print">
+            <a:extLst>
+              <a:ext uri="{28A0092B-C50C-407E-A947-70E740481C1C}">
+                <a14:useLocalDpi xmlns:a14="http://schemas.microsoft.com/office/drawing/2010/main" val="0"/>
+              </a:ext>
+            </a:extLst>
+          </a:blip>
+          <a:srcRect/>
+          <a:stretch>
+            <a:fillRect/>
+          </a:stretch>
+        </p:blipFill>
+        <p:spPr bwMode="auto">
+          <a:xfrm>
+            <a:off x="1751013" y="3941763"/>
+            <a:ext cx="1695450" cy="1692275"/>
+          </a:xfrm>
+          <a:prstGeom prst="rect">
+            <a:avLst/>
+          </a:prstGeom>
+          <a:noFill/>
+          <a:extLst>
+            <a:ext uri="{909E8E84-426E-40DD-AFC4-6F175D3DCCD1}">
+              <a14:hiddenFill xmlns:a14="http://schemas.microsoft.com/office/drawing/2010/main">
+                <a:solidFill>
+                  <a:srgbClr val="FFFFFF"/>
+                </a:solidFill>
+              </a14:hiddenFill>
+            </a:ext>
+          </a:extLst>
+        </p:spPr>
+      </p:pic>
+    </p:spTree>
+    <p:extLst>
+      <p:ext uri="{BB962C8B-B14F-4D97-AF65-F5344CB8AC3E}">
+        <p14:creationId xmlns:p14="http://schemas.microsoft.com/office/powerpoint/2010/main" val="2822632539"/>
+      </p:ext>
+    </p:extLst>
+  </p:cSld>
+  <p:clrMapOvr>
+    <a:masterClrMapping/>
+  </p:clrMapOvr>
+</p:sld>
+</file>
+
+<file path=ppt/slides/slide2.xml><?xml version="1.0" encoding="utf-8"?>
+<p:sld xmlns:a="http://schemas.openxmlformats.org/drawingml/2006/main" xmlns:r="http://schemas.openxmlformats.org/officeDocument/2006/relationships" xmlns:p="http://schemas.openxmlformats.org/presentationml/2006/main">
+  <p:cSld>
+    <p:spTree>
+      <p:nvGrpSpPr>
+        <p:cNvPr id="1" name=""/>
+        <p:cNvGrpSpPr/>
+        <p:nvPr/>
+      </p:nvGrpSpPr>
+      <p:grpSpPr>
+        <a:xfrm>
+          <a:off x="0" y="0"/>
+          <a:ext cx="0" cy="0"/>
+          <a:chOff x="0" y="0"/>
+          <a:chExt cx="0" cy="0"/>
+        </a:xfrm>
+      </p:grpSpPr>
+      <p:sp>
+        <p:nvSpPr>
+          <p:cNvPr id="4" name="Title 3"/>
+          <p:cNvSpPr>
+            <a:spLocks noGrp="1"/>
+          </p:cNvSpPr>
+          <p:nvPr>
+            <p:ph type="title"/>
+          </p:nvPr>
+        </p:nvSpPr>
+        <p:spPr/>
+        <p:txBody>
+          <a:bodyPr/>
+          <a:lstStyle/>
+          <a:p>
+            <a:r>
+              <a:rPr lang="en-US" dirty="0" smtClean="0"/>
+              <a:t>Color / </a:t>
+            </a:r>
+            <a:r>
+              <a:rPr lang="en-US" dirty="0" err="1" smtClean="0"/>
+              <a:t>Warna</a:t>
+            </a:r>
+            <a:endParaRPr lang="en-US" dirty="0"/>
+          </a:p>
+        </p:txBody>
+      </p:sp>
+      <p:sp>
+        <p:nvSpPr>
+          <p:cNvPr id="5" name="TextBox 4"/>
           <p:cNvSpPr txBox="1"/>
           <p:nvPr/>
         </p:nvSpPr>
         <p:spPr>
           <a:xfrm>
-            <a:off x="1049154" y="1896177"/>
-            <a:ext cx="7180446" cy="1200329"/>
+            <a:off x="609600" y="1674796"/>
+            <a:ext cx="9862686" cy="2246769"/>
           </a:xfrm>
           <a:prstGeom prst="rect">
             <a:avLst/>
@@ -4971,149 +8985,1032 @@
           </a:bodyPr>
           <a:lstStyle/>
           <a:p>
-            <a:pPr marL="285750" indent="-285750">
+            <a:pPr marL="285750" lvl="0" indent="-285750" eaLnBrk="0" fontAlgn="base" hangingPunct="0">
+              <a:spcBef>
+                <a:spcPct val="0"/>
+              </a:spcBef>
+              <a:spcAft>
+                <a:spcPct val="0"/>
+              </a:spcAft>
               <a:buFont typeface="Arial" panose="020B0604020202020204" pitchFamily="34" charset="0"/>
               <a:buChar char="•"/>
             </a:pPr>
             <a:r>
-              <a:rPr lang="en-US" dirty="0" err="1" smtClean="0"/>
-              <a:t>Sekumpulan</a:t>
-            </a:r>
-            <a:r>
-              <a:rPr lang="en-US" dirty="0" smtClean="0"/>
+              <a:rPr lang="en-US" sz="2000" dirty="0" err="1">
+                <a:solidFill>
+                  <a:srgbClr val="202124"/>
+                </a:solidFill>
+                <a:latin typeface="Times New Roman" panose="02020603050405020304" pitchFamily="18" charset="0"/>
+                <a:cs typeface="Times New Roman" panose="02020603050405020304" pitchFamily="18" charset="0"/>
+              </a:rPr>
+              <a:t>Warna</a:t>
+            </a:r>
+            <a:r>
+              <a:rPr lang="en-US" sz="2000" dirty="0">
+                <a:solidFill>
+                  <a:srgbClr val="202124"/>
+                </a:solidFill>
+                <a:latin typeface="Times New Roman" panose="02020603050405020304" pitchFamily="18" charset="0"/>
+                <a:cs typeface="Times New Roman" panose="02020603050405020304" pitchFamily="18" charset="0"/>
+              </a:rPr>
               <a:t> </a:t>
             </a:r>
             <a:r>
-              <a:rPr lang="en-US" dirty="0" err="1" smtClean="0"/>
-              <a:t>informasi</a:t>
-            </a:r>
-            <a:r>
-              <a:rPr lang="en-US" dirty="0" smtClean="0"/>
+              <a:rPr lang="en-US" sz="2000" dirty="0" err="1">
+                <a:solidFill>
+                  <a:srgbClr val="202124"/>
+                </a:solidFill>
+                <a:latin typeface="Times New Roman" panose="02020603050405020304" pitchFamily="18" charset="0"/>
+                <a:cs typeface="Times New Roman" panose="02020603050405020304" pitchFamily="18" charset="0"/>
+              </a:rPr>
+              <a:t>adalah</a:t>
+            </a:r>
+            <a:r>
+              <a:rPr lang="en-US" sz="2000" dirty="0">
+                <a:solidFill>
+                  <a:srgbClr val="202124"/>
+                </a:solidFill>
+                <a:latin typeface="Times New Roman" panose="02020603050405020304" pitchFamily="18" charset="0"/>
+                <a:cs typeface="Times New Roman" panose="02020603050405020304" pitchFamily="18" charset="0"/>
+              </a:rPr>
+              <a:t> </a:t>
+            </a:r>
+            <a:r>
+              <a:rPr lang="en-US" sz="2000" dirty="0" err="1">
+                <a:solidFill>
+                  <a:srgbClr val="202124"/>
+                </a:solidFill>
+                <a:latin typeface="Times New Roman" panose="02020603050405020304" pitchFamily="18" charset="0"/>
+                <a:cs typeface="Times New Roman" panose="02020603050405020304" pitchFamily="18" charset="0"/>
+              </a:rPr>
+              <a:t>deskriptor</a:t>
+            </a:r>
+            <a:r>
+              <a:rPr lang="en-US" sz="2000" dirty="0">
+                <a:solidFill>
+                  <a:srgbClr val="202124"/>
+                </a:solidFill>
+                <a:latin typeface="Times New Roman" panose="02020603050405020304" pitchFamily="18" charset="0"/>
+                <a:cs typeface="Times New Roman" panose="02020603050405020304" pitchFamily="18" charset="0"/>
+              </a:rPr>
+              <a:t> </a:t>
+            </a:r>
+            <a:r>
+              <a:rPr lang="en-US" sz="2000" dirty="0" err="1">
+                <a:solidFill>
+                  <a:srgbClr val="202124"/>
+                </a:solidFill>
+                <a:latin typeface="Times New Roman" panose="02020603050405020304" pitchFamily="18" charset="0"/>
+                <a:cs typeface="Times New Roman" panose="02020603050405020304" pitchFamily="18" charset="0"/>
+              </a:rPr>
+              <a:t>kuat</a:t>
+            </a:r>
+            <a:r>
+              <a:rPr lang="en-US" sz="2000" dirty="0">
+                <a:solidFill>
+                  <a:srgbClr val="202124"/>
+                </a:solidFill>
+                <a:latin typeface="Times New Roman" panose="02020603050405020304" pitchFamily="18" charset="0"/>
+                <a:cs typeface="Times New Roman" panose="02020603050405020304" pitchFamily="18" charset="0"/>
+              </a:rPr>
               <a:t> yang </a:t>
             </a:r>
             <a:r>
-              <a:rPr lang="en-US" dirty="0" err="1" smtClean="0"/>
-              <a:t>setiap</a:t>
-            </a:r>
-            <a:r>
-              <a:rPr lang="en-US" dirty="0" smtClean="0"/>
+              <a:rPr lang="en-US" sz="2000" dirty="0" err="1">
+                <a:solidFill>
+                  <a:srgbClr val="202124"/>
+                </a:solidFill>
+                <a:latin typeface="Times New Roman" panose="02020603050405020304" pitchFamily="18" charset="0"/>
+                <a:cs typeface="Times New Roman" panose="02020603050405020304" pitchFamily="18" charset="0"/>
+              </a:rPr>
+              <a:t>menyederhanakan</a:t>
+            </a:r>
+            <a:r>
+              <a:rPr lang="en-US" sz="2000" dirty="0">
+                <a:solidFill>
+                  <a:srgbClr val="202124"/>
+                </a:solidFill>
+                <a:latin typeface="Times New Roman" panose="02020603050405020304" pitchFamily="18" charset="0"/>
+                <a:cs typeface="Times New Roman" panose="02020603050405020304" pitchFamily="18" charset="0"/>
+              </a:rPr>
               <a:t> </a:t>
             </a:r>
             <a:r>
-              <a:rPr lang="en-US" dirty="0" err="1" smtClean="0"/>
-              <a:t>individu</a:t>
-            </a:r>
-            <a:r>
-              <a:rPr lang="en-US" dirty="0" smtClean="0"/>
+              <a:rPr lang="en-US" sz="2000" dirty="0" err="1">
+                <a:solidFill>
+                  <a:srgbClr val="202124"/>
+                </a:solidFill>
+                <a:latin typeface="Times New Roman" panose="02020603050405020304" pitchFamily="18" charset="0"/>
+                <a:cs typeface="Times New Roman" panose="02020603050405020304" pitchFamily="18" charset="0"/>
+              </a:rPr>
+              <a:t>identifikasi</a:t>
+            </a:r>
+            <a:r>
+              <a:rPr lang="en-US" sz="2000" dirty="0">
+                <a:solidFill>
+                  <a:srgbClr val="202124"/>
+                </a:solidFill>
+                <a:latin typeface="Times New Roman" panose="02020603050405020304" pitchFamily="18" charset="0"/>
+                <a:cs typeface="Times New Roman" panose="02020603050405020304" pitchFamily="18" charset="0"/>
+              </a:rPr>
               <a:t> </a:t>
             </a:r>
             <a:r>
-              <a:rPr lang="en-US" dirty="0" err="1" smtClean="0"/>
-              <a:t>elementnya</a:t>
-            </a:r>
-            <a:r>
-              <a:rPr lang="en-US" dirty="0" smtClean="0"/>
+              <a:rPr lang="en-US" sz="2000" dirty="0" err="1">
+                <a:solidFill>
+                  <a:srgbClr val="202124"/>
+                </a:solidFill>
+                <a:latin typeface="Times New Roman" panose="02020603050405020304" pitchFamily="18" charset="0"/>
+                <a:cs typeface="Times New Roman" panose="02020603050405020304" pitchFamily="18" charset="0"/>
+              </a:rPr>
+              <a:t>dan</a:t>
+            </a:r>
+            <a:r>
+              <a:rPr lang="en-US" sz="2000" dirty="0">
+                <a:solidFill>
+                  <a:srgbClr val="202124"/>
+                </a:solidFill>
+                <a:latin typeface="Times New Roman" panose="02020603050405020304" pitchFamily="18" charset="0"/>
+                <a:cs typeface="Times New Roman" panose="02020603050405020304" pitchFamily="18" charset="0"/>
+              </a:rPr>
               <a:t> </a:t>
             </a:r>
             <a:r>
-              <a:rPr lang="en-US" dirty="0" err="1" smtClean="0"/>
-              <a:t>terdefinisi</a:t>
-            </a:r>
-            <a:r>
-              <a:rPr lang="en-US" dirty="0" smtClean="0"/>
+              <a:rPr lang="en-US" sz="2000" dirty="0" err="1">
+                <a:solidFill>
+                  <a:srgbClr val="202124"/>
+                </a:solidFill>
+                <a:latin typeface="Times New Roman" panose="02020603050405020304" pitchFamily="18" charset="0"/>
+                <a:cs typeface="Times New Roman" panose="02020603050405020304" pitchFamily="18" charset="0"/>
+              </a:rPr>
+              <a:t>ekstraksi</a:t>
+            </a:r>
+            <a:r>
+              <a:rPr lang="en-US" sz="2000" dirty="0">
+                <a:solidFill>
+                  <a:srgbClr val="202124"/>
+                </a:solidFill>
+                <a:latin typeface="Times New Roman" panose="02020603050405020304" pitchFamily="18" charset="0"/>
+                <a:cs typeface="Times New Roman" panose="02020603050405020304" pitchFamily="18" charset="0"/>
+              </a:rPr>
               <a:t> </a:t>
             </a:r>
             <a:r>
-              <a:rPr lang="en-US" dirty="0" err="1" smtClean="0"/>
-              <a:t>berdasarkan</a:t>
-            </a:r>
-            <a:r>
-              <a:rPr lang="en-US" dirty="0" smtClean="0"/>
+              <a:rPr lang="en-US" sz="2000" dirty="0" err="1">
+                <a:solidFill>
+                  <a:srgbClr val="202124"/>
+                </a:solidFill>
+                <a:latin typeface="Times New Roman" panose="02020603050405020304" pitchFamily="18" charset="0"/>
+                <a:cs typeface="Times New Roman" panose="02020603050405020304" pitchFamily="18" charset="0"/>
+              </a:rPr>
+              <a:t>objek</a:t>
+            </a:r>
+            <a:r>
+              <a:rPr lang="en-US" sz="2000" dirty="0">
+                <a:solidFill>
+                  <a:srgbClr val="202124"/>
+                </a:solidFill>
+                <a:latin typeface="Times New Roman" panose="02020603050405020304" pitchFamily="18" charset="0"/>
+                <a:cs typeface="Times New Roman" panose="02020603050405020304" pitchFamily="18" charset="0"/>
+              </a:rPr>
               <a:t> </a:t>
             </a:r>
             <a:r>
-              <a:rPr lang="en-US" dirty="0" err="1" smtClean="0"/>
-              <a:t>dua</a:t>
-            </a:r>
-            <a:r>
-              <a:rPr lang="en-US" dirty="0" smtClean="0"/>
+              <a:rPr lang="en-US" sz="2000" dirty="0" err="1">
+                <a:solidFill>
+                  <a:srgbClr val="202124"/>
+                </a:solidFill>
+                <a:latin typeface="Times New Roman" panose="02020603050405020304" pitchFamily="18" charset="0"/>
+                <a:cs typeface="Times New Roman" panose="02020603050405020304" pitchFamily="18" charset="0"/>
+              </a:rPr>
+              <a:t>dari</a:t>
+            </a:r>
+            <a:r>
+              <a:rPr lang="en-US" sz="2000" dirty="0">
+                <a:solidFill>
+                  <a:srgbClr val="202124"/>
+                </a:solidFill>
+                <a:latin typeface="Times New Roman" panose="02020603050405020304" pitchFamily="18" charset="0"/>
+                <a:cs typeface="Times New Roman" panose="02020603050405020304" pitchFamily="18" charset="0"/>
+              </a:rPr>
               <a:t> </a:t>
             </a:r>
             <a:r>
-              <a:rPr lang="en-US" dirty="0" err="1" smtClean="0"/>
-              <a:t>buah</a:t>
-            </a:r>
-            <a:r>
-              <a:rPr lang="en-US" dirty="0" smtClean="0"/>
+              <a:rPr lang="en-US" sz="2000" dirty="0" err="1">
+                <a:solidFill>
+                  <a:srgbClr val="202124"/>
+                </a:solidFill>
+                <a:latin typeface="Times New Roman" panose="02020603050405020304" pitchFamily="18" charset="0"/>
+                <a:cs typeface="Times New Roman" panose="02020603050405020304" pitchFamily="18" charset="0"/>
+              </a:rPr>
+              <a:t>sebuah</a:t>
+            </a:r>
+            <a:r>
+              <a:rPr lang="en-US" sz="2000" dirty="0">
+                <a:solidFill>
+                  <a:srgbClr val="202124"/>
+                </a:solidFill>
+                <a:latin typeface="Times New Roman" panose="02020603050405020304" pitchFamily="18" charset="0"/>
+                <a:cs typeface="Times New Roman" panose="02020603050405020304" pitchFamily="18" charset="0"/>
+              </a:rPr>
               <a:t> </a:t>
             </a:r>
             <a:r>
-              <a:rPr lang="en-US" dirty="0" err="1" smtClean="0"/>
-              <a:t>indeks</a:t>
-            </a:r>
-            <a:r>
-              <a:rPr lang="en-US" dirty="0"/>
+              <a:rPr lang="en-US" sz="2000" dirty="0" err="1">
+                <a:solidFill>
+                  <a:srgbClr val="202124"/>
+                </a:solidFill>
+                <a:latin typeface="Times New Roman" panose="02020603050405020304" pitchFamily="18" charset="0"/>
+                <a:cs typeface="Times New Roman" panose="02020603050405020304" pitchFamily="18" charset="0"/>
+              </a:rPr>
+              <a:t>adegan</a:t>
+            </a:r>
+            <a:r>
+              <a:rPr lang="en-US" sz="2000" dirty="0">
+                <a:latin typeface="Times New Roman" panose="02020603050405020304" pitchFamily="18" charset="0"/>
+                <a:cs typeface="Times New Roman" panose="02020603050405020304" pitchFamily="18" charset="0"/>
+              </a:rPr>
               <a:t> </a:t>
             </a:r>
-            <a:r>
-              <a:rPr lang="en-US" dirty="0" smtClean="0"/>
-              <a:t>(Yang </a:t>
-            </a:r>
-            <a:r>
-              <a:rPr lang="en-US" dirty="0" err="1" smtClean="0"/>
-              <a:t>biasanya</a:t>
-            </a:r>
-            <a:r>
-              <a:rPr lang="en-US" dirty="0" smtClean="0"/>
-              <a:t> </a:t>
-            </a:r>
-            <a:r>
-              <a:rPr lang="en-US" dirty="0" err="1" smtClean="0"/>
-              <a:t>dikonotasikan</a:t>
-            </a:r>
-            <a:r>
-              <a:rPr lang="en-US" dirty="0" smtClean="0"/>
-              <a:t> </a:t>
-            </a:r>
-            <a:r>
-              <a:rPr lang="en-US" dirty="0" err="1" smtClean="0"/>
-              <a:t>dengan</a:t>
-            </a:r>
-            <a:r>
-              <a:rPr lang="en-US" dirty="0" smtClean="0"/>
-              <a:t> </a:t>
-            </a:r>
-            <a:r>
-              <a:rPr lang="en-US" b="1" dirty="0" err="1" smtClean="0"/>
-              <a:t>kolom</a:t>
-            </a:r>
-            <a:r>
-              <a:rPr lang="en-US" dirty="0" smtClean="0"/>
-              <a:t> </a:t>
-            </a:r>
-            <a:r>
-              <a:rPr lang="en-US" dirty="0" err="1" smtClean="0"/>
-              <a:t>dan</a:t>
-            </a:r>
-            <a:r>
-              <a:rPr lang="en-US" dirty="0" smtClean="0"/>
-              <a:t> </a:t>
-            </a:r>
-            <a:r>
-              <a:rPr lang="en-US" b="1" dirty="0" err="1" smtClean="0"/>
-              <a:t>baris</a:t>
-            </a:r>
-            <a:r>
-              <a:rPr lang="en-US" dirty="0" smtClean="0"/>
-              <a:t>)</a:t>
-            </a:r>
-          </a:p>
-          <a:p>
-            <a:pPr marL="285750" indent="-285750">
+          </a:p>
+          <a:p>
+            <a:pPr marL="285750" indent="-285750" eaLnBrk="0" fontAlgn="base" hangingPunct="0">
+              <a:spcBef>
+                <a:spcPct val="0"/>
+              </a:spcBef>
+              <a:spcAft>
+                <a:spcPct val="0"/>
+              </a:spcAft>
               <a:buFont typeface="Arial" panose="020B0604020202020204" pitchFamily="34" charset="0"/>
               <a:buChar char="•"/>
             </a:pPr>
-            <a:endParaRPr lang="en-US" dirty="0"/>
+            <a:r>
+              <a:rPr lang="en-US" sz="2000" dirty="0" err="1">
+                <a:solidFill>
+                  <a:srgbClr val="202124"/>
+                </a:solidFill>
+                <a:latin typeface="Times New Roman" panose="02020603050405020304" pitchFamily="18" charset="0"/>
+                <a:cs typeface="Times New Roman" panose="02020603050405020304" pitchFamily="18" charset="0"/>
+              </a:rPr>
+              <a:t>Pemrosesan</a:t>
+            </a:r>
+            <a:r>
+              <a:rPr lang="en-US" sz="2000" dirty="0">
+                <a:solidFill>
+                  <a:srgbClr val="202124"/>
+                </a:solidFill>
+                <a:latin typeface="Times New Roman" panose="02020603050405020304" pitchFamily="18" charset="0"/>
+                <a:cs typeface="Times New Roman" panose="02020603050405020304" pitchFamily="18" charset="0"/>
+              </a:rPr>
+              <a:t> </a:t>
+            </a:r>
+            <a:r>
+              <a:rPr lang="en-US" sz="2000" dirty="0" err="1">
+                <a:solidFill>
+                  <a:srgbClr val="202124"/>
+                </a:solidFill>
+                <a:latin typeface="Times New Roman" panose="02020603050405020304" pitchFamily="18" charset="0"/>
+                <a:cs typeface="Times New Roman" panose="02020603050405020304" pitchFamily="18" charset="0"/>
+              </a:rPr>
+              <a:t>gambar</a:t>
+            </a:r>
+            <a:r>
+              <a:rPr lang="en-US" sz="2000" dirty="0">
+                <a:solidFill>
+                  <a:srgbClr val="202124"/>
+                </a:solidFill>
+                <a:latin typeface="Times New Roman" panose="02020603050405020304" pitchFamily="18" charset="0"/>
+                <a:cs typeface="Times New Roman" panose="02020603050405020304" pitchFamily="18" charset="0"/>
+              </a:rPr>
+              <a:t> </a:t>
+            </a:r>
+            <a:r>
+              <a:rPr lang="en-US" sz="2000" dirty="0" err="1">
+                <a:solidFill>
+                  <a:srgbClr val="202124"/>
+                </a:solidFill>
+                <a:latin typeface="Times New Roman" panose="02020603050405020304" pitchFamily="18" charset="0"/>
+                <a:cs typeface="Times New Roman" panose="02020603050405020304" pitchFamily="18" charset="0"/>
+              </a:rPr>
+              <a:t>berwarna</a:t>
+            </a:r>
+            <a:r>
+              <a:rPr lang="en-US" sz="2000" dirty="0">
+                <a:solidFill>
+                  <a:srgbClr val="202124"/>
+                </a:solidFill>
+                <a:latin typeface="Times New Roman" panose="02020603050405020304" pitchFamily="18" charset="0"/>
+                <a:cs typeface="Times New Roman" panose="02020603050405020304" pitchFamily="18" charset="0"/>
+              </a:rPr>
+              <a:t> </a:t>
+            </a:r>
+            <a:r>
+              <a:rPr lang="en-US" sz="2000" dirty="0" err="1">
+                <a:solidFill>
+                  <a:srgbClr val="202124"/>
+                </a:solidFill>
+                <a:latin typeface="Times New Roman" panose="02020603050405020304" pitchFamily="18" charset="0"/>
+                <a:cs typeface="Times New Roman" panose="02020603050405020304" pitchFamily="18" charset="0"/>
+              </a:rPr>
+              <a:t>dibagi</a:t>
+            </a:r>
+            <a:r>
+              <a:rPr lang="en-US" sz="2000" dirty="0">
+                <a:solidFill>
+                  <a:srgbClr val="202124"/>
+                </a:solidFill>
+                <a:latin typeface="Times New Roman" panose="02020603050405020304" pitchFamily="18" charset="0"/>
+                <a:cs typeface="Times New Roman" panose="02020603050405020304" pitchFamily="18" charset="0"/>
+              </a:rPr>
+              <a:t> </a:t>
+            </a:r>
+            <a:r>
+              <a:rPr lang="en-US" sz="2000" dirty="0" err="1">
+                <a:solidFill>
+                  <a:srgbClr val="202124"/>
+                </a:solidFill>
+                <a:latin typeface="Times New Roman" panose="02020603050405020304" pitchFamily="18" charset="0"/>
+                <a:cs typeface="Times New Roman" panose="02020603050405020304" pitchFamily="18" charset="0"/>
+              </a:rPr>
+              <a:t>menjadi</a:t>
+            </a:r>
+            <a:r>
+              <a:rPr lang="en-US" sz="2000" dirty="0">
+                <a:solidFill>
+                  <a:srgbClr val="202124"/>
+                </a:solidFill>
+                <a:latin typeface="Times New Roman" panose="02020603050405020304" pitchFamily="18" charset="0"/>
+                <a:cs typeface="Times New Roman" panose="02020603050405020304" pitchFamily="18" charset="0"/>
+              </a:rPr>
+              <a:t> </a:t>
+            </a:r>
+            <a:r>
+              <a:rPr lang="en-US" sz="2000" dirty="0" err="1">
+                <a:solidFill>
+                  <a:srgbClr val="202124"/>
+                </a:solidFill>
+                <a:latin typeface="Times New Roman" panose="02020603050405020304" pitchFamily="18" charset="0"/>
+                <a:cs typeface="Times New Roman" panose="02020603050405020304" pitchFamily="18" charset="0"/>
+              </a:rPr>
+              <a:t>dua</a:t>
+            </a:r>
+            <a:r>
+              <a:rPr lang="en-US" sz="2000" dirty="0">
+                <a:solidFill>
+                  <a:srgbClr val="202124"/>
+                </a:solidFill>
+                <a:latin typeface="Times New Roman" panose="02020603050405020304" pitchFamily="18" charset="0"/>
+                <a:cs typeface="Times New Roman" panose="02020603050405020304" pitchFamily="18" charset="0"/>
+              </a:rPr>
+              <a:t> area </a:t>
+            </a:r>
+            <a:r>
+              <a:rPr lang="en-US" sz="2000" dirty="0" err="1" smtClean="0">
+                <a:solidFill>
+                  <a:srgbClr val="202124"/>
+                </a:solidFill>
+                <a:latin typeface="Times New Roman" panose="02020603050405020304" pitchFamily="18" charset="0"/>
+                <a:cs typeface="Times New Roman" panose="02020603050405020304" pitchFamily="18" charset="0"/>
+              </a:rPr>
+              <a:t>utama</a:t>
+            </a:r>
+            <a:r>
+              <a:rPr lang="en-US" sz="2000" dirty="0">
+                <a:solidFill>
+                  <a:srgbClr val="202124"/>
+                </a:solidFill>
+                <a:latin typeface="Times New Roman" panose="02020603050405020304" pitchFamily="18" charset="0"/>
+                <a:cs typeface="Times New Roman" panose="02020603050405020304" pitchFamily="18" charset="0"/>
+              </a:rPr>
+              <a:t> </a:t>
+            </a:r>
+            <a:r>
+              <a:rPr lang="en-US" sz="2000" dirty="0" err="1">
+                <a:solidFill>
+                  <a:srgbClr val="202124"/>
+                </a:solidFill>
+                <a:latin typeface="Times New Roman" panose="02020603050405020304" pitchFamily="18" charset="0"/>
+                <a:cs typeface="Times New Roman" panose="02020603050405020304" pitchFamily="18" charset="0"/>
+              </a:rPr>
+              <a:t>yaitu</a:t>
+            </a:r>
+            <a:r>
+              <a:rPr lang="en-US" sz="2000" dirty="0">
+                <a:solidFill>
+                  <a:srgbClr val="202124"/>
+                </a:solidFill>
+                <a:latin typeface="Times New Roman" panose="02020603050405020304" pitchFamily="18" charset="0"/>
+                <a:cs typeface="Times New Roman" panose="02020603050405020304" pitchFamily="18" charset="0"/>
+              </a:rPr>
+              <a:t> </a:t>
+            </a:r>
+            <a:r>
+              <a:rPr lang="en-US" sz="2000" b="1" dirty="0">
+                <a:solidFill>
+                  <a:srgbClr val="202124"/>
+                </a:solidFill>
+                <a:latin typeface="Times New Roman" panose="02020603050405020304" pitchFamily="18" charset="0"/>
+                <a:cs typeface="Times New Roman" panose="02020603050405020304" pitchFamily="18" charset="0"/>
+              </a:rPr>
+              <a:t>full-color</a:t>
+            </a:r>
+            <a:r>
+              <a:rPr lang="en-US" sz="2000" dirty="0">
+                <a:solidFill>
+                  <a:srgbClr val="202124"/>
+                </a:solidFill>
+                <a:latin typeface="Times New Roman" panose="02020603050405020304" pitchFamily="18" charset="0"/>
+                <a:cs typeface="Times New Roman" panose="02020603050405020304" pitchFamily="18" charset="0"/>
+              </a:rPr>
+              <a:t> </a:t>
+            </a:r>
+            <a:r>
+              <a:rPr lang="en-US" sz="2000" dirty="0" err="1">
+                <a:solidFill>
+                  <a:srgbClr val="202124"/>
+                </a:solidFill>
+                <a:latin typeface="Times New Roman" panose="02020603050405020304" pitchFamily="18" charset="0"/>
+                <a:cs typeface="Times New Roman" panose="02020603050405020304" pitchFamily="18" charset="0"/>
+              </a:rPr>
+              <a:t>dan</a:t>
+            </a:r>
+            <a:r>
+              <a:rPr lang="en-US" sz="2000" dirty="0">
+                <a:solidFill>
+                  <a:srgbClr val="202124"/>
+                </a:solidFill>
+                <a:latin typeface="Times New Roman" panose="02020603050405020304" pitchFamily="18" charset="0"/>
+                <a:cs typeface="Times New Roman" panose="02020603050405020304" pitchFamily="18" charset="0"/>
+              </a:rPr>
+              <a:t>, </a:t>
+            </a:r>
+            <a:r>
+              <a:rPr lang="en-US" sz="2000" b="1" dirty="0" err="1">
+                <a:solidFill>
+                  <a:srgbClr val="202124"/>
+                </a:solidFill>
+                <a:latin typeface="Times New Roman" panose="02020603050405020304" pitchFamily="18" charset="0"/>
+                <a:cs typeface="Times New Roman" panose="02020603050405020304" pitchFamily="18" charset="0"/>
+              </a:rPr>
+              <a:t>pseudocolor</a:t>
+            </a:r>
+            <a:r>
+              <a:rPr lang="en-US" sz="2000" b="1" dirty="0">
+                <a:solidFill>
+                  <a:srgbClr val="202124"/>
+                </a:solidFill>
+                <a:latin typeface="Times New Roman" panose="02020603050405020304" pitchFamily="18" charset="0"/>
+                <a:cs typeface="Times New Roman" panose="02020603050405020304" pitchFamily="18" charset="0"/>
+              </a:rPr>
+              <a:t> </a:t>
+            </a:r>
+            <a:r>
+              <a:rPr lang="en-US" sz="2000" b="1" dirty="0" smtClean="0">
+                <a:solidFill>
+                  <a:srgbClr val="202124"/>
+                </a:solidFill>
+                <a:latin typeface="Times New Roman" panose="02020603050405020304" pitchFamily="18" charset="0"/>
+                <a:cs typeface="Times New Roman" panose="02020603050405020304" pitchFamily="18" charset="0"/>
+              </a:rPr>
+              <a:t>processing</a:t>
+            </a:r>
+            <a:r>
+              <a:rPr lang="en-US" sz="2000" dirty="0" smtClean="0">
+                <a:solidFill>
+                  <a:srgbClr val="202124"/>
+                </a:solidFill>
+                <a:latin typeface="Times New Roman" panose="02020603050405020304" pitchFamily="18" charset="0"/>
+                <a:cs typeface="Times New Roman" panose="02020603050405020304" pitchFamily="18" charset="0"/>
+              </a:rPr>
+              <a:t>.</a:t>
+            </a:r>
+          </a:p>
+          <a:p>
+            <a:pPr marL="285750" lvl="0" indent="-285750" eaLnBrk="0" fontAlgn="base" hangingPunct="0">
+              <a:spcBef>
+                <a:spcPct val="0"/>
+              </a:spcBef>
+              <a:spcAft>
+                <a:spcPct val="0"/>
+              </a:spcAft>
+              <a:buFont typeface="Arial" panose="020B0604020202020204" pitchFamily="34" charset="0"/>
+              <a:buChar char="•"/>
+            </a:pPr>
+            <a:r>
+              <a:rPr lang="en-US" sz="2000" dirty="0" err="1">
+                <a:solidFill>
+                  <a:srgbClr val="202124"/>
+                </a:solidFill>
+                <a:latin typeface="inherit"/>
+              </a:rPr>
+              <a:t>dalam</a:t>
+            </a:r>
+            <a:r>
+              <a:rPr lang="en-US" sz="2000" dirty="0">
+                <a:solidFill>
+                  <a:srgbClr val="202124"/>
+                </a:solidFill>
+                <a:latin typeface="inherit"/>
+              </a:rPr>
+              <a:t> </a:t>
+            </a:r>
+            <a:r>
+              <a:rPr lang="en-US" sz="2000" dirty="0" err="1">
+                <a:solidFill>
+                  <a:srgbClr val="202124"/>
+                </a:solidFill>
+                <a:latin typeface="inherit"/>
+              </a:rPr>
+              <a:t>warna</a:t>
+            </a:r>
+            <a:r>
+              <a:rPr lang="en-US" sz="2000" dirty="0">
+                <a:solidFill>
+                  <a:srgbClr val="202124"/>
+                </a:solidFill>
+                <a:latin typeface="inherit"/>
+              </a:rPr>
+              <a:t> </a:t>
+            </a:r>
+            <a:r>
+              <a:rPr lang="en-US" sz="2000" dirty="0" err="1">
+                <a:solidFill>
+                  <a:srgbClr val="202124"/>
+                </a:solidFill>
+                <a:latin typeface="inherit"/>
+              </a:rPr>
+              <a:t>penuh</a:t>
+            </a:r>
+            <a:r>
+              <a:rPr lang="en-US" sz="2000" dirty="0">
+                <a:solidFill>
+                  <a:srgbClr val="202124"/>
+                </a:solidFill>
+                <a:latin typeface="inherit"/>
+              </a:rPr>
+              <a:t>, </a:t>
+            </a:r>
+            <a:r>
+              <a:rPr lang="en-US" sz="2000" dirty="0" err="1">
+                <a:solidFill>
+                  <a:srgbClr val="202124"/>
+                </a:solidFill>
+                <a:latin typeface="inherit"/>
+              </a:rPr>
+              <a:t>gambar</a:t>
+            </a:r>
+            <a:r>
+              <a:rPr lang="en-US" sz="2000" dirty="0">
+                <a:solidFill>
+                  <a:srgbClr val="202124"/>
+                </a:solidFill>
+                <a:latin typeface="inherit"/>
+              </a:rPr>
+              <a:t> </a:t>
+            </a:r>
+            <a:r>
+              <a:rPr lang="en-US" sz="2000" dirty="0" err="1">
+                <a:solidFill>
+                  <a:srgbClr val="202124"/>
+                </a:solidFill>
+                <a:latin typeface="inherit"/>
+              </a:rPr>
+              <a:t>diperoleh</a:t>
+            </a:r>
+            <a:r>
+              <a:rPr lang="en-US" sz="2000" dirty="0">
+                <a:solidFill>
+                  <a:srgbClr val="202124"/>
+                </a:solidFill>
+                <a:latin typeface="inherit"/>
+              </a:rPr>
+              <a:t> </a:t>
+            </a:r>
+            <a:r>
+              <a:rPr lang="en-US" sz="2000" dirty="0" err="1">
+                <a:solidFill>
+                  <a:srgbClr val="202124"/>
+                </a:solidFill>
+                <a:latin typeface="inherit"/>
+              </a:rPr>
+              <a:t>dengan</a:t>
+            </a:r>
+            <a:r>
+              <a:rPr lang="en-US" sz="2000" dirty="0">
+                <a:solidFill>
+                  <a:srgbClr val="202124"/>
+                </a:solidFill>
+                <a:latin typeface="inherit"/>
+              </a:rPr>
+              <a:t> sensor </a:t>
+            </a:r>
+            <a:r>
+              <a:rPr lang="en-US" sz="2000" dirty="0" err="1">
+                <a:solidFill>
+                  <a:srgbClr val="202124"/>
+                </a:solidFill>
+                <a:latin typeface="inherit"/>
+              </a:rPr>
+              <a:t>penuh</a:t>
+            </a:r>
+            <a:r>
+              <a:rPr lang="en-US" sz="2000" dirty="0">
+                <a:solidFill>
+                  <a:srgbClr val="202124"/>
+                </a:solidFill>
+                <a:latin typeface="inherit"/>
+              </a:rPr>
+              <a:t> </a:t>
+            </a:r>
+            <a:r>
+              <a:rPr lang="en-US" sz="2000" dirty="0" err="1">
+                <a:solidFill>
+                  <a:srgbClr val="202124"/>
+                </a:solidFill>
+                <a:latin typeface="inherit"/>
+              </a:rPr>
+              <a:t>warna</a:t>
+            </a:r>
+            <a:r>
+              <a:rPr lang="en-US" sz="2000" dirty="0">
+                <a:solidFill>
+                  <a:srgbClr val="202124"/>
+                </a:solidFill>
+                <a:latin typeface="inherit"/>
+              </a:rPr>
+              <a:t>, </a:t>
+            </a:r>
+            <a:r>
+              <a:rPr lang="en-US" sz="2000" dirty="0" err="1">
+                <a:solidFill>
+                  <a:srgbClr val="202124"/>
+                </a:solidFill>
+                <a:latin typeface="inherit"/>
+              </a:rPr>
+              <a:t>seperti</a:t>
+            </a:r>
+            <a:r>
+              <a:rPr lang="en-US" sz="2000" dirty="0">
+                <a:solidFill>
+                  <a:srgbClr val="202124"/>
+                </a:solidFill>
+                <a:latin typeface="inherit"/>
+              </a:rPr>
+              <a:t> </a:t>
+            </a:r>
+            <a:r>
+              <a:rPr lang="en-US" sz="2000" dirty="0" err="1">
+                <a:solidFill>
+                  <a:srgbClr val="202124"/>
+                </a:solidFill>
+                <a:latin typeface="inherit"/>
+              </a:rPr>
+              <a:t>kamera</a:t>
+            </a:r>
+            <a:r>
+              <a:rPr lang="en-US" sz="2000" dirty="0">
+                <a:solidFill>
+                  <a:srgbClr val="202124"/>
+                </a:solidFill>
+                <a:latin typeface="inherit"/>
+              </a:rPr>
+              <a:t> TV </a:t>
+            </a:r>
+            <a:r>
+              <a:rPr lang="en-US" sz="2000" dirty="0" err="1">
+                <a:solidFill>
+                  <a:srgbClr val="202124"/>
+                </a:solidFill>
+                <a:latin typeface="inherit"/>
+              </a:rPr>
+              <a:t>berwarna</a:t>
+            </a:r>
+            <a:r>
+              <a:rPr lang="en-US" sz="2000" dirty="0">
+                <a:solidFill>
+                  <a:srgbClr val="202124"/>
+                </a:solidFill>
+                <a:latin typeface="inherit"/>
+              </a:rPr>
+              <a:t> </a:t>
+            </a:r>
+            <a:r>
+              <a:rPr lang="en-US" sz="2000" dirty="0" err="1">
+                <a:solidFill>
+                  <a:srgbClr val="202124"/>
+                </a:solidFill>
+                <a:latin typeface="inherit"/>
+              </a:rPr>
+              <a:t>atau</a:t>
+            </a:r>
+            <a:r>
+              <a:rPr lang="en-US" sz="2000" dirty="0">
+                <a:solidFill>
+                  <a:srgbClr val="202124"/>
+                </a:solidFill>
+                <a:latin typeface="inherit"/>
+              </a:rPr>
+              <a:t> </a:t>
+            </a:r>
+            <a:r>
+              <a:rPr lang="en-US" sz="2000" dirty="0" err="1">
+                <a:solidFill>
+                  <a:srgbClr val="202124"/>
+                </a:solidFill>
+                <a:latin typeface="inherit"/>
+              </a:rPr>
+              <a:t>pemindai</a:t>
+            </a:r>
+            <a:r>
+              <a:rPr lang="en-US" sz="2000" dirty="0">
+                <a:solidFill>
+                  <a:srgbClr val="202124"/>
+                </a:solidFill>
+                <a:latin typeface="inherit"/>
+              </a:rPr>
+              <a:t> </a:t>
+            </a:r>
+            <a:r>
+              <a:rPr lang="en-US" sz="2000" dirty="0" err="1">
+                <a:solidFill>
+                  <a:srgbClr val="202124"/>
+                </a:solidFill>
+                <a:latin typeface="inherit"/>
+              </a:rPr>
+              <a:t>warna</a:t>
+            </a:r>
+            <a:r>
+              <a:rPr lang="en-US" sz="700" dirty="0"/>
+              <a:t> </a:t>
+            </a:r>
+            <a:endParaRPr lang="en-US" sz="1600" dirty="0">
+              <a:latin typeface="Arial" panose="020B0604020202020204" pitchFamily="34" charset="0"/>
+            </a:endParaRPr>
+          </a:p>
+          <a:p>
+            <a:pPr marL="285750" indent="-285750" eaLnBrk="0" fontAlgn="base" hangingPunct="0">
+              <a:spcBef>
+                <a:spcPct val="0"/>
+              </a:spcBef>
+              <a:spcAft>
+                <a:spcPct val="0"/>
+              </a:spcAft>
+              <a:buFont typeface="Arial" panose="020B0604020202020204" pitchFamily="34" charset="0"/>
+              <a:buChar char="•"/>
+            </a:pPr>
+            <a:endParaRPr lang="en-US" sz="2000" dirty="0" smtClean="0">
+              <a:latin typeface="Times New Roman" panose="02020603050405020304" pitchFamily="18" charset="0"/>
+              <a:cs typeface="Times New Roman" panose="02020603050405020304" pitchFamily="18" charset="0"/>
+            </a:endParaRPr>
+          </a:p>
+        </p:txBody>
+      </p:sp>
+      <p:sp>
+        <p:nvSpPr>
+          <p:cNvPr id="6" name="Rectangle 1"/>
+          <p:cNvSpPr>
+            <a:spLocks noChangeArrowheads="1"/>
+          </p:cNvSpPr>
+          <p:nvPr/>
+        </p:nvSpPr>
+        <p:spPr bwMode="auto">
+          <a:xfrm>
+            <a:off x="0" y="102920"/>
+            <a:ext cx="65" cy="251359"/>
+          </a:xfrm>
+          <a:prstGeom prst="rect">
+            <a:avLst/>
+          </a:prstGeom>
+          <a:solidFill>
+            <a:srgbClr val="F8F9FA"/>
+          </a:solidFill>
+          <a:ln>
+            <a:noFill/>
+          </a:ln>
+          <a:effectLst/>
+          <a:extLst>
+            <a:ext uri="{91240B29-F687-4F45-9708-019B960494DF}">
+              <a14:hiddenLine xmlns:a14="http://schemas.microsoft.com/office/drawing/2010/main" w="9525">
+                <a:solidFill>
+                  <a:schemeClr val="tx1"/>
+                </a:solidFill>
+                <a:miter lim="800000"/>
+                <a:headEnd/>
+                <a:tailEnd/>
+              </a14:hiddenLine>
+            </a:ext>
+            <a:ext uri="{AF507438-7753-43E0-B8FC-AC1667EBCBE1}">
+              <a14:hiddenEffects xmlns:a14="http://schemas.microsoft.com/office/drawing/2010/main">
+                <a:effectLst>
+                  <a:outerShdw dist="35921" dir="2700000" algn="ctr" rotWithShape="0">
+                    <a:schemeClr val="bg2"/>
+                  </a:outerShdw>
+                </a:effectLst>
+              </a14:hiddenEffects>
+            </a:ext>
+          </a:extLst>
+        </p:spPr>
+        <p:txBody>
+          <a:bodyPr vert="horz" wrap="none" lIns="0" tIns="-12696" rIns="0" bIns="-12696" numCol="1" anchor="ctr" anchorCtr="0" compatLnSpc="1">
+            <a:prstTxWarp prst="textNoShape">
+              <a:avLst/>
+            </a:prstTxWarp>
+            <a:spAutoFit/>
+          </a:bodyPr>
+          <a:lstStyle/>
+          <a:p>
+            <a:pPr marL="0" marR="0" lvl="0" indent="0" algn="l" defTabSz="914400" rtl="0" eaLnBrk="0" fontAlgn="base" latinLnBrk="0" hangingPunct="0">
+              <a:lnSpc>
+                <a:spcPct val="100000"/>
+              </a:lnSpc>
+              <a:spcBef>
+                <a:spcPct val="0"/>
+              </a:spcBef>
+              <a:spcAft>
+                <a:spcPct val="0"/>
+              </a:spcAft>
+              <a:buClrTx/>
+              <a:buSzTx/>
+              <a:buFontTx/>
+              <a:buNone/>
+              <a:tabLst/>
+            </a:pPr>
+            <a:endParaRPr kumimoji="0" lang="en-US" sz="1800" b="0" i="0" u="none" strike="noStrike" cap="none" normalizeH="0" baseline="0" dirty="0" smtClean="0">
+              <a:ln>
+                <a:noFill/>
+              </a:ln>
+              <a:solidFill>
+                <a:schemeClr val="tx1"/>
+              </a:solidFill>
+              <a:effectLst/>
+              <a:latin typeface="Arial" panose="020B0604020202020204" pitchFamily="34" charset="0"/>
+            </a:endParaRPr>
+          </a:p>
+        </p:txBody>
+      </p:sp>
+      <p:sp>
+        <p:nvSpPr>
+          <p:cNvPr id="7" name="Rectangle 2"/>
+          <p:cNvSpPr>
+            <a:spLocks noChangeArrowheads="1"/>
+          </p:cNvSpPr>
+          <p:nvPr/>
+        </p:nvSpPr>
+        <p:spPr bwMode="auto">
+          <a:xfrm>
+            <a:off x="0" y="102920"/>
+            <a:ext cx="65" cy="251359"/>
+          </a:xfrm>
+          <a:prstGeom prst="rect">
+            <a:avLst/>
+          </a:prstGeom>
+          <a:solidFill>
+            <a:srgbClr val="F8F9FA"/>
+          </a:solidFill>
+          <a:ln>
+            <a:noFill/>
+          </a:ln>
+          <a:effectLst/>
+          <a:extLst>
+            <a:ext uri="{91240B29-F687-4F45-9708-019B960494DF}">
+              <a14:hiddenLine xmlns:a14="http://schemas.microsoft.com/office/drawing/2010/main" w="9525">
+                <a:solidFill>
+                  <a:schemeClr val="tx1"/>
+                </a:solidFill>
+                <a:miter lim="800000"/>
+                <a:headEnd/>
+                <a:tailEnd/>
+              </a14:hiddenLine>
+            </a:ext>
+            <a:ext uri="{AF507438-7753-43E0-B8FC-AC1667EBCBE1}">
+              <a14:hiddenEffects xmlns:a14="http://schemas.microsoft.com/office/drawing/2010/main">
+                <a:effectLst>
+                  <a:outerShdw dist="35921" dir="2700000" algn="ctr" rotWithShape="0">
+                    <a:schemeClr val="bg2"/>
+                  </a:outerShdw>
+                </a:effectLst>
+              </a14:hiddenEffects>
+            </a:ext>
+          </a:extLst>
+        </p:spPr>
+        <p:txBody>
+          <a:bodyPr vert="horz" wrap="none" lIns="0" tIns="-12696" rIns="0" bIns="-12696" numCol="1" anchor="ctr" anchorCtr="0" compatLnSpc="1">
+            <a:prstTxWarp prst="textNoShape">
+              <a:avLst/>
+            </a:prstTxWarp>
+            <a:spAutoFit/>
+          </a:bodyPr>
+          <a:lstStyle/>
+          <a:p>
+            <a:pPr marL="0" marR="0" lvl="0" indent="0" algn="l" defTabSz="914400" rtl="0" eaLnBrk="0" fontAlgn="base" latinLnBrk="0" hangingPunct="0">
+              <a:lnSpc>
+                <a:spcPct val="100000"/>
+              </a:lnSpc>
+              <a:spcBef>
+                <a:spcPct val="0"/>
+              </a:spcBef>
+              <a:spcAft>
+                <a:spcPct val="0"/>
+              </a:spcAft>
+              <a:buClrTx/>
+              <a:buSzTx/>
+              <a:buFontTx/>
+              <a:buNone/>
+              <a:tabLst/>
+            </a:pPr>
+            <a:endParaRPr kumimoji="0" lang="en-US" sz="1800" b="0" i="0" u="none" strike="noStrike" cap="none" normalizeH="0" baseline="0" dirty="0" smtClean="0">
+              <a:ln>
+                <a:noFill/>
+              </a:ln>
+              <a:solidFill>
+                <a:schemeClr val="tx1"/>
+              </a:solidFill>
+              <a:effectLst/>
+              <a:latin typeface="Arial" panose="020B0604020202020204" pitchFamily="34" charset="0"/>
+            </a:endParaRPr>
+          </a:p>
+        </p:txBody>
+      </p:sp>
+      <p:sp>
+        <p:nvSpPr>
+          <p:cNvPr id="9" name="Rectangle 3"/>
+          <p:cNvSpPr>
+            <a:spLocks noChangeArrowheads="1"/>
+          </p:cNvSpPr>
+          <p:nvPr/>
+        </p:nvSpPr>
+        <p:spPr bwMode="auto">
+          <a:xfrm>
+            <a:off x="0" y="102920"/>
+            <a:ext cx="65" cy="251359"/>
+          </a:xfrm>
+          <a:prstGeom prst="rect">
+            <a:avLst/>
+          </a:prstGeom>
+          <a:solidFill>
+            <a:srgbClr val="F8F9FA"/>
+          </a:solidFill>
+          <a:ln>
+            <a:noFill/>
+          </a:ln>
+          <a:effectLst/>
+          <a:extLst>
+            <a:ext uri="{91240B29-F687-4F45-9708-019B960494DF}">
+              <a14:hiddenLine xmlns:a14="http://schemas.microsoft.com/office/drawing/2010/main" w="9525">
+                <a:solidFill>
+                  <a:schemeClr val="tx1"/>
+                </a:solidFill>
+                <a:miter lim="800000"/>
+                <a:headEnd/>
+                <a:tailEnd/>
+              </a14:hiddenLine>
+            </a:ext>
+            <a:ext uri="{AF507438-7753-43E0-B8FC-AC1667EBCBE1}">
+              <a14:hiddenEffects xmlns:a14="http://schemas.microsoft.com/office/drawing/2010/main">
+                <a:effectLst>
+                  <a:outerShdw dist="35921" dir="2700000" algn="ctr" rotWithShape="0">
+                    <a:schemeClr val="bg2"/>
+                  </a:outerShdw>
+                </a:effectLst>
+              </a14:hiddenEffects>
+            </a:ext>
+          </a:extLst>
+        </p:spPr>
+        <p:txBody>
+          <a:bodyPr vert="horz" wrap="none" lIns="0" tIns="-12696" rIns="0" bIns="-12696" numCol="1" anchor="ctr" anchorCtr="0" compatLnSpc="1">
+            <a:prstTxWarp prst="textNoShape">
+              <a:avLst/>
+            </a:prstTxWarp>
+            <a:spAutoFit/>
+          </a:bodyPr>
+          <a:lstStyle/>
+          <a:p>
+            <a:pPr marL="0" marR="0" lvl="0" indent="0" algn="l" defTabSz="914400" rtl="0" eaLnBrk="0" fontAlgn="base" latinLnBrk="0" hangingPunct="0">
+              <a:lnSpc>
+                <a:spcPct val="100000"/>
+              </a:lnSpc>
+              <a:spcBef>
+                <a:spcPct val="0"/>
+              </a:spcBef>
+              <a:spcAft>
+                <a:spcPct val="0"/>
+              </a:spcAft>
+              <a:buClrTx/>
+              <a:buSzTx/>
+              <a:buFontTx/>
+              <a:buNone/>
+              <a:tabLst/>
+            </a:pPr>
+            <a:endParaRPr kumimoji="0" lang="en-US" sz="1800" b="0" i="0" u="none" strike="noStrike" cap="none" normalizeH="0" baseline="0" dirty="0" smtClean="0">
+              <a:ln>
+                <a:noFill/>
+              </a:ln>
+              <a:solidFill>
+                <a:schemeClr val="tx1"/>
+              </a:solidFill>
+              <a:effectLst/>
+              <a:latin typeface="Arial" panose="020B0604020202020204" pitchFamily="34" charset="0"/>
+            </a:endParaRPr>
           </a:p>
         </p:txBody>
       </p:sp>
@@ -5121,6 +10018,128 @@
     <p:extLst>
       <p:ext uri="{BB962C8B-B14F-4D97-AF65-F5344CB8AC3E}">
         <p14:creationId xmlns:p14="http://schemas.microsoft.com/office/powerpoint/2010/main" val="3397265174"/>
+      </p:ext>
+    </p:extLst>
+  </p:cSld>
+  <p:clrMapOvr>
+    <a:masterClrMapping/>
+  </p:clrMapOvr>
+  <p:timing>
+    <p:tnLst>
+      <p:par>
+        <p:cTn id="1" dur="indefinite" restart="never" nodeType="tmRoot"/>
+      </p:par>
+    </p:tnLst>
+  </p:timing>
+</p:sld>
+</file>
+
+<file path=ppt/slides/slide20.xml><?xml version="1.0" encoding="utf-8"?>
+<p:sld xmlns:a="http://schemas.openxmlformats.org/drawingml/2006/main" xmlns:r="http://schemas.openxmlformats.org/officeDocument/2006/relationships" xmlns:p="http://schemas.openxmlformats.org/presentationml/2006/main">
+  <p:cSld>
+    <p:spTree>
+      <p:nvGrpSpPr>
+        <p:cNvPr id="1" name=""/>
+        <p:cNvGrpSpPr/>
+        <p:nvPr/>
+      </p:nvGrpSpPr>
+      <p:grpSpPr>
+        <a:xfrm>
+          <a:off x="0" y="0"/>
+          <a:ext cx="0" cy="0"/>
+          <a:chOff x="0" y="0"/>
+          <a:chExt cx="0" cy="0"/>
+        </a:xfrm>
+      </p:grpSpPr>
+      <p:sp>
+        <p:nvSpPr>
+          <p:cNvPr id="2" name="Title 1"/>
+          <p:cNvSpPr>
+            <a:spLocks noGrp="1"/>
+          </p:cNvSpPr>
+          <p:nvPr>
+            <p:ph type="ctrTitle"/>
+          </p:nvPr>
+        </p:nvSpPr>
+        <p:spPr/>
+        <p:txBody>
+          <a:bodyPr/>
+          <a:lstStyle/>
+          <a:p>
+            <a:r>
+              <a:rPr lang="en-US" b="1" dirty="0" smtClean="0"/>
+              <a:t>TERIMAH KASIH</a:t>
+            </a:r>
+            <a:endParaRPr lang="en-US" b="1" dirty="0"/>
+          </a:p>
+        </p:txBody>
+      </p:sp>
+      <p:sp>
+        <p:nvSpPr>
+          <p:cNvPr id="3" name="TextBox 2"/>
+          <p:cNvSpPr txBox="1"/>
+          <p:nvPr/>
+        </p:nvSpPr>
+        <p:spPr>
+          <a:xfrm>
+            <a:off x="951323" y="4348340"/>
+            <a:ext cx="5359651" cy="461665"/>
+          </a:xfrm>
+          <a:prstGeom prst="rect">
+            <a:avLst/>
+          </a:prstGeom>
+          <a:noFill/>
+        </p:spPr>
+        <p:txBody>
+          <a:bodyPr wrap="square" rtlCol="0">
+            <a:spAutoFit/>
+          </a:bodyPr>
+          <a:lstStyle/>
+          <a:p>
+            <a:r>
+              <a:rPr lang="en-US" sz="2400" dirty="0" err="1" smtClean="0">
+                <a:solidFill>
+                  <a:schemeClr val="bg1"/>
+                </a:solidFill>
+              </a:rPr>
+              <a:t>Selemat</a:t>
+            </a:r>
+            <a:r>
+              <a:rPr lang="en-US" sz="2400" dirty="0" smtClean="0">
+                <a:solidFill>
+                  <a:schemeClr val="bg1"/>
+                </a:solidFill>
+              </a:rPr>
+              <a:t> </a:t>
+            </a:r>
+            <a:r>
+              <a:rPr lang="en-US" sz="2400" dirty="0" err="1" smtClean="0">
+                <a:solidFill>
+                  <a:schemeClr val="bg1"/>
+                </a:solidFill>
+              </a:rPr>
+              <a:t>Belajar</a:t>
+            </a:r>
+            <a:r>
+              <a:rPr lang="en-US" sz="2400" dirty="0" smtClean="0">
+                <a:solidFill>
+                  <a:schemeClr val="bg1"/>
+                </a:solidFill>
+              </a:rPr>
+              <a:t>..</a:t>
+            </a:r>
+            <a:endParaRPr lang="en-US" sz="2400" dirty="0">
+              <a:solidFill>
+                <a:schemeClr val="bg1"/>
+              </a:solidFill>
+            </a:endParaRPr>
+          </a:p>
+        </p:txBody>
+      </p:sp>
+    </p:spTree>
+    <p:extLst>
+      <p:ext uri="{BB962C8B-B14F-4D97-AF65-F5344CB8AC3E}">
+        <p14:creationId xmlns:p14="http://schemas.microsoft.com/office/powerpoint/2010/main" val="1828634948"/>
       </p:ext>
     </p:extLst>
   </p:cSld>
@@ -5161,7 +10180,7 @@
             <a:spLocks noGrp="1"/>
           </p:cNvSpPr>
           <p:nvPr>
-            <p:ph type="ctrTitle"/>
+            <p:ph type="title"/>
           </p:nvPr>
         </p:nvSpPr>
         <p:spPr/>
@@ -5170,14 +10189,18 @@
           <a:lstStyle/>
           <a:p>
             <a:r>
-              <a:rPr lang="en-US" b="1" dirty="0" smtClean="0"/>
-              <a:t>TERIMAH </a:t>
-            </a:r>
-            <a:r>
-              <a:rPr lang="en-US" b="1" dirty="0" smtClean="0"/>
-              <a:t>KASIH</a:t>
-            </a:r>
-            <a:endParaRPr lang="en-US" b="1" dirty="0"/>
+              <a:rPr lang="en-US" spc="-5" dirty="0"/>
+              <a:t>Color Models </a:t>
+            </a:r>
+            <a:r>
+              <a:rPr lang="en-US" spc="-30" dirty="0"/>
+              <a:t>for</a:t>
+            </a:r>
+            <a:r>
+              <a:rPr lang="en-US" spc="-25" dirty="0"/>
+              <a:t> Hardware</a:t>
+            </a:r>
+            <a:endParaRPr lang="en-US" dirty="0"/>
           </a:p>
         </p:txBody>
       </p:sp>
@@ -5189,8 +10212,8 @@
         </p:nvSpPr>
         <p:spPr>
           <a:xfrm>
-            <a:off x="951323" y="4348340"/>
-            <a:ext cx="5359651" cy="461665"/>
+            <a:off x="866274" y="1934678"/>
+            <a:ext cx="8027469" cy="1384995"/>
           </a:xfrm>
           <a:prstGeom prst="rect">
             <a:avLst/>
@@ -5204,62 +10227,2253 @@
           <a:lstStyle/>
           <a:p>
             <a:r>
-              <a:rPr lang="en-US" sz="2400" dirty="0" err="1" smtClean="0">
-                <a:solidFill>
-                  <a:schemeClr val="bg1"/>
-                </a:solidFill>
-              </a:rPr>
-              <a:t>Selemat</a:t>
-            </a:r>
-            <a:r>
-              <a:rPr lang="en-US" sz="2400" dirty="0" smtClean="0">
-                <a:solidFill>
-                  <a:schemeClr val="bg1"/>
-                </a:solidFill>
-              </a:rPr>
+              <a:rPr lang="en-US" sz="2800" dirty="0" err="1" smtClean="0"/>
+              <a:t>Beberapa</a:t>
+            </a:r>
+            <a:r>
+              <a:rPr lang="en-US" sz="2800" dirty="0" smtClean="0"/>
+              <a:t> color models yang popular:</a:t>
+            </a:r>
+          </a:p>
+          <a:p>
+            <a:pPr marL="285750" indent="-285750">
+              <a:buFont typeface="Arial" panose="020B0604020202020204" pitchFamily="34" charset="0"/>
+              <a:buChar char="•"/>
+            </a:pPr>
+            <a:r>
+              <a:rPr lang="en-US" sz="2800" dirty="0" smtClean="0"/>
+              <a:t>RGB(</a:t>
+            </a:r>
+            <a:r>
+              <a:rPr lang="en-US" sz="2800" dirty="0" err="1" smtClean="0"/>
+              <a:t>warna</a:t>
+            </a:r>
+            <a:r>
+              <a:rPr lang="en-US" sz="2800" dirty="0" smtClean="0"/>
+              <a:t> primer </a:t>
+            </a:r>
+            <a:r>
+              <a:rPr lang="en-US" sz="2800" dirty="0" err="1" smtClean="0"/>
+              <a:t>pada</a:t>
+            </a:r>
+            <a:r>
+              <a:rPr lang="en-US" sz="2800" dirty="0" smtClean="0"/>
+              <a:t> CRT)</a:t>
+            </a:r>
+          </a:p>
+          <a:p>
+            <a:pPr marL="285750" indent="-285750">
+              <a:buFont typeface="Arial" panose="020B0604020202020204" pitchFamily="34" charset="0"/>
+              <a:buChar char="•"/>
+            </a:pPr>
+            <a:r>
+              <a:rPr lang="en-US" sz="2800" dirty="0" smtClean="0"/>
+              <a:t>CMY (popular </a:t>
+            </a:r>
+            <a:r>
+              <a:rPr lang="en-US" sz="2800" dirty="0" err="1" smtClean="0"/>
+              <a:t>bagi</a:t>
+            </a:r>
+            <a:r>
+              <a:rPr lang="en-US" sz="2800" dirty="0" smtClean="0"/>
               <a:t> </a:t>
             </a:r>
             <a:r>
-              <a:rPr lang="en-US" sz="2400" dirty="0" err="1" smtClean="0">
-                <a:solidFill>
-                  <a:schemeClr val="bg1"/>
-                </a:solidFill>
-              </a:rPr>
-              <a:t>Belajar</a:t>
-            </a:r>
-            <a:r>
-              <a:rPr lang="en-US" sz="2400" dirty="0" smtClean="0">
-                <a:solidFill>
-                  <a:schemeClr val="bg1"/>
-                </a:solidFill>
-              </a:rPr>
-              <a:t>..</a:t>
-            </a:r>
-            <a:endParaRPr lang="en-US" sz="2400" dirty="0">
-              <a:solidFill>
-                <a:schemeClr val="bg1"/>
-              </a:solidFill>
-            </a:endParaRPr>
+              <a:rPr lang="en-US" sz="2800" dirty="0" err="1" smtClean="0"/>
+              <a:t>percetakan</a:t>
+            </a:r>
+            <a:endParaRPr lang="en-US" sz="2800" dirty="0" smtClean="0"/>
           </a:p>
         </p:txBody>
       </p:sp>
     </p:spTree>
     <p:extLst>
       <p:ext uri="{BB962C8B-B14F-4D97-AF65-F5344CB8AC3E}">
-        <p14:creationId xmlns:p14="http://schemas.microsoft.com/office/powerpoint/2010/main" val="1828634948"/>
+        <p14:creationId xmlns:p14="http://schemas.microsoft.com/office/powerpoint/2010/main" val="3872691769"/>
       </p:ext>
     </p:extLst>
   </p:cSld>
   <p:clrMapOvr>
     <a:masterClrMapping/>
   </p:clrMapOvr>
-  <p:timing>
-    <p:tnLst>
-      <p:par>
-        <p:cTn id="1" dur="indefinite" restart="never" nodeType="tmRoot"/>
-      </p:par>
-    </p:tnLst>
-  </p:timing>
+</p:sld>
+</file>
+
+<file path=ppt/slides/slide4.xml><?xml version="1.0" encoding="utf-8"?>
+<p:sld xmlns:a="http://schemas.openxmlformats.org/drawingml/2006/main" xmlns:r="http://schemas.openxmlformats.org/officeDocument/2006/relationships" xmlns:p="http://schemas.openxmlformats.org/presentationml/2006/main">
+  <p:cSld>
+    <p:spTree>
+      <p:nvGrpSpPr>
+        <p:cNvPr id="1" name=""/>
+        <p:cNvGrpSpPr/>
+        <p:nvPr/>
+      </p:nvGrpSpPr>
+      <p:grpSpPr>
+        <a:xfrm>
+          <a:off x="0" y="0"/>
+          <a:ext cx="0" cy="0"/>
+          <a:chOff x="0" y="0"/>
+          <a:chExt cx="0" cy="0"/>
+        </a:xfrm>
+      </p:grpSpPr>
+      <p:sp>
+        <p:nvSpPr>
+          <p:cNvPr id="2" name="Title 1"/>
+          <p:cNvSpPr>
+            <a:spLocks noGrp="1"/>
+          </p:cNvSpPr>
+          <p:nvPr>
+            <p:ph type="title"/>
+          </p:nvPr>
+        </p:nvSpPr>
+        <p:spPr/>
+        <p:txBody>
+          <a:bodyPr/>
+          <a:lstStyle/>
+          <a:p>
+            <a:r>
+              <a:rPr lang="en-US" dirty="0" smtClean="0"/>
+              <a:t>Color Models </a:t>
+            </a:r>
+            <a:r>
+              <a:rPr lang="en-US" b="1" dirty="0" smtClean="0"/>
+              <a:t>RGB</a:t>
+            </a:r>
+            <a:endParaRPr lang="en-US" b="1" dirty="0"/>
+          </a:p>
+        </p:txBody>
+      </p:sp>
+      <p:sp>
+        <p:nvSpPr>
+          <p:cNvPr id="3" name="Rectangle 10"/>
+          <p:cNvSpPr txBox="1">
+            <a:spLocks noChangeArrowheads="1"/>
+          </p:cNvSpPr>
+          <p:nvPr/>
+        </p:nvSpPr>
+        <p:spPr>
+          <a:xfrm>
+            <a:off x="955307" y="1598685"/>
+            <a:ext cx="8077200" cy="2309172"/>
+          </a:xfrm>
+          <a:prstGeom prst="rect">
+            <a:avLst/>
+          </a:prstGeom>
+          <a:solidFill>
+            <a:schemeClr val="bg1"/>
+          </a:solidFill>
+          <a:ln/>
+        </p:spPr>
+        <p:txBody>
+          <a:bodyPr/>
+          <a:lstStyle>
+            <a:lvl1pPr marL="228600" indent="-228600" algn="l" defTabSz="914400" rtl="0" eaLnBrk="1" latinLnBrk="0" hangingPunct="1">
+              <a:lnSpc>
+                <a:spcPct val="90000"/>
+              </a:lnSpc>
+              <a:spcBef>
+                <a:spcPct val="30000"/>
+              </a:spcBef>
+              <a:buFont typeface="Arial" panose="020B0604020202020204" pitchFamily="34" charset="0"/>
+              <a:buChar char="•"/>
+              <a:defRPr sz="2800" kern="1200">
+                <a:solidFill>
+                  <a:schemeClr val="tx1"/>
+                </a:solidFill>
+                <a:latin typeface="+mn-lt"/>
+                <a:ea typeface="+mn-ea"/>
+                <a:cs typeface="+mn-cs"/>
+              </a:defRPr>
+            </a:lvl1pPr>
+            <a:lvl2pPr marL="685800" indent="-228600" algn="l" defTabSz="914400" rtl="0" eaLnBrk="1" latinLnBrk="0" hangingPunct="1">
+              <a:lnSpc>
+                <a:spcPct val="90000"/>
+              </a:lnSpc>
+              <a:spcBef>
+                <a:spcPct val="30000"/>
+              </a:spcBef>
+              <a:buFont typeface="Arial" panose="020B0604020202020204" pitchFamily="34" charset="0"/>
+              <a:buChar char="•"/>
+              <a:defRPr sz="2400" kern="1200">
+                <a:solidFill>
+                  <a:schemeClr val="tx1"/>
+                </a:solidFill>
+                <a:latin typeface="+mn-lt"/>
+                <a:ea typeface="+mn-ea"/>
+                <a:cs typeface="+mn-cs"/>
+              </a:defRPr>
+            </a:lvl2pPr>
+            <a:lvl3pPr marL="1143000" indent="-228600" algn="l" defTabSz="914400" rtl="0" eaLnBrk="1" latinLnBrk="0" hangingPunct="1">
+              <a:lnSpc>
+                <a:spcPct val="90000"/>
+              </a:lnSpc>
+              <a:spcBef>
+                <a:spcPct val="30000"/>
+              </a:spcBef>
+              <a:buFont typeface="Arial" panose="020B0604020202020204" pitchFamily="34" charset="0"/>
+              <a:buChar char="•"/>
+              <a:defRPr sz="2000" kern="1200">
+                <a:solidFill>
+                  <a:schemeClr val="tx1"/>
+                </a:solidFill>
+                <a:latin typeface="+mn-lt"/>
+                <a:ea typeface="+mn-ea"/>
+                <a:cs typeface="+mn-cs"/>
+              </a:defRPr>
+            </a:lvl3pPr>
+            <a:lvl4pPr marL="1600200" indent="-228600" algn="l" defTabSz="914400" rtl="0" eaLnBrk="1" latinLnBrk="0" hangingPunct="1">
+              <a:lnSpc>
+                <a:spcPct val="90000"/>
+              </a:lnSpc>
+              <a:spcBef>
+                <a:spcPct val="30000"/>
+              </a:spcBef>
+              <a:buFont typeface="Arial" panose="020B0604020202020204" pitchFamily="34" charset="0"/>
+              <a:buChar char="•"/>
+              <a:defRPr sz="1800" kern="1200">
+                <a:solidFill>
+                  <a:schemeClr val="tx1"/>
+                </a:solidFill>
+                <a:latin typeface="+mn-lt"/>
+                <a:ea typeface="+mn-ea"/>
+                <a:cs typeface="+mn-cs"/>
+              </a:defRPr>
+            </a:lvl4pPr>
+            <a:lvl5pPr marL="2057400" indent="-228600" algn="l" defTabSz="914400" rtl="0" eaLnBrk="1" latinLnBrk="0" hangingPunct="1">
+              <a:lnSpc>
+                <a:spcPct val="90000"/>
+              </a:lnSpc>
+              <a:spcBef>
+                <a:spcPct val="30000"/>
+              </a:spcBef>
+              <a:buFont typeface="Arial" panose="020B0604020202020204" pitchFamily="34" charset="0"/>
+              <a:buChar char="•"/>
+              <a:defRPr sz="1800" kern="1200">
+                <a:solidFill>
+                  <a:schemeClr val="tx1"/>
+                </a:solidFill>
+                <a:latin typeface="+mn-lt"/>
+                <a:ea typeface="+mn-ea"/>
+                <a:cs typeface="+mn-cs"/>
+              </a:defRPr>
+            </a:lvl5pPr>
+            <a:lvl6pPr marL="2514600" indent="-228600" algn="l" defTabSz="914400" rtl="0" eaLnBrk="1" latinLnBrk="0" hangingPunct="1">
+              <a:lnSpc>
+                <a:spcPct val="90000"/>
+              </a:lnSpc>
+              <a:spcBef>
+                <a:spcPct val="30000"/>
+              </a:spcBef>
+              <a:buFont typeface="Arial" panose="020B0604020202020204" pitchFamily="34" charset="0"/>
+              <a:buChar char="•"/>
+              <a:defRPr sz="1800" kern="1200">
+                <a:solidFill>
+                  <a:schemeClr val="tx1"/>
+                </a:solidFill>
+                <a:latin typeface="+mn-lt"/>
+                <a:ea typeface="+mn-ea"/>
+                <a:cs typeface="+mn-cs"/>
+              </a:defRPr>
+            </a:lvl6pPr>
+            <a:lvl7pPr marL="2971800" indent="-228600" algn="l" defTabSz="914400" rtl="0" eaLnBrk="1" latinLnBrk="0" hangingPunct="1">
+              <a:lnSpc>
+                <a:spcPct val="90000"/>
+              </a:lnSpc>
+              <a:spcBef>
+                <a:spcPct val="30000"/>
+              </a:spcBef>
+              <a:buFont typeface="Arial" panose="020B0604020202020204" pitchFamily="34" charset="0"/>
+              <a:buChar char="•"/>
+              <a:defRPr sz="1800" kern="1200">
+                <a:solidFill>
+                  <a:schemeClr val="tx1"/>
+                </a:solidFill>
+                <a:latin typeface="+mn-lt"/>
+                <a:ea typeface="+mn-ea"/>
+                <a:cs typeface="+mn-cs"/>
+              </a:defRPr>
+            </a:lvl7pPr>
+            <a:lvl8pPr marL="3429000" indent="-228600" algn="l" defTabSz="914400" rtl="0" eaLnBrk="1" latinLnBrk="0" hangingPunct="1">
+              <a:lnSpc>
+                <a:spcPct val="90000"/>
+              </a:lnSpc>
+              <a:spcBef>
+                <a:spcPct val="30000"/>
+              </a:spcBef>
+              <a:buFont typeface="Arial" panose="020B0604020202020204" pitchFamily="34" charset="0"/>
+              <a:buChar char="•"/>
+              <a:defRPr sz="1800" kern="1200">
+                <a:solidFill>
+                  <a:schemeClr val="tx1"/>
+                </a:solidFill>
+                <a:latin typeface="+mn-lt"/>
+                <a:ea typeface="+mn-ea"/>
+                <a:cs typeface="+mn-cs"/>
+              </a:defRPr>
+            </a:lvl8pPr>
+            <a:lvl9pPr marL="3886200" indent="-228600" algn="l" defTabSz="914400" rtl="0" eaLnBrk="1" latinLnBrk="0" hangingPunct="1">
+              <a:lnSpc>
+                <a:spcPct val="90000"/>
+              </a:lnSpc>
+              <a:spcBef>
+                <a:spcPct val="30000"/>
+              </a:spcBef>
+              <a:buFont typeface="Arial" panose="020B0604020202020204" pitchFamily="34" charset="0"/>
+              <a:buChar char="•"/>
+              <a:defRPr sz="1800" kern="1200">
+                <a:solidFill>
+                  <a:schemeClr val="tx1"/>
+                </a:solidFill>
+                <a:latin typeface="+mn-lt"/>
+                <a:ea typeface="+mn-ea"/>
+                <a:cs typeface="+mn-cs"/>
+              </a:defRPr>
+            </a:lvl9pPr>
+          </a:lstStyle>
+          <a:p>
+            <a:r>
+              <a:rPr lang="en-US" sz="2400" dirty="0" err="1" smtClean="0">
+                <a:latin typeface="Arial" panose="020B0604020202020204" pitchFamily="34" charset="0"/>
+              </a:rPr>
+              <a:t>Merupakan</a:t>
+            </a:r>
+            <a:r>
+              <a:rPr lang="en-US" sz="2400" dirty="0" smtClean="0">
+                <a:latin typeface="Arial" panose="020B0604020202020204" pitchFamily="34" charset="0"/>
+              </a:rPr>
+              <a:t> </a:t>
+            </a:r>
+            <a:r>
+              <a:rPr lang="en-US" sz="2400" dirty="0" err="1" smtClean="0">
+                <a:latin typeface="Arial" panose="020B0604020202020204" pitchFamily="34" charset="0"/>
+              </a:rPr>
+              <a:t>warna</a:t>
+            </a:r>
+            <a:r>
+              <a:rPr lang="en-US" sz="2400" dirty="0" smtClean="0">
+                <a:latin typeface="Arial" panose="020B0604020202020204" pitchFamily="34" charset="0"/>
+              </a:rPr>
+              <a:t> primer </a:t>
+            </a:r>
+            <a:r>
+              <a:rPr lang="en-US" sz="2400" dirty="0" err="1" smtClean="0">
+                <a:latin typeface="Arial" panose="020B0604020202020204" pitchFamily="34" charset="0"/>
+              </a:rPr>
+              <a:t>cahaya</a:t>
+            </a:r>
+            <a:r>
+              <a:rPr lang="en-US" sz="2400" dirty="0" smtClean="0">
+                <a:latin typeface="Arial" panose="020B0604020202020204" pitchFamily="34" charset="0"/>
+              </a:rPr>
+              <a:t> (</a:t>
+            </a:r>
+            <a:r>
+              <a:rPr lang="en-US" sz="2400" dirty="0" err="1" smtClean="0">
+                <a:latin typeface="Arial" panose="020B0604020202020204" pitchFamily="34" charset="0"/>
+              </a:rPr>
+              <a:t>berdasar</a:t>
+            </a:r>
+            <a:r>
+              <a:rPr lang="en-US" sz="2400" dirty="0" smtClean="0">
+                <a:latin typeface="Arial" panose="020B0604020202020204" pitchFamily="34" charset="0"/>
+              </a:rPr>
+              <a:t> </a:t>
+            </a:r>
+            <a:r>
+              <a:rPr lang="en-US" sz="2400" dirty="0" err="1" smtClean="0">
+                <a:latin typeface="Arial" panose="020B0604020202020204" pitchFamily="34" charset="0"/>
+              </a:rPr>
+              <a:t>mata</a:t>
+            </a:r>
+            <a:r>
+              <a:rPr lang="en-US" sz="2400" dirty="0" smtClean="0">
+                <a:latin typeface="Arial" panose="020B0604020202020204" pitchFamily="34" charset="0"/>
+              </a:rPr>
+              <a:t> </a:t>
+            </a:r>
+            <a:r>
+              <a:rPr lang="en-US" sz="2400" dirty="0" err="1" smtClean="0">
+                <a:latin typeface="Arial" panose="020B0604020202020204" pitchFamily="34" charset="0"/>
+              </a:rPr>
+              <a:t>manusia</a:t>
+            </a:r>
+            <a:r>
+              <a:rPr lang="en-US" sz="2400" dirty="0" smtClean="0">
+                <a:latin typeface="Arial" panose="020B0604020202020204" pitchFamily="34" charset="0"/>
+              </a:rPr>
+              <a:t>):</a:t>
+            </a:r>
+          </a:p>
+          <a:p>
+            <a:pPr lvl="1"/>
+            <a:r>
+              <a:rPr lang="en-US" dirty="0" smtClean="0">
+                <a:latin typeface="Arial" panose="020B0604020202020204" pitchFamily="34" charset="0"/>
+              </a:rPr>
+              <a:t>R (</a:t>
+            </a:r>
+            <a:r>
+              <a:rPr lang="en-US" b="1" dirty="0" smtClean="0">
+                <a:solidFill>
+                  <a:srgbClr val="FF0000"/>
+                </a:solidFill>
+                <a:latin typeface="Arial" panose="020B0604020202020204" pitchFamily="34" charset="0"/>
+              </a:rPr>
+              <a:t>red</a:t>
+            </a:r>
+            <a:r>
+              <a:rPr lang="en-US" dirty="0" smtClean="0">
+                <a:latin typeface="Arial" panose="020B0604020202020204" pitchFamily="34" charset="0"/>
+              </a:rPr>
+              <a:t>), G (</a:t>
+            </a:r>
+            <a:r>
+              <a:rPr lang="en-US" b="1" dirty="0" smtClean="0">
+                <a:solidFill>
+                  <a:srgbClr val="66FF33"/>
+                </a:solidFill>
+                <a:latin typeface="Arial" panose="020B0604020202020204" pitchFamily="34" charset="0"/>
+              </a:rPr>
+              <a:t>green</a:t>
+            </a:r>
+            <a:r>
+              <a:rPr lang="en-US" dirty="0" smtClean="0">
+                <a:latin typeface="Arial" panose="020B0604020202020204" pitchFamily="34" charset="0"/>
+              </a:rPr>
+              <a:t>) </a:t>
+            </a:r>
+            <a:r>
+              <a:rPr lang="en-US" dirty="0" err="1" smtClean="0">
+                <a:latin typeface="Arial" panose="020B0604020202020204" pitchFamily="34" charset="0"/>
+              </a:rPr>
+              <a:t>dan</a:t>
+            </a:r>
+            <a:r>
+              <a:rPr lang="en-US" dirty="0" smtClean="0">
+                <a:latin typeface="Arial" panose="020B0604020202020204" pitchFamily="34" charset="0"/>
+              </a:rPr>
+              <a:t> B (</a:t>
+            </a:r>
+            <a:r>
+              <a:rPr lang="en-US" b="1" dirty="0" smtClean="0">
+                <a:solidFill>
+                  <a:srgbClr val="0000FF"/>
+                </a:solidFill>
+                <a:latin typeface="Arial" panose="020B0604020202020204" pitchFamily="34" charset="0"/>
+              </a:rPr>
+              <a:t>blue</a:t>
+            </a:r>
+            <a:r>
+              <a:rPr lang="en-US" dirty="0" smtClean="0">
+                <a:latin typeface="Arial" panose="020B0604020202020204" pitchFamily="34" charset="0"/>
+              </a:rPr>
+              <a:t>)</a:t>
+            </a:r>
+          </a:p>
+          <a:p>
+            <a:r>
+              <a:rPr lang="en-US" sz="2400" dirty="0" err="1" smtClean="0">
+                <a:latin typeface="Arial" panose="020B0604020202020204" pitchFamily="34" charset="0"/>
+              </a:rPr>
+              <a:t>Dimodelkan</a:t>
+            </a:r>
+            <a:r>
+              <a:rPr lang="en-US" sz="2400" dirty="0" smtClean="0">
+                <a:latin typeface="Arial" panose="020B0604020202020204" pitchFamily="34" charset="0"/>
+              </a:rPr>
+              <a:t> </a:t>
+            </a:r>
+            <a:r>
+              <a:rPr lang="en-US" sz="2400" dirty="0" err="1" smtClean="0">
+                <a:latin typeface="Arial" panose="020B0604020202020204" pitchFamily="34" charset="0"/>
+              </a:rPr>
+              <a:t>dalam</a:t>
+            </a:r>
+            <a:r>
+              <a:rPr lang="en-US" sz="2400" dirty="0" smtClean="0">
+                <a:latin typeface="Arial" panose="020B0604020202020204" pitchFamily="34" charset="0"/>
+              </a:rPr>
+              <a:t> RGB cube</a:t>
+            </a:r>
+          </a:p>
+          <a:p>
+            <a:r>
+              <a:rPr lang="en-US" sz="2400" dirty="0" err="1" smtClean="0">
+                <a:latin typeface="Arial" panose="020B0604020202020204" pitchFamily="34" charset="0"/>
+              </a:rPr>
+              <a:t>Sifatnya</a:t>
+            </a:r>
+            <a:r>
+              <a:rPr lang="en-US" sz="2400" dirty="0" smtClean="0">
+                <a:latin typeface="Arial" panose="020B0604020202020204" pitchFamily="34" charset="0"/>
+              </a:rPr>
+              <a:t> </a:t>
+            </a:r>
+            <a:r>
+              <a:rPr lang="en-US" sz="2400" i="1" dirty="0" smtClean="0">
+                <a:latin typeface="Arial" panose="020B0604020202020204" pitchFamily="34" charset="0"/>
+              </a:rPr>
+              <a:t>additive</a:t>
+            </a:r>
+            <a:endParaRPr lang="en-US" sz="2400" i="1" dirty="0">
+              <a:latin typeface="Arial" panose="020B0604020202020204" pitchFamily="34" charset="0"/>
+            </a:endParaRPr>
+          </a:p>
+        </p:txBody>
+      </p:sp>
+      <p:pic>
+        <p:nvPicPr>
+          <p:cNvPr id="4" name="Picture 11" descr="colorcube"/>
+          <p:cNvPicPr>
+            <a:picLocks noChangeAspect="1" noChangeArrowheads="1"/>
+          </p:cNvPicPr>
+          <p:nvPr/>
+        </p:nvPicPr>
+        <p:blipFill>
+          <a:blip r:embed="rId2">
+            <a:extLst>
+              <a:ext uri="{28A0092B-C50C-407E-A947-70E740481C1C}">
+                <a14:useLocalDpi xmlns:a14="http://schemas.microsoft.com/office/drawing/2010/main" val="0"/>
+              </a:ext>
+            </a:extLst>
+          </a:blip>
+          <a:srcRect/>
+          <a:stretch>
+            <a:fillRect/>
+          </a:stretch>
+        </p:blipFill>
+        <p:spPr bwMode="auto">
+          <a:xfrm>
+            <a:off x="7264333" y="3735671"/>
+            <a:ext cx="4432300" cy="2997200"/>
+          </a:xfrm>
+          <a:prstGeom prst="rect">
+            <a:avLst/>
+          </a:prstGeom>
+          <a:noFill/>
+          <a:extLst>
+            <a:ext uri="{909E8E84-426E-40DD-AFC4-6F175D3DCCD1}">
+              <a14:hiddenFill xmlns:a14="http://schemas.microsoft.com/office/drawing/2010/main">
+                <a:solidFill>
+                  <a:srgbClr val="FFFFFF"/>
+                </a:solidFill>
+              </a14:hiddenFill>
+            </a:ext>
+          </a:extLst>
+        </p:spPr>
+      </p:pic>
+    </p:spTree>
+    <p:extLst>
+      <p:ext uri="{BB962C8B-B14F-4D97-AF65-F5344CB8AC3E}">
+        <p14:creationId xmlns:p14="http://schemas.microsoft.com/office/powerpoint/2010/main" val="3531279991"/>
+      </p:ext>
+    </p:extLst>
+  </p:cSld>
+  <p:clrMapOvr>
+    <a:masterClrMapping/>
+  </p:clrMapOvr>
+</p:sld>
+</file>
+
+<file path=ppt/slides/slide5.xml><?xml version="1.0" encoding="utf-8"?>
+<p:sld xmlns:a="http://schemas.openxmlformats.org/drawingml/2006/main" xmlns:r="http://schemas.openxmlformats.org/officeDocument/2006/relationships" xmlns:p="http://schemas.openxmlformats.org/presentationml/2006/main">
+  <p:cSld>
+    <p:spTree>
+      <p:nvGrpSpPr>
+        <p:cNvPr id="1" name=""/>
+        <p:cNvGrpSpPr/>
+        <p:nvPr/>
+      </p:nvGrpSpPr>
+      <p:grpSpPr>
+        <a:xfrm>
+          <a:off x="0" y="0"/>
+          <a:ext cx="0" cy="0"/>
+          <a:chOff x="0" y="0"/>
+          <a:chExt cx="0" cy="0"/>
+        </a:xfrm>
+      </p:grpSpPr>
+      <p:sp>
+        <p:nvSpPr>
+          <p:cNvPr id="2" name="Title 1"/>
+          <p:cNvSpPr>
+            <a:spLocks noGrp="1"/>
+          </p:cNvSpPr>
+          <p:nvPr>
+            <p:ph type="title"/>
+          </p:nvPr>
+        </p:nvSpPr>
+        <p:spPr/>
+        <p:txBody>
+          <a:bodyPr/>
+          <a:lstStyle/>
+          <a:p>
+            <a:r>
+              <a:rPr lang="en-US" dirty="0" err="1" smtClean="0"/>
+              <a:t>Contoh</a:t>
+            </a:r>
+            <a:r>
+              <a:rPr lang="en-US" dirty="0" smtClean="0"/>
+              <a:t> Color Modes </a:t>
+            </a:r>
+            <a:r>
+              <a:rPr lang="en-US" b="1" dirty="0" smtClean="0"/>
+              <a:t>RGB</a:t>
+            </a:r>
+            <a:endParaRPr lang="en-US" b="1" dirty="0"/>
+          </a:p>
+        </p:txBody>
+      </p:sp>
+      <p:pic>
+        <p:nvPicPr>
+          <p:cNvPr id="3" name="Picture 13" descr="RGB red"/>
+          <p:cNvPicPr>
+            <a:picLocks noChangeAspect="1" noChangeArrowheads="1"/>
+          </p:cNvPicPr>
+          <p:nvPr/>
+        </p:nvPicPr>
+        <p:blipFill>
+          <a:blip r:embed="rId2">
+            <a:extLst>
+              <a:ext uri="{28A0092B-C50C-407E-A947-70E740481C1C}">
+                <a14:useLocalDpi xmlns:a14="http://schemas.microsoft.com/office/drawing/2010/main" val="0"/>
+              </a:ext>
+            </a:extLst>
+          </a:blip>
+          <a:srcRect/>
+          <a:stretch>
+            <a:fillRect/>
+          </a:stretch>
+        </p:blipFill>
+        <p:spPr bwMode="auto">
+          <a:xfrm>
+            <a:off x="1680561" y="1543351"/>
+            <a:ext cx="2593975" cy="1897063"/>
+          </a:xfrm>
+          <a:prstGeom prst="rect">
+            <a:avLst/>
+          </a:prstGeom>
+          <a:noFill/>
+          <a:extLst>
+            <a:ext uri="{909E8E84-426E-40DD-AFC4-6F175D3DCCD1}">
+              <a14:hiddenFill xmlns:a14="http://schemas.microsoft.com/office/drawing/2010/main">
+                <a:solidFill>
+                  <a:srgbClr val="FFFFFF"/>
+                </a:solidFill>
+              </a14:hiddenFill>
+            </a:ext>
+          </a:extLst>
+        </p:spPr>
+      </p:pic>
+      <p:pic>
+        <p:nvPicPr>
+          <p:cNvPr id="4" name="Picture 14" descr="RGB green"/>
+          <p:cNvPicPr>
+            <a:picLocks noChangeAspect="1" noChangeArrowheads="1"/>
+          </p:cNvPicPr>
+          <p:nvPr/>
+        </p:nvPicPr>
+        <p:blipFill>
+          <a:blip r:embed="rId3">
+            <a:extLst>
+              <a:ext uri="{28A0092B-C50C-407E-A947-70E740481C1C}">
+                <a14:useLocalDpi xmlns:a14="http://schemas.microsoft.com/office/drawing/2010/main" val="0"/>
+              </a:ext>
+            </a:extLst>
+          </a:blip>
+          <a:srcRect/>
+          <a:stretch>
+            <a:fillRect/>
+          </a:stretch>
+        </p:blipFill>
+        <p:spPr bwMode="auto">
+          <a:xfrm>
+            <a:off x="4290411" y="1521126"/>
+            <a:ext cx="2606675" cy="1943100"/>
+          </a:xfrm>
+          <a:prstGeom prst="rect">
+            <a:avLst/>
+          </a:prstGeom>
+          <a:noFill/>
+          <a:extLst>
+            <a:ext uri="{909E8E84-426E-40DD-AFC4-6F175D3DCCD1}">
+              <a14:hiddenFill xmlns:a14="http://schemas.microsoft.com/office/drawing/2010/main">
+                <a:solidFill>
+                  <a:srgbClr val="FFFFFF"/>
+                </a:solidFill>
+              </a14:hiddenFill>
+            </a:ext>
+          </a:extLst>
+        </p:spPr>
+      </p:pic>
+      <p:pic>
+        <p:nvPicPr>
+          <p:cNvPr id="5" name="Picture 15" descr="RGB blue"/>
+          <p:cNvPicPr>
+            <a:picLocks noChangeAspect="1" noChangeArrowheads="1"/>
+          </p:cNvPicPr>
+          <p:nvPr/>
+        </p:nvPicPr>
+        <p:blipFill>
+          <a:blip r:embed="rId4">
+            <a:extLst>
+              <a:ext uri="{28A0092B-C50C-407E-A947-70E740481C1C}">
+                <a14:useLocalDpi xmlns:a14="http://schemas.microsoft.com/office/drawing/2010/main" val="0"/>
+              </a:ext>
+            </a:extLst>
+          </a:blip>
+          <a:srcRect/>
+          <a:stretch>
+            <a:fillRect/>
+          </a:stretch>
+        </p:blipFill>
+        <p:spPr bwMode="auto">
+          <a:xfrm>
+            <a:off x="6863748" y="1525889"/>
+            <a:ext cx="2640013" cy="1931987"/>
+          </a:xfrm>
+          <a:prstGeom prst="rect">
+            <a:avLst/>
+          </a:prstGeom>
+          <a:noFill/>
+          <a:extLst>
+            <a:ext uri="{909E8E84-426E-40DD-AFC4-6F175D3DCCD1}">
+              <a14:hiddenFill xmlns:a14="http://schemas.microsoft.com/office/drawing/2010/main">
+                <a:solidFill>
+                  <a:srgbClr val="FFFFFF"/>
+                </a:solidFill>
+              </a14:hiddenFill>
+            </a:ext>
+          </a:extLst>
+        </p:spPr>
+      </p:pic>
+      <p:pic>
+        <p:nvPicPr>
+          <p:cNvPr id="6" name="Picture 16" descr="RGB full"/>
+          <p:cNvPicPr>
+            <a:picLocks noChangeAspect="1" noChangeArrowheads="1"/>
+          </p:cNvPicPr>
+          <p:nvPr/>
+        </p:nvPicPr>
+        <p:blipFill>
+          <a:blip r:embed="rId5">
+            <a:extLst>
+              <a:ext uri="{28A0092B-C50C-407E-A947-70E740481C1C}">
+                <a14:useLocalDpi xmlns:a14="http://schemas.microsoft.com/office/drawing/2010/main" val="0"/>
+              </a:ext>
+            </a:extLst>
+          </a:blip>
+          <a:srcRect/>
+          <a:stretch>
+            <a:fillRect/>
+          </a:stretch>
+        </p:blipFill>
+        <p:spPr bwMode="auto">
+          <a:xfrm>
+            <a:off x="4309461" y="4126214"/>
+            <a:ext cx="2617787" cy="1965325"/>
+          </a:xfrm>
+          <a:prstGeom prst="rect">
+            <a:avLst/>
+          </a:prstGeom>
+          <a:noFill/>
+          <a:extLst>
+            <a:ext uri="{909E8E84-426E-40DD-AFC4-6F175D3DCCD1}">
+              <a14:hiddenFill xmlns:a14="http://schemas.microsoft.com/office/drawing/2010/main">
+                <a:solidFill>
+                  <a:srgbClr val="FFFFFF"/>
+                </a:solidFill>
+              </a14:hiddenFill>
+            </a:ext>
+          </a:extLst>
+        </p:spPr>
+      </p:pic>
+      <p:sp>
+        <p:nvSpPr>
+          <p:cNvPr id="7" name="TextBox 6"/>
+          <p:cNvSpPr txBox="1"/>
+          <p:nvPr/>
+        </p:nvSpPr>
+        <p:spPr>
+          <a:xfrm>
+            <a:off x="4713036" y="6091539"/>
+            <a:ext cx="1761423" cy="369332"/>
+          </a:xfrm>
+          <a:prstGeom prst="rect">
+            <a:avLst/>
+          </a:prstGeom>
+          <a:noFill/>
+        </p:spPr>
+        <p:txBody>
+          <a:bodyPr wrap="square" rtlCol="0">
+            <a:spAutoFit/>
+          </a:bodyPr>
+          <a:lstStyle/>
+          <a:p>
+            <a:pPr algn="ctr"/>
+            <a:r>
+              <a:rPr lang="en-US" dirty="0" smtClean="0"/>
+              <a:t>Citra </a:t>
+            </a:r>
+            <a:r>
+              <a:rPr lang="en-US" dirty="0" err="1" smtClean="0"/>
+              <a:t>Asli</a:t>
+            </a:r>
+            <a:endParaRPr lang="en-US" dirty="0"/>
+          </a:p>
+        </p:txBody>
+      </p:sp>
+    </p:spTree>
+    <p:extLst>
+      <p:ext uri="{BB962C8B-B14F-4D97-AF65-F5344CB8AC3E}">
+        <p14:creationId xmlns:p14="http://schemas.microsoft.com/office/powerpoint/2010/main" val="717116189"/>
+      </p:ext>
+    </p:extLst>
+  </p:cSld>
+  <p:clrMapOvr>
+    <a:masterClrMapping/>
+  </p:clrMapOvr>
+</p:sld>
+</file>
+
+<file path=ppt/slides/slide6.xml><?xml version="1.0" encoding="utf-8"?>
+<p:sld xmlns:a="http://schemas.openxmlformats.org/drawingml/2006/main" xmlns:r="http://schemas.openxmlformats.org/officeDocument/2006/relationships" xmlns:p="http://schemas.openxmlformats.org/presentationml/2006/main">
+  <p:cSld>
+    <p:spTree>
+      <p:nvGrpSpPr>
+        <p:cNvPr id="1" name=""/>
+        <p:cNvGrpSpPr/>
+        <p:nvPr/>
+      </p:nvGrpSpPr>
+      <p:grpSpPr>
+        <a:xfrm>
+          <a:off x="0" y="0"/>
+          <a:ext cx="0" cy="0"/>
+          <a:chOff x="0" y="0"/>
+          <a:chExt cx="0" cy="0"/>
+        </a:xfrm>
+      </p:grpSpPr>
+      <p:sp>
+        <p:nvSpPr>
+          <p:cNvPr id="2" name="Title 1"/>
+          <p:cNvSpPr>
+            <a:spLocks noGrp="1"/>
+          </p:cNvSpPr>
+          <p:nvPr>
+            <p:ph type="title"/>
+          </p:nvPr>
+        </p:nvSpPr>
+        <p:spPr/>
+        <p:txBody>
+          <a:bodyPr/>
+          <a:lstStyle/>
+          <a:p>
+            <a:r>
+              <a:rPr lang="en-US" sz="5400" b="1" dirty="0">
+                <a:latin typeface="Arial" panose="020B0604020202020204" pitchFamily="34" charset="0"/>
+              </a:rPr>
+              <a:t>RGB </a:t>
+            </a:r>
+            <a:r>
+              <a:rPr lang="en-US" b="1" dirty="0">
+                <a:latin typeface="Arial" panose="020B0604020202020204" pitchFamily="34" charset="0"/>
+              </a:rPr>
+              <a:t>all-systems-safe 216 colors</a:t>
+            </a:r>
+            <a:endParaRPr lang="en-US" dirty="0"/>
+          </a:p>
+        </p:txBody>
+      </p:sp>
+      <p:sp>
+        <p:nvSpPr>
+          <p:cNvPr id="3" name="Rectangle 10"/>
+          <p:cNvSpPr txBox="1">
+            <a:spLocks noChangeArrowheads="1"/>
+          </p:cNvSpPr>
+          <p:nvPr/>
+        </p:nvSpPr>
+        <p:spPr>
+          <a:xfrm>
+            <a:off x="435542" y="1551589"/>
+            <a:ext cx="9863489" cy="1682499"/>
+          </a:xfrm>
+          <a:prstGeom prst="rect">
+            <a:avLst/>
+          </a:prstGeom>
+          <a:solidFill>
+            <a:schemeClr val="bg1"/>
+          </a:solidFill>
+          <a:ln/>
+        </p:spPr>
+        <p:txBody>
+          <a:bodyPr/>
+          <a:lstStyle>
+            <a:lvl1pPr marL="228600" indent="-228600" algn="l" defTabSz="914400" rtl="0" eaLnBrk="1" latinLnBrk="0" hangingPunct="1">
+              <a:lnSpc>
+                <a:spcPct val="90000"/>
+              </a:lnSpc>
+              <a:spcBef>
+                <a:spcPct val="30000"/>
+              </a:spcBef>
+              <a:buFont typeface="Arial" panose="020B0604020202020204" pitchFamily="34" charset="0"/>
+              <a:buChar char="•"/>
+              <a:defRPr sz="2800" kern="1200">
+                <a:solidFill>
+                  <a:schemeClr val="tx1"/>
+                </a:solidFill>
+                <a:latin typeface="+mn-lt"/>
+                <a:ea typeface="+mn-ea"/>
+                <a:cs typeface="+mn-cs"/>
+              </a:defRPr>
+            </a:lvl1pPr>
+            <a:lvl2pPr marL="685800" indent="-228600" algn="l" defTabSz="914400" rtl="0" eaLnBrk="1" latinLnBrk="0" hangingPunct="1">
+              <a:lnSpc>
+                <a:spcPct val="90000"/>
+              </a:lnSpc>
+              <a:spcBef>
+                <a:spcPct val="30000"/>
+              </a:spcBef>
+              <a:buFont typeface="Arial" panose="020B0604020202020204" pitchFamily="34" charset="0"/>
+              <a:buChar char="•"/>
+              <a:defRPr sz="2400" kern="1200">
+                <a:solidFill>
+                  <a:schemeClr val="tx1"/>
+                </a:solidFill>
+                <a:latin typeface="+mn-lt"/>
+                <a:ea typeface="+mn-ea"/>
+                <a:cs typeface="+mn-cs"/>
+              </a:defRPr>
+            </a:lvl2pPr>
+            <a:lvl3pPr marL="1143000" indent="-228600" algn="l" defTabSz="914400" rtl="0" eaLnBrk="1" latinLnBrk="0" hangingPunct="1">
+              <a:lnSpc>
+                <a:spcPct val="90000"/>
+              </a:lnSpc>
+              <a:spcBef>
+                <a:spcPct val="30000"/>
+              </a:spcBef>
+              <a:buFont typeface="Arial" panose="020B0604020202020204" pitchFamily="34" charset="0"/>
+              <a:buChar char="•"/>
+              <a:defRPr sz="2000" kern="1200">
+                <a:solidFill>
+                  <a:schemeClr val="tx1"/>
+                </a:solidFill>
+                <a:latin typeface="+mn-lt"/>
+                <a:ea typeface="+mn-ea"/>
+                <a:cs typeface="+mn-cs"/>
+              </a:defRPr>
+            </a:lvl3pPr>
+            <a:lvl4pPr marL="1600200" indent="-228600" algn="l" defTabSz="914400" rtl="0" eaLnBrk="1" latinLnBrk="0" hangingPunct="1">
+              <a:lnSpc>
+                <a:spcPct val="90000"/>
+              </a:lnSpc>
+              <a:spcBef>
+                <a:spcPct val="30000"/>
+              </a:spcBef>
+              <a:buFont typeface="Arial" panose="020B0604020202020204" pitchFamily="34" charset="0"/>
+              <a:buChar char="•"/>
+              <a:defRPr sz="1800" kern="1200">
+                <a:solidFill>
+                  <a:schemeClr val="tx1"/>
+                </a:solidFill>
+                <a:latin typeface="+mn-lt"/>
+                <a:ea typeface="+mn-ea"/>
+                <a:cs typeface="+mn-cs"/>
+              </a:defRPr>
+            </a:lvl4pPr>
+            <a:lvl5pPr marL="2057400" indent="-228600" algn="l" defTabSz="914400" rtl="0" eaLnBrk="1" latinLnBrk="0" hangingPunct="1">
+              <a:lnSpc>
+                <a:spcPct val="90000"/>
+              </a:lnSpc>
+              <a:spcBef>
+                <a:spcPct val="30000"/>
+              </a:spcBef>
+              <a:buFont typeface="Arial" panose="020B0604020202020204" pitchFamily="34" charset="0"/>
+              <a:buChar char="•"/>
+              <a:defRPr sz="1800" kern="1200">
+                <a:solidFill>
+                  <a:schemeClr val="tx1"/>
+                </a:solidFill>
+                <a:latin typeface="+mn-lt"/>
+                <a:ea typeface="+mn-ea"/>
+                <a:cs typeface="+mn-cs"/>
+              </a:defRPr>
+            </a:lvl5pPr>
+            <a:lvl6pPr marL="2514600" indent="-228600" algn="l" defTabSz="914400" rtl="0" eaLnBrk="1" latinLnBrk="0" hangingPunct="1">
+              <a:lnSpc>
+                <a:spcPct val="90000"/>
+              </a:lnSpc>
+              <a:spcBef>
+                <a:spcPct val="30000"/>
+              </a:spcBef>
+              <a:buFont typeface="Arial" panose="020B0604020202020204" pitchFamily="34" charset="0"/>
+              <a:buChar char="•"/>
+              <a:defRPr sz="1800" kern="1200">
+                <a:solidFill>
+                  <a:schemeClr val="tx1"/>
+                </a:solidFill>
+                <a:latin typeface="+mn-lt"/>
+                <a:ea typeface="+mn-ea"/>
+                <a:cs typeface="+mn-cs"/>
+              </a:defRPr>
+            </a:lvl6pPr>
+            <a:lvl7pPr marL="2971800" indent="-228600" algn="l" defTabSz="914400" rtl="0" eaLnBrk="1" latinLnBrk="0" hangingPunct="1">
+              <a:lnSpc>
+                <a:spcPct val="90000"/>
+              </a:lnSpc>
+              <a:spcBef>
+                <a:spcPct val="30000"/>
+              </a:spcBef>
+              <a:buFont typeface="Arial" panose="020B0604020202020204" pitchFamily="34" charset="0"/>
+              <a:buChar char="•"/>
+              <a:defRPr sz="1800" kern="1200">
+                <a:solidFill>
+                  <a:schemeClr val="tx1"/>
+                </a:solidFill>
+                <a:latin typeface="+mn-lt"/>
+                <a:ea typeface="+mn-ea"/>
+                <a:cs typeface="+mn-cs"/>
+              </a:defRPr>
+            </a:lvl7pPr>
+            <a:lvl8pPr marL="3429000" indent="-228600" algn="l" defTabSz="914400" rtl="0" eaLnBrk="1" latinLnBrk="0" hangingPunct="1">
+              <a:lnSpc>
+                <a:spcPct val="90000"/>
+              </a:lnSpc>
+              <a:spcBef>
+                <a:spcPct val="30000"/>
+              </a:spcBef>
+              <a:buFont typeface="Arial" panose="020B0604020202020204" pitchFamily="34" charset="0"/>
+              <a:buChar char="•"/>
+              <a:defRPr sz="1800" kern="1200">
+                <a:solidFill>
+                  <a:schemeClr val="tx1"/>
+                </a:solidFill>
+                <a:latin typeface="+mn-lt"/>
+                <a:ea typeface="+mn-ea"/>
+                <a:cs typeface="+mn-cs"/>
+              </a:defRPr>
+            </a:lvl8pPr>
+            <a:lvl9pPr marL="3886200" indent="-228600" algn="l" defTabSz="914400" rtl="0" eaLnBrk="1" latinLnBrk="0" hangingPunct="1">
+              <a:lnSpc>
+                <a:spcPct val="90000"/>
+              </a:lnSpc>
+              <a:spcBef>
+                <a:spcPct val="30000"/>
+              </a:spcBef>
+              <a:buFont typeface="Arial" panose="020B0604020202020204" pitchFamily="34" charset="0"/>
+              <a:buChar char="•"/>
+              <a:defRPr sz="1800" kern="1200">
+                <a:solidFill>
+                  <a:schemeClr val="tx1"/>
+                </a:solidFill>
+                <a:latin typeface="+mn-lt"/>
+                <a:ea typeface="+mn-ea"/>
+                <a:cs typeface="+mn-cs"/>
+              </a:defRPr>
+            </a:lvl9pPr>
+          </a:lstStyle>
+          <a:p>
+            <a:r>
+              <a:rPr lang="en-US" sz="2400" dirty="0" err="1" smtClean="0">
+                <a:latin typeface="Arial" panose="020B0604020202020204" pitchFamily="34" charset="0"/>
+              </a:rPr>
+              <a:t>Standarisasi</a:t>
+            </a:r>
+            <a:r>
+              <a:rPr lang="en-US" sz="2400" dirty="0" smtClean="0">
+                <a:latin typeface="Arial" panose="020B0604020202020204" pitchFamily="34" charset="0"/>
+              </a:rPr>
+              <a:t> </a:t>
+            </a:r>
+            <a:r>
+              <a:rPr lang="en-US" sz="2400" dirty="0" err="1" smtClean="0">
+                <a:latin typeface="Arial" panose="020B0604020202020204" pitchFamily="34" charset="0"/>
+              </a:rPr>
+              <a:t>karena</a:t>
+            </a:r>
+            <a:r>
+              <a:rPr lang="en-US" sz="2400" dirty="0" smtClean="0">
+                <a:latin typeface="Arial" panose="020B0604020202020204" pitchFamily="34" charset="0"/>
+              </a:rPr>
+              <a:t> </a:t>
+            </a:r>
+            <a:r>
+              <a:rPr lang="en-US" sz="2400" dirty="0" err="1" smtClean="0">
+                <a:latin typeface="Arial" panose="020B0604020202020204" pitchFamily="34" charset="0"/>
+              </a:rPr>
+              <a:t>masih</a:t>
+            </a:r>
+            <a:r>
+              <a:rPr lang="en-US" sz="2400" dirty="0" smtClean="0">
+                <a:latin typeface="Arial" panose="020B0604020202020204" pitchFamily="34" charset="0"/>
+              </a:rPr>
+              <a:t> </a:t>
+            </a:r>
+            <a:r>
+              <a:rPr lang="en-US" sz="2400" dirty="0" err="1" smtClean="0">
+                <a:latin typeface="Arial" panose="020B0604020202020204" pitchFamily="34" charset="0"/>
+              </a:rPr>
+              <a:t>banyak</a:t>
+            </a:r>
+            <a:r>
+              <a:rPr lang="en-US" sz="2400" dirty="0" smtClean="0">
+                <a:latin typeface="Arial" panose="020B0604020202020204" pitchFamily="34" charset="0"/>
+              </a:rPr>
+              <a:t> </a:t>
+            </a:r>
+            <a:r>
+              <a:rPr lang="en-US" sz="2400" dirty="0" err="1" smtClean="0">
+                <a:latin typeface="Arial" panose="020B0604020202020204" pitchFamily="34" charset="0"/>
+              </a:rPr>
+              <a:t>sistem</a:t>
+            </a:r>
+            <a:r>
+              <a:rPr lang="en-US" sz="2400" dirty="0" smtClean="0">
+                <a:latin typeface="Arial" panose="020B0604020202020204" pitchFamily="34" charset="0"/>
+              </a:rPr>
+              <a:t> yang </a:t>
+            </a:r>
+            <a:r>
+              <a:rPr lang="en-US" sz="2400" dirty="0" err="1" smtClean="0">
+                <a:latin typeface="Arial" panose="020B0604020202020204" pitchFamily="34" charset="0"/>
+              </a:rPr>
+              <a:t>tidak</a:t>
+            </a:r>
+            <a:r>
+              <a:rPr lang="en-US" sz="2400" dirty="0" smtClean="0">
+                <a:latin typeface="Arial" panose="020B0604020202020204" pitchFamily="34" charset="0"/>
+              </a:rPr>
+              <a:t> </a:t>
+            </a:r>
+            <a:r>
+              <a:rPr lang="en-US" sz="2400" dirty="0" err="1" smtClean="0">
+                <a:latin typeface="Arial" panose="020B0604020202020204" pitchFamily="34" charset="0"/>
+              </a:rPr>
+              <a:t>bisa</a:t>
+            </a:r>
+            <a:r>
+              <a:rPr lang="en-US" sz="2400" dirty="0" smtClean="0">
+                <a:latin typeface="Arial" panose="020B0604020202020204" pitchFamily="34" charset="0"/>
+              </a:rPr>
+              <a:t> </a:t>
+            </a:r>
+            <a:r>
+              <a:rPr lang="en-US" sz="2400" dirty="0" err="1" smtClean="0">
+                <a:latin typeface="Arial" panose="020B0604020202020204" pitchFamily="34" charset="0"/>
+              </a:rPr>
+              <a:t>menampilkan</a:t>
+            </a:r>
+            <a:r>
+              <a:rPr lang="en-US" sz="2400" dirty="0" smtClean="0">
+                <a:latin typeface="Arial" panose="020B0604020202020204" pitchFamily="34" charset="0"/>
+              </a:rPr>
+              <a:t> 16-juta </a:t>
+            </a:r>
+            <a:r>
+              <a:rPr lang="en-US" sz="2400" dirty="0" err="1" smtClean="0">
+                <a:latin typeface="Arial" panose="020B0604020202020204" pitchFamily="34" charset="0"/>
+              </a:rPr>
+              <a:t>warna</a:t>
+            </a:r>
+            <a:endParaRPr lang="en-US" sz="2400" dirty="0" smtClean="0">
+              <a:latin typeface="Arial" panose="020B0604020202020204" pitchFamily="34" charset="0"/>
+            </a:endParaRPr>
+          </a:p>
+          <a:p>
+            <a:r>
+              <a:rPr lang="en-US" sz="2400" dirty="0" err="1" smtClean="0">
+                <a:latin typeface="Arial" panose="020B0604020202020204" pitchFamily="34" charset="0"/>
+              </a:rPr>
+              <a:t>Hanya</a:t>
+            </a:r>
+            <a:r>
+              <a:rPr lang="en-US" sz="2400" dirty="0" smtClean="0">
+                <a:latin typeface="Arial" panose="020B0604020202020204" pitchFamily="34" charset="0"/>
+              </a:rPr>
+              <a:t> </a:t>
+            </a:r>
+            <a:r>
+              <a:rPr lang="en-US" sz="2400" dirty="0" err="1" smtClean="0">
+                <a:latin typeface="Arial" panose="020B0604020202020204" pitchFamily="34" charset="0"/>
+              </a:rPr>
+              <a:t>kombinasi</a:t>
+            </a:r>
+            <a:r>
+              <a:rPr lang="en-US" sz="2400" dirty="0" smtClean="0">
+                <a:latin typeface="Arial" panose="020B0604020202020204" pitchFamily="34" charset="0"/>
+              </a:rPr>
+              <a:t> RGB </a:t>
+            </a:r>
+            <a:r>
+              <a:rPr lang="en-US" sz="2400" dirty="0" err="1" smtClean="0">
+                <a:latin typeface="Arial" panose="020B0604020202020204" pitchFamily="34" charset="0"/>
+              </a:rPr>
+              <a:t>dengan</a:t>
+            </a:r>
+            <a:r>
+              <a:rPr lang="en-US" sz="2400" dirty="0" smtClean="0">
+                <a:latin typeface="Arial" panose="020B0604020202020204" pitchFamily="34" charset="0"/>
+              </a:rPr>
+              <a:t> </a:t>
+            </a:r>
+            <a:r>
+              <a:rPr lang="en-US" sz="2400" dirty="0" err="1" smtClean="0">
+                <a:latin typeface="Arial" panose="020B0604020202020204" pitchFamily="34" charset="0"/>
+              </a:rPr>
+              <a:t>nilai</a:t>
+            </a:r>
+            <a:r>
+              <a:rPr lang="en-US" sz="2400" dirty="0" smtClean="0">
+                <a:latin typeface="Arial" panose="020B0604020202020204" pitchFamily="34" charset="0"/>
+              </a:rPr>
+              <a:t>  {00,33,66,99,CC,FF} yang </a:t>
+            </a:r>
+            <a:r>
+              <a:rPr lang="en-US" sz="2400" dirty="0" err="1" smtClean="0">
+                <a:latin typeface="Arial" panose="020B0604020202020204" pitchFamily="34" charset="0"/>
+              </a:rPr>
+              <a:t>diperbolehkan</a:t>
+            </a:r>
+            <a:endParaRPr lang="en-US" sz="2400" i="1" dirty="0">
+              <a:latin typeface="Arial" panose="020B0604020202020204" pitchFamily="34" charset="0"/>
+            </a:endParaRPr>
+          </a:p>
+        </p:txBody>
+      </p:sp>
+      <p:pic>
+        <p:nvPicPr>
+          <p:cNvPr id="4" name="Picture 12" descr="safe216"/>
+          <p:cNvPicPr>
+            <a:picLocks noChangeAspect="1" noChangeArrowheads="1"/>
+          </p:cNvPicPr>
+          <p:nvPr/>
+        </p:nvPicPr>
+        <p:blipFill>
+          <a:blip r:embed="rId2">
+            <a:extLst>
+              <a:ext uri="{28A0092B-C50C-407E-A947-70E740481C1C}">
+                <a14:useLocalDpi xmlns:a14="http://schemas.microsoft.com/office/drawing/2010/main" val="0"/>
+              </a:ext>
+            </a:extLst>
+          </a:blip>
+          <a:srcRect/>
+          <a:stretch>
+            <a:fillRect/>
+          </a:stretch>
+        </p:blipFill>
+        <p:spPr bwMode="auto">
+          <a:xfrm>
+            <a:off x="2985402" y="3234088"/>
+            <a:ext cx="3408363" cy="3094037"/>
+          </a:xfrm>
+          <a:prstGeom prst="rect">
+            <a:avLst/>
+          </a:prstGeom>
+          <a:noFill/>
+          <a:extLst>
+            <a:ext uri="{909E8E84-426E-40DD-AFC4-6F175D3DCCD1}">
+              <a14:hiddenFill xmlns:a14="http://schemas.microsoft.com/office/drawing/2010/main">
+                <a:solidFill>
+                  <a:srgbClr val="FFFFFF"/>
+                </a:solidFill>
+              </a14:hiddenFill>
+            </a:ext>
+          </a:extLst>
+        </p:spPr>
+      </p:pic>
+      <p:pic>
+        <p:nvPicPr>
+          <p:cNvPr id="5" name="Picture 13" descr="safebox"/>
+          <p:cNvPicPr>
+            <a:picLocks noChangeAspect="1" noChangeArrowheads="1"/>
+          </p:cNvPicPr>
+          <p:nvPr/>
+        </p:nvPicPr>
+        <p:blipFill>
+          <a:blip r:embed="rId3">
+            <a:extLst>
+              <a:ext uri="{28A0092B-C50C-407E-A947-70E740481C1C}">
+                <a14:useLocalDpi xmlns:a14="http://schemas.microsoft.com/office/drawing/2010/main" val="0"/>
+              </a:ext>
+            </a:extLst>
+          </a:blip>
+          <a:srcRect/>
+          <a:stretch>
+            <a:fillRect/>
+          </a:stretch>
+        </p:blipFill>
+        <p:spPr bwMode="auto">
+          <a:xfrm>
+            <a:off x="7328802" y="4016725"/>
+            <a:ext cx="2000250" cy="1668463"/>
+          </a:xfrm>
+          <a:prstGeom prst="rect">
+            <a:avLst/>
+          </a:prstGeom>
+          <a:noFill/>
+          <a:extLst>
+            <a:ext uri="{909E8E84-426E-40DD-AFC4-6F175D3DCCD1}">
+              <a14:hiddenFill xmlns:a14="http://schemas.microsoft.com/office/drawing/2010/main">
+                <a:solidFill>
+                  <a:srgbClr val="FFFFFF"/>
+                </a:solidFill>
+              </a14:hiddenFill>
+            </a:ext>
+          </a:extLst>
+        </p:spPr>
+      </p:pic>
+    </p:spTree>
+    <p:extLst>
+      <p:ext uri="{BB962C8B-B14F-4D97-AF65-F5344CB8AC3E}">
+        <p14:creationId xmlns:p14="http://schemas.microsoft.com/office/powerpoint/2010/main" val="2532238505"/>
+      </p:ext>
+    </p:extLst>
+  </p:cSld>
+  <p:clrMapOvr>
+    <a:masterClrMapping/>
+  </p:clrMapOvr>
+</p:sld>
+</file>
+
+<file path=ppt/slides/slide7.xml><?xml version="1.0" encoding="utf-8"?>
+<p:sld xmlns:a="http://schemas.openxmlformats.org/drawingml/2006/main" xmlns:r="http://schemas.openxmlformats.org/officeDocument/2006/relationships" xmlns:p="http://schemas.openxmlformats.org/presentationml/2006/main">
+  <p:cSld>
+    <p:spTree>
+      <p:nvGrpSpPr>
+        <p:cNvPr id="1" name=""/>
+        <p:cNvGrpSpPr/>
+        <p:nvPr/>
+      </p:nvGrpSpPr>
+      <p:grpSpPr>
+        <a:xfrm>
+          <a:off x="0" y="0"/>
+          <a:ext cx="0" cy="0"/>
+          <a:chOff x="0" y="0"/>
+          <a:chExt cx="0" cy="0"/>
+        </a:xfrm>
+      </p:grpSpPr>
+      <p:sp>
+        <p:nvSpPr>
+          <p:cNvPr id="2" name="Title 1"/>
+          <p:cNvSpPr>
+            <a:spLocks noGrp="1"/>
+          </p:cNvSpPr>
+          <p:nvPr>
+            <p:ph type="title"/>
+          </p:nvPr>
+        </p:nvSpPr>
+        <p:spPr/>
+        <p:txBody>
+          <a:bodyPr/>
+          <a:lstStyle/>
+          <a:p>
+            <a:r>
+              <a:rPr lang="en-US" b="1" dirty="0" smtClean="0">
+                <a:latin typeface="Arial" panose="020B0604020202020204" pitchFamily="34" charset="0"/>
+              </a:rPr>
+              <a:t>Color models CMYK</a:t>
+            </a:r>
+            <a:endParaRPr lang="en-US" dirty="0"/>
+          </a:p>
+        </p:txBody>
+      </p:sp>
+      <p:sp>
+        <p:nvSpPr>
+          <p:cNvPr id="3" name="Rectangle 21"/>
+          <p:cNvSpPr txBox="1">
+            <a:spLocks noChangeArrowheads="1"/>
+          </p:cNvSpPr>
+          <p:nvPr/>
+        </p:nvSpPr>
+        <p:spPr>
+          <a:xfrm>
+            <a:off x="685800" y="1493838"/>
+            <a:ext cx="8077200" cy="2524125"/>
+          </a:xfrm>
+          <a:prstGeom prst="rect">
+            <a:avLst/>
+          </a:prstGeom>
+          <a:solidFill>
+            <a:schemeClr val="bg1"/>
+          </a:solidFill>
+          <a:ln/>
+        </p:spPr>
+        <p:txBody>
+          <a:bodyPr/>
+          <a:lstStyle>
+            <a:lvl1pPr marL="228600" indent="-228600" algn="l" defTabSz="914400" rtl="0" eaLnBrk="1" latinLnBrk="0" hangingPunct="1">
+              <a:lnSpc>
+                <a:spcPct val="90000"/>
+              </a:lnSpc>
+              <a:spcBef>
+                <a:spcPct val="30000"/>
+              </a:spcBef>
+              <a:buFont typeface="Arial" panose="020B0604020202020204" pitchFamily="34" charset="0"/>
+              <a:buChar char="•"/>
+              <a:defRPr sz="2800" kern="1200">
+                <a:solidFill>
+                  <a:schemeClr val="tx1"/>
+                </a:solidFill>
+                <a:latin typeface="+mn-lt"/>
+                <a:ea typeface="+mn-ea"/>
+                <a:cs typeface="+mn-cs"/>
+              </a:defRPr>
+            </a:lvl1pPr>
+            <a:lvl2pPr marL="685800" indent="-228600" algn="l" defTabSz="914400" rtl="0" eaLnBrk="1" latinLnBrk="0" hangingPunct="1">
+              <a:lnSpc>
+                <a:spcPct val="90000"/>
+              </a:lnSpc>
+              <a:spcBef>
+                <a:spcPct val="30000"/>
+              </a:spcBef>
+              <a:buFont typeface="Arial" panose="020B0604020202020204" pitchFamily="34" charset="0"/>
+              <a:buChar char="•"/>
+              <a:defRPr sz="2400" kern="1200">
+                <a:solidFill>
+                  <a:schemeClr val="tx1"/>
+                </a:solidFill>
+                <a:latin typeface="+mn-lt"/>
+                <a:ea typeface="+mn-ea"/>
+                <a:cs typeface="+mn-cs"/>
+              </a:defRPr>
+            </a:lvl2pPr>
+            <a:lvl3pPr marL="1143000" indent="-228600" algn="l" defTabSz="914400" rtl="0" eaLnBrk="1" latinLnBrk="0" hangingPunct="1">
+              <a:lnSpc>
+                <a:spcPct val="90000"/>
+              </a:lnSpc>
+              <a:spcBef>
+                <a:spcPct val="30000"/>
+              </a:spcBef>
+              <a:buFont typeface="Arial" panose="020B0604020202020204" pitchFamily="34" charset="0"/>
+              <a:buChar char="•"/>
+              <a:defRPr sz="2000" kern="1200">
+                <a:solidFill>
+                  <a:schemeClr val="tx1"/>
+                </a:solidFill>
+                <a:latin typeface="+mn-lt"/>
+                <a:ea typeface="+mn-ea"/>
+                <a:cs typeface="+mn-cs"/>
+              </a:defRPr>
+            </a:lvl3pPr>
+            <a:lvl4pPr marL="1600200" indent="-228600" algn="l" defTabSz="914400" rtl="0" eaLnBrk="1" latinLnBrk="0" hangingPunct="1">
+              <a:lnSpc>
+                <a:spcPct val="90000"/>
+              </a:lnSpc>
+              <a:spcBef>
+                <a:spcPct val="30000"/>
+              </a:spcBef>
+              <a:buFont typeface="Arial" panose="020B0604020202020204" pitchFamily="34" charset="0"/>
+              <a:buChar char="•"/>
+              <a:defRPr sz="1800" kern="1200">
+                <a:solidFill>
+                  <a:schemeClr val="tx1"/>
+                </a:solidFill>
+                <a:latin typeface="+mn-lt"/>
+                <a:ea typeface="+mn-ea"/>
+                <a:cs typeface="+mn-cs"/>
+              </a:defRPr>
+            </a:lvl4pPr>
+            <a:lvl5pPr marL="2057400" indent="-228600" algn="l" defTabSz="914400" rtl="0" eaLnBrk="1" latinLnBrk="0" hangingPunct="1">
+              <a:lnSpc>
+                <a:spcPct val="90000"/>
+              </a:lnSpc>
+              <a:spcBef>
+                <a:spcPct val="30000"/>
+              </a:spcBef>
+              <a:buFont typeface="Arial" panose="020B0604020202020204" pitchFamily="34" charset="0"/>
+              <a:buChar char="•"/>
+              <a:defRPr sz="1800" kern="1200">
+                <a:solidFill>
+                  <a:schemeClr val="tx1"/>
+                </a:solidFill>
+                <a:latin typeface="+mn-lt"/>
+                <a:ea typeface="+mn-ea"/>
+                <a:cs typeface="+mn-cs"/>
+              </a:defRPr>
+            </a:lvl5pPr>
+            <a:lvl6pPr marL="2514600" indent="-228600" algn="l" defTabSz="914400" rtl="0" eaLnBrk="1" latinLnBrk="0" hangingPunct="1">
+              <a:lnSpc>
+                <a:spcPct val="90000"/>
+              </a:lnSpc>
+              <a:spcBef>
+                <a:spcPct val="30000"/>
+              </a:spcBef>
+              <a:buFont typeface="Arial" panose="020B0604020202020204" pitchFamily="34" charset="0"/>
+              <a:buChar char="•"/>
+              <a:defRPr sz="1800" kern="1200">
+                <a:solidFill>
+                  <a:schemeClr val="tx1"/>
+                </a:solidFill>
+                <a:latin typeface="+mn-lt"/>
+                <a:ea typeface="+mn-ea"/>
+                <a:cs typeface="+mn-cs"/>
+              </a:defRPr>
+            </a:lvl6pPr>
+            <a:lvl7pPr marL="2971800" indent="-228600" algn="l" defTabSz="914400" rtl="0" eaLnBrk="1" latinLnBrk="0" hangingPunct="1">
+              <a:lnSpc>
+                <a:spcPct val="90000"/>
+              </a:lnSpc>
+              <a:spcBef>
+                <a:spcPct val="30000"/>
+              </a:spcBef>
+              <a:buFont typeface="Arial" panose="020B0604020202020204" pitchFamily="34" charset="0"/>
+              <a:buChar char="•"/>
+              <a:defRPr sz="1800" kern="1200">
+                <a:solidFill>
+                  <a:schemeClr val="tx1"/>
+                </a:solidFill>
+                <a:latin typeface="+mn-lt"/>
+                <a:ea typeface="+mn-ea"/>
+                <a:cs typeface="+mn-cs"/>
+              </a:defRPr>
+            </a:lvl7pPr>
+            <a:lvl8pPr marL="3429000" indent="-228600" algn="l" defTabSz="914400" rtl="0" eaLnBrk="1" latinLnBrk="0" hangingPunct="1">
+              <a:lnSpc>
+                <a:spcPct val="90000"/>
+              </a:lnSpc>
+              <a:spcBef>
+                <a:spcPct val="30000"/>
+              </a:spcBef>
+              <a:buFont typeface="Arial" panose="020B0604020202020204" pitchFamily="34" charset="0"/>
+              <a:buChar char="•"/>
+              <a:defRPr sz="1800" kern="1200">
+                <a:solidFill>
+                  <a:schemeClr val="tx1"/>
+                </a:solidFill>
+                <a:latin typeface="+mn-lt"/>
+                <a:ea typeface="+mn-ea"/>
+                <a:cs typeface="+mn-cs"/>
+              </a:defRPr>
+            </a:lvl8pPr>
+            <a:lvl9pPr marL="3886200" indent="-228600" algn="l" defTabSz="914400" rtl="0" eaLnBrk="1" latinLnBrk="0" hangingPunct="1">
+              <a:lnSpc>
+                <a:spcPct val="90000"/>
+              </a:lnSpc>
+              <a:spcBef>
+                <a:spcPct val="30000"/>
+              </a:spcBef>
+              <a:buFont typeface="Arial" panose="020B0604020202020204" pitchFamily="34" charset="0"/>
+              <a:buChar char="•"/>
+              <a:defRPr sz="1800" kern="1200">
+                <a:solidFill>
+                  <a:schemeClr val="tx1"/>
+                </a:solidFill>
+                <a:latin typeface="+mn-lt"/>
+                <a:ea typeface="+mn-ea"/>
+                <a:cs typeface="+mn-cs"/>
+              </a:defRPr>
+            </a:lvl9pPr>
+          </a:lstStyle>
+          <a:p>
+            <a:r>
+              <a:rPr lang="en-US" sz="2400" smtClean="0">
+                <a:latin typeface="Arial" panose="020B0604020202020204" pitchFamily="34" charset="0"/>
+              </a:rPr>
+              <a:t>Dalam dunia warna sering disebut sebagai CMYK</a:t>
+            </a:r>
+          </a:p>
+          <a:p>
+            <a:r>
+              <a:rPr lang="en-US" sz="2400" smtClean="0">
+                <a:latin typeface="Arial" panose="020B0604020202020204" pitchFamily="34" charset="0"/>
+              </a:rPr>
+              <a:t>K menunjukkan warna hitam</a:t>
+            </a:r>
+          </a:p>
+          <a:p>
+            <a:r>
+              <a:rPr lang="en-US" sz="2400" smtClean="0">
+                <a:latin typeface="Arial" panose="020B0604020202020204" pitchFamily="34" charset="0"/>
+              </a:rPr>
+              <a:t>Merupakan warna primer bagi percetakan:</a:t>
+            </a:r>
+          </a:p>
+          <a:p>
+            <a:pPr lvl="1"/>
+            <a:r>
+              <a:rPr lang="en-US" sz="2000" b="1" smtClean="0">
+                <a:latin typeface="Arial" panose="020B0604020202020204" pitchFamily="34" charset="0"/>
+              </a:rPr>
+              <a:t>Cyan </a:t>
+            </a:r>
+            <a:r>
+              <a:rPr lang="en-US" sz="2000" b="1" smtClean="0">
+                <a:solidFill>
+                  <a:srgbClr val="00FFFF"/>
+                </a:solidFill>
+                <a:latin typeface="Arial" panose="020B0604020202020204" pitchFamily="34" charset="0"/>
+                <a:sym typeface="Webdings" panose="05030102010509060703" pitchFamily="18" charset="2"/>
+              </a:rPr>
+              <a:t></a:t>
+            </a:r>
+            <a:r>
+              <a:rPr lang="en-US" sz="2000" b="1" smtClean="0">
+                <a:latin typeface="Arial" panose="020B0604020202020204" pitchFamily="34" charset="0"/>
+                <a:sym typeface="Webdings" panose="05030102010509060703" pitchFamily="18" charset="2"/>
+              </a:rPr>
+              <a:t> </a:t>
+            </a:r>
+            <a:r>
+              <a:rPr lang="en-US" sz="2000" b="1" smtClean="0">
+                <a:latin typeface="Arial" panose="020B0604020202020204" pitchFamily="34" charset="0"/>
+              </a:rPr>
+              <a:t>Magenta  </a:t>
+            </a:r>
+            <a:r>
+              <a:rPr lang="en-US" sz="2000" b="1" smtClean="0">
+                <a:solidFill>
+                  <a:srgbClr val="FF00FF"/>
+                </a:solidFill>
+                <a:latin typeface="Arial" panose="020B0604020202020204" pitchFamily="34" charset="0"/>
+                <a:sym typeface="Webdings" panose="05030102010509060703" pitchFamily="18" charset="2"/>
+              </a:rPr>
+              <a:t></a:t>
+            </a:r>
+            <a:r>
+              <a:rPr lang="en-US" sz="2000" b="1" smtClean="0">
+                <a:latin typeface="Arial" panose="020B0604020202020204" pitchFamily="34" charset="0"/>
+                <a:sym typeface="Webdings" panose="05030102010509060703" pitchFamily="18" charset="2"/>
+              </a:rPr>
+              <a:t> </a:t>
+            </a:r>
+            <a:r>
+              <a:rPr lang="en-US" sz="2000" b="1" smtClean="0">
+                <a:latin typeface="Arial" panose="020B0604020202020204" pitchFamily="34" charset="0"/>
+              </a:rPr>
+              <a:t>Yellow </a:t>
+            </a:r>
+            <a:r>
+              <a:rPr lang="en-US" sz="2000" b="1" smtClean="0">
+                <a:solidFill>
+                  <a:srgbClr val="FFFF00"/>
+                </a:solidFill>
+                <a:latin typeface="Arial" panose="020B0604020202020204" pitchFamily="34" charset="0"/>
+                <a:sym typeface="Webdings" panose="05030102010509060703" pitchFamily="18" charset="2"/>
+              </a:rPr>
+              <a:t></a:t>
+            </a:r>
+            <a:r>
+              <a:rPr lang="en-US" sz="2000" b="1" smtClean="0">
+                <a:latin typeface="Arial" panose="020B0604020202020204" pitchFamily="34" charset="0"/>
+                <a:sym typeface="Webdings" panose="05030102010509060703" pitchFamily="18" charset="2"/>
+              </a:rPr>
+              <a:t> </a:t>
+            </a:r>
+            <a:endParaRPr lang="en-US" sz="2000" b="1" smtClean="0">
+              <a:latin typeface="Arial" panose="020B0604020202020204" pitchFamily="34" charset="0"/>
+            </a:endParaRPr>
+          </a:p>
+          <a:p>
+            <a:r>
+              <a:rPr lang="en-US" sz="2400" smtClean="0">
+                <a:latin typeface="Arial" panose="020B0604020202020204" pitchFamily="34" charset="0"/>
+              </a:rPr>
+              <a:t>Sifatnya </a:t>
+            </a:r>
+            <a:r>
+              <a:rPr lang="en-US" sz="2400" i="1" smtClean="0">
+                <a:latin typeface="Arial" panose="020B0604020202020204" pitchFamily="34" charset="0"/>
+              </a:rPr>
+              <a:t>subtractive</a:t>
+            </a:r>
+          </a:p>
+          <a:p>
+            <a:r>
+              <a:rPr lang="en-US" sz="2400" smtClean="0">
+                <a:latin typeface="Arial" panose="020B0604020202020204" pitchFamily="34" charset="0"/>
+              </a:rPr>
+              <a:t>Dihitung dari RGB dengan …</a:t>
+            </a:r>
+            <a:endParaRPr lang="en-US" sz="2400" dirty="0">
+              <a:latin typeface="Arial" panose="020B0604020202020204" pitchFamily="34" charset="0"/>
+            </a:endParaRPr>
+          </a:p>
+        </p:txBody>
+      </p:sp>
+      <p:pic>
+        <p:nvPicPr>
+          <p:cNvPr id="4" name="Picture 22" descr="cmyrgb"/>
+          <p:cNvPicPr>
+            <a:picLocks noChangeAspect="1" noChangeArrowheads="1"/>
+          </p:cNvPicPr>
+          <p:nvPr/>
+        </p:nvPicPr>
+        <p:blipFill>
+          <a:blip r:embed="rId2">
+            <a:extLst>
+              <a:ext uri="{28A0092B-C50C-407E-A947-70E740481C1C}">
+                <a14:useLocalDpi xmlns:a14="http://schemas.microsoft.com/office/drawing/2010/main" val="0"/>
+              </a:ext>
+            </a:extLst>
+          </a:blip>
+          <a:srcRect/>
+          <a:stretch>
+            <a:fillRect/>
+          </a:stretch>
+        </p:blipFill>
+        <p:spPr bwMode="auto">
+          <a:xfrm>
+            <a:off x="4608547" y="4445535"/>
+            <a:ext cx="2303462" cy="1492250"/>
+          </a:xfrm>
+          <a:prstGeom prst="rect">
+            <a:avLst/>
+          </a:prstGeom>
+          <a:noFill/>
+          <a:extLst>
+            <a:ext uri="{909E8E84-426E-40DD-AFC4-6F175D3DCCD1}">
+              <a14:hiddenFill xmlns:a14="http://schemas.microsoft.com/office/drawing/2010/main">
+                <a:solidFill>
+                  <a:srgbClr val="FFFFFF"/>
+                </a:solidFill>
+              </a14:hiddenFill>
+            </a:ext>
+          </a:extLst>
+        </p:spPr>
+      </p:pic>
+    </p:spTree>
+    <p:extLst>
+      <p:ext uri="{BB962C8B-B14F-4D97-AF65-F5344CB8AC3E}">
+        <p14:creationId xmlns:p14="http://schemas.microsoft.com/office/powerpoint/2010/main" val="4102171904"/>
+      </p:ext>
+    </p:extLst>
+  </p:cSld>
+  <p:clrMapOvr>
+    <a:masterClrMapping/>
+  </p:clrMapOvr>
+</p:sld>
+</file>
+
+<file path=ppt/slides/slide8.xml><?xml version="1.0" encoding="utf-8"?>
+<p:sld xmlns:a="http://schemas.openxmlformats.org/drawingml/2006/main" xmlns:r="http://schemas.openxmlformats.org/officeDocument/2006/relationships" xmlns:p="http://schemas.openxmlformats.org/presentationml/2006/main">
+  <p:cSld>
+    <p:spTree>
+      <p:nvGrpSpPr>
+        <p:cNvPr id="1" name=""/>
+        <p:cNvGrpSpPr/>
+        <p:nvPr/>
+      </p:nvGrpSpPr>
+      <p:grpSpPr>
+        <a:xfrm>
+          <a:off x="0" y="0"/>
+          <a:ext cx="0" cy="0"/>
+          <a:chOff x="0" y="0"/>
+          <a:chExt cx="0" cy="0"/>
+        </a:xfrm>
+      </p:grpSpPr>
+      <p:sp>
+        <p:nvSpPr>
+          <p:cNvPr id="2" name="Title 1"/>
+          <p:cNvSpPr>
+            <a:spLocks noGrp="1"/>
+          </p:cNvSpPr>
+          <p:nvPr>
+            <p:ph type="title"/>
+          </p:nvPr>
+        </p:nvSpPr>
+        <p:spPr/>
+        <p:txBody>
+          <a:bodyPr/>
+          <a:lstStyle/>
+          <a:p>
+            <a:r>
+              <a:rPr lang="en-US" dirty="0" err="1"/>
+              <a:t>Contoh</a:t>
+            </a:r>
+            <a:r>
+              <a:rPr lang="en-US" dirty="0"/>
+              <a:t> Color </a:t>
+            </a:r>
+            <a:r>
+              <a:rPr lang="en-US" dirty="0" smtClean="0"/>
+              <a:t>Modes </a:t>
+            </a:r>
+            <a:r>
+              <a:rPr lang="en-US" b="1" dirty="0" smtClean="0"/>
+              <a:t>CMYK</a:t>
+            </a:r>
+            <a:endParaRPr lang="en-US" b="1" dirty="0"/>
+          </a:p>
+        </p:txBody>
+      </p:sp>
+      <p:pic>
+        <p:nvPicPr>
+          <p:cNvPr id="3" name="Picture 13" descr="RGB full"/>
+          <p:cNvPicPr>
+            <a:picLocks noChangeAspect="1" noChangeArrowheads="1"/>
+          </p:cNvPicPr>
+          <p:nvPr/>
+        </p:nvPicPr>
+        <p:blipFill>
+          <a:blip r:embed="rId2">
+            <a:extLst>
+              <a:ext uri="{28A0092B-C50C-407E-A947-70E740481C1C}">
+                <a14:useLocalDpi xmlns:a14="http://schemas.microsoft.com/office/drawing/2010/main" val="0"/>
+              </a:ext>
+            </a:extLst>
+          </a:blip>
+          <a:srcRect/>
+          <a:stretch>
+            <a:fillRect/>
+          </a:stretch>
+        </p:blipFill>
+        <p:spPr bwMode="auto">
+          <a:xfrm>
+            <a:off x="4617470" y="4106963"/>
+            <a:ext cx="2617787" cy="1965325"/>
+          </a:xfrm>
+          <a:prstGeom prst="rect">
+            <a:avLst/>
+          </a:prstGeom>
+          <a:noFill/>
+          <a:extLst>
+            <a:ext uri="{909E8E84-426E-40DD-AFC4-6F175D3DCCD1}">
+              <a14:hiddenFill xmlns:a14="http://schemas.microsoft.com/office/drawing/2010/main">
+                <a:solidFill>
+                  <a:srgbClr val="FFFFFF"/>
+                </a:solidFill>
+              </a14:hiddenFill>
+            </a:ext>
+          </a:extLst>
+        </p:spPr>
+      </p:pic>
+      <p:pic>
+        <p:nvPicPr>
+          <p:cNvPr id="4" name="Picture 14" descr="cyan"/>
+          <p:cNvPicPr>
+            <a:picLocks noChangeAspect="1" noChangeArrowheads="1"/>
+          </p:cNvPicPr>
+          <p:nvPr/>
+        </p:nvPicPr>
+        <p:blipFill>
+          <a:blip r:embed="rId3">
+            <a:extLst>
+              <a:ext uri="{28A0092B-C50C-407E-A947-70E740481C1C}">
+                <a14:useLocalDpi xmlns:a14="http://schemas.microsoft.com/office/drawing/2010/main" val="0"/>
+              </a:ext>
+            </a:extLst>
+          </a:blip>
+          <a:srcRect/>
+          <a:stretch>
+            <a:fillRect/>
+          </a:stretch>
+        </p:blipFill>
+        <p:spPr bwMode="auto">
+          <a:xfrm>
+            <a:off x="2067945" y="1579663"/>
+            <a:ext cx="2206625" cy="1635125"/>
+          </a:xfrm>
+          <a:prstGeom prst="rect">
+            <a:avLst/>
+          </a:prstGeom>
+          <a:noFill/>
+          <a:extLst>
+            <a:ext uri="{909E8E84-426E-40DD-AFC4-6F175D3DCCD1}">
+              <a14:hiddenFill xmlns:a14="http://schemas.microsoft.com/office/drawing/2010/main">
+                <a:solidFill>
+                  <a:srgbClr val="FFFFFF"/>
+                </a:solidFill>
+              </a14:hiddenFill>
+            </a:ext>
+          </a:extLst>
+        </p:spPr>
+      </p:pic>
+      <p:pic>
+        <p:nvPicPr>
+          <p:cNvPr id="5" name="Picture 15" descr="magenta"/>
+          <p:cNvPicPr>
+            <a:picLocks noChangeAspect="1" noChangeArrowheads="1"/>
+          </p:cNvPicPr>
+          <p:nvPr/>
+        </p:nvPicPr>
+        <p:blipFill>
+          <a:blip r:embed="rId4">
+            <a:extLst>
+              <a:ext uri="{28A0092B-C50C-407E-A947-70E740481C1C}">
+                <a14:useLocalDpi xmlns:a14="http://schemas.microsoft.com/office/drawing/2010/main" val="0"/>
+              </a:ext>
+            </a:extLst>
+          </a:blip>
+          <a:srcRect/>
+          <a:stretch>
+            <a:fillRect/>
+          </a:stretch>
+        </p:blipFill>
+        <p:spPr bwMode="auto">
+          <a:xfrm>
+            <a:off x="4493645" y="1592363"/>
+            <a:ext cx="2206625" cy="1635125"/>
+          </a:xfrm>
+          <a:prstGeom prst="rect">
+            <a:avLst/>
+          </a:prstGeom>
+          <a:noFill/>
+          <a:extLst>
+            <a:ext uri="{909E8E84-426E-40DD-AFC4-6F175D3DCCD1}">
+              <a14:hiddenFill xmlns:a14="http://schemas.microsoft.com/office/drawing/2010/main">
+                <a:solidFill>
+                  <a:srgbClr val="FFFFFF"/>
+                </a:solidFill>
+              </a14:hiddenFill>
+            </a:ext>
+          </a:extLst>
+        </p:spPr>
+      </p:pic>
+      <p:pic>
+        <p:nvPicPr>
+          <p:cNvPr id="6" name="Picture 16" descr="yellow"/>
+          <p:cNvPicPr>
+            <a:picLocks noChangeAspect="1" noChangeArrowheads="1"/>
+          </p:cNvPicPr>
+          <p:nvPr/>
+        </p:nvPicPr>
+        <p:blipFill>
+          <a:blip r:embed="rId5">
+            <a:extLst>
+              <a:ext uri="{28A0092B-C50C-407E-A947-70E740481C1C}">
+                <a14:useLocalDpi xmlns:a14="http://schemas.microsoft.com/office/drawing/2010/main" val="0"/>
+              </a:ext>
+            </a:extLst>
+          </a:blip>
+          <a:srcRect/>
+          <a:stretch>
+            <a:fillRect/>
+          </a:stretch>
+        </p:blipFill>
+        <p:spPr bwMode="auto">
+          <a:xfrm>
+            <a:off x="6906645" y="1624113"/>
+            <a:ext cx="2206625" cy="1622425"/>
+          </a:xfrm>
+          <a:prstGeom prst="rect">
+            <a:avLst/>
+          </a:prstGeom>
+          <a:noFill/>
+          <a:extLst>
+            <a:ext uri="{909E8E84-426E-40DD-AFC4-6F175D3DCCD1}">
+              <a14:hiddenFill xmlns:a14="http://schemas.microsoft.com/office/drawing/2010/main">
+                <a:solidFill>
+                  <a:srgbClr val="FFFFFF"/>
+                </a:solidFill>
+              </a14:hiddenFill>
+            </a:ext>
+          </a:extLst>
+        </p:spPr>
+      </p:pic>
+    </p:spTree>
+    <p:extLst>
+      <p:ext uri="{BB962C8B-B14F-4D97-AF65-F5344CB8AC3E}">
+        <p14:creationId xmlns:p14="http://schemas.microsoft.com/office/powerpoint/2010/main" val="4051467478"/>
+      </p:ext>
+    </p:extLst>
+  </p:cSld>
+  <p:clrMapOvr>
+    <a:masterClrMapping/>
+  </p:clrMapOvr>
+</p:sld>
+</file>
+
+<file path=ppt/slides/slide9.xml><?xml version="1.0" encoding="utf-8"?>
+<p:sld xmlns:a="http://schemas.openxmlformats.org/drawingml/2006/main" xmlns:r="http://schemas.openxmlformats.org/officeDocument/2006/relationships" xmlns:p="http://schemas.openxmlformats.org/presentationml/2006/main">
+  <p:cSld>
+    <p:spTree>
+      <p:nvGrpSpPr>
+        <p:cNvPr id="1" name=""/>
+        <p:cNvGrpSpPr/>
+        <p:nvPr/>
+      </p:nvGrpSpPr>
+      <p:grpSpPr>
+        <a:xfrm>
+          <a:off x="0" y="0"/>
+          <a:ext cx="0" cy="0"/>
+          <a:chOff x="0" y="0"/>
+          <a:chExt cx="0" cy="0"/>
+        </a:xfrm>
+      </p:grpSpPr>
+      <p:sp>
+        <p:nvSpPr>
+          <p:cNvPr id="2" name="Title 1"/>
+          <p:cNvSpPr>
+            <a:spLocks noGrp="1"/>
+          </p:cNvSpPr>
+          <p:nvPr>
+            <p:ph type="title"/>
+          </p:nvPr>
+        </p:nvSpPr>
+        <p:spPr/>
+        <p:txBody>
+          <a:bodyPr/>
+          <a:lstStyle/>
+          <a:p>
+            <a:r>
+              <a:rPr lang="en-US" b="1" dirty="0">
+                <a:latin typeface="Arial" panose="020B0604020202020204" pitchFamily="34" charset="0"/>
+              </a:rPr>
+              <a:t>Pseudo-color Image Processing</a:t>
+            </a:r>
+            <a:endParaRPr lang="en-US" dirty="0"/>
+          </a:p>
+        </p:txBody>
+      </p:sp>
+      <p:sp>
+        <p:nvSpPr>
+          <p:cNvPr id="3" name="Rectangle 10"/>
+          <p:cNvSpPr txBox="1">
+            <a:spLocks noChangeArrowheads="1"/>
+          </p:cNvSpPr>
+          <p:nvPr/>
+        </p:nvSpPr>
+        <p:spPr>
+          <a:xfrm>
+            <a:off x="609600" y="1474588"/>
+            <a:ext cx="8077200" cy="3228975"/>
+          </a:xfrm>
+          <a:prstGeom prst="rect">
+            <a:avLst/>
+          </a:prstGeom>
+          <a:solidFill>
+            <a:schemeClr val="bg1"/>
+          </a:solidFill>
+          <a:ln/>
+        </p:spPr>
+        <p:txBody>
+          <a:bodyPr/>
+          <a:lstStyle>
+            <a:lvl1pPr marL="228600" indent="-228600" algn="l" defTabSz="914400" rtl="0" eaLnBrk="1" latinLnBrk="0" hangingPunct="1">
+              <a:lnSpc>
+                <a:spcPct val="90000"/>
+              </a:lnSpc>
+              <a:spcBef>
+                <a:spcPct val="30000"/>
+              </a:spcBef>
+              <a:buFont typeface="Arial" panose="020B0604020202020204" pitchFamily="34" charset="0"/>
+              <a:buChar char="•"/>
+              <a:defRPr sz="2800" kern="1200">
+                <a:solidFill>
+                  <a:schemeClr val="tx1"/>
+                </a:solidFill>
+                <a:latin typeface="+mn-lt"/>
+                <a:ea typeface="+mn-ea"/>
+                <a:cs typeface="+mn-cs"/>
+              </a:defRPr>
+            </a:lvl1pPr>
+            <a:lvl2pPr marL="685800" indent="-228600" algn="l" defTabSz="914400" rtl="0" eaLnBrk="1" latinLnBrk="0" hangingPunct="1">
+              <a:lnSpc>
+                <a:spcPct val="90000"/>
+              </a:lnSpc>
+              <a:spcBef>
+                <a:spcPct val="30000"/>
+              </a:spcBef>
+              <a:buFont typeface="Arial" panose="020B0604020202020204" pitchFamily="34" charset="0"/>
+              <a:buChar char="•"/>
+              <a:defRPr sz="2400" kern="1200">
+                <a:solidFill>
+                  <a:schemeClr val="tx1"/>
+                </a:solidFill>
+                <a:latin typeface="+mn-lt"/>
+                <a:ea typeface="+mn-ea"/>
+                <a:cs typeface="+mn-cs"/>
+              </a:defRPr>
+            </a:lvl2pPr>
+            <a:lvl3pPr marL="1143000" indent="-228600" algn="l" defTabSz="914400" rtl="0" eaLnBrk="1" latinLnBrk="0" hangingPunct="1">
+              <a:lnSpc>
+                <a:spcPct val="90000"/>
+              </a:lnSpc>
+              <a:spcBef>
+                <a:spcPct val="30000"/>
+              </a:spcBef>
+              <a:buFont typeface="Arial" panose="020B0604020202020204" pitchFamily="34" charset="0"/>
+              <a:buChar char="•"/>
+              <a:defRPr sz="2000" kern="1200">
+                <a:solidFill>
+                  <a:schemeClr val="tx1"/>
+                </a:solidFill>
+                <a:latin typeface="+mn-lt"/>
+                <a:ea typeface="+mn-ea"/>
+                <a:cs typeface="+mn-cs"/>
+              </a:defRPr>
+            </a:lvl3pPr>
+            <a:lvl4pPr marL="1600200" indent="-228600" algn="l" defTabSz="914400" rtl="0" eaLnBrk="1" latinLnBrk="0" hangingPunct="1">
+              <a:lnSpc>
+                <a:spcPct val="90000"/>
+              </a:lnSpc>
+              <a:spcBef>
+                <a:spcPct val="30000"/>
+              </a:spcBef>
+              <a:buFont typeface="Arial" panose="020B0604020202020204" pitchFamily="34" charset="0"/>
+              <a:buChar char="•"/>
+              <a:defRPr sz="1800" kern="1200">
+                <a:solidFill>
+                  <a:schemeClr val="tx1"/>
+                </a:solidFill>
+                <a:latin typeface="+mn-lt"/>
+                <a:ea typeface="+mn-ea"/>
+                <a:cs typeface="+mn-cs"/>
+              </a:defRPr>
+            </a:lvl4pPr>
+            <a:lvl5pPr marL="2057400" indent="-228600" algn="l" defTabSz="914400" rtl="0" eaLnBrk="1" latinLnBrk="0" hangingPunct="1">
+              <a:lnSpc>
+                <a:spcPct val="90000"/>
+              </a:lnSpc>
+              <a:spcBef>
+                <a:spcPct val="30000"/>
+              </a:spcBef>
+              <a:buFont typeface="Arial" panose="020B0604020202020204" pitchFamily="34" charset="0"/>
+              <a:buChar char="•"/>
+              <a:defRPr sz="1800" kern="1200">
+                <a:solidFill>
+                  <a:schemeClr val="tx1"/>
+                </a:solidFill>
+                <a:latin typeface="+mn-lt"/>
+                <a:ea typeface="+mn-ea"/>
+                <a:cs typeface="+mn-cs"/>
+              </a:defRPr>
+            </a:lvl5pPr>
+            <a:lvl6pPr marL="2514600" indent="-228600" algn="l" defTabSz="914400" rtl="0" eaLnBrk="1" latinLnBrk="0" hangingPunct="1">
+              <a:lnSpc>
+                <a:spcPct val="90000"/>
+              </a:lnSpc>
+              <a:spcBef>
+                <a:spcPct val="30000"/>
+              </a:spcBef>
+              <a:buFont typeface="Arial" panose="020B0604020202020204" pitchFamily="34" charset="0"/>
+              <a:buChar char="•"/>
+              <a:defRPr sz="1800" kern="1200">
+                <a:solidFill>
+                  <a:schemeClr val="tx1"/>
+                </a:solidFill>
+                <a:latin typeface="+mn-lt"/>
+                <a:ea typeface="+mn-ea"/>
+                <a:cs typeface="+mn-cs"/>
+              </a:defRPr>
+            </a:lvl6pPr>
+            <a:lvl7pPr marL="2971800" indent="-228600" algn="l" defTabSz="914400" rtl="0" eaLnBrk="1" latinLnBrk="0" hangingPunct="1">
+              <a:lnSpc>
+                <a:spcPct val="90000"/>
+              </a:lnSpc>
+              <a:spcBef>
+                <a:spcPct val="30000"/>
+              </a:spcBef>
+              <a:buFont typeface="Arial" panose="020B0604020202020204" pitchFamily="34" charset="0"/>
+              <a:buChar char="•"/>
+              <a:defRPr sz="1800" kern="1200">
+                <a:solidFill>
+                  <a:schemeClr val="tx1"/>
+                </a:solidFill>
+                <a:latin typeface="+mn-lt"/>
+                <a:ea typeface="+mn-ea"/>
+                <a:cs typeface="+mn-cs"/>
+              </a:defRPr>
+            </a:lvl7pPr>
+            <a:lvl8pPr marL="3429000" indent="-228600" algn="l" defTabSz="914400" rtl="0" eaLnBrk="1" latinLnBrk="0" hangingPunct="1">
+              <a:lnSpc>
+                <a:spcPct val="90000"/>
+              </a:lnSpc>
+              <a:spcBef>
+                <a:spcPct val="30000"/>
+              </a:spcBef>
+              <a:buFont typeface="Arial" panose="020B0604020202020204" pitchFamily="34" charset="0"/>
+              <a:buChar char="•"/>
+              <a:defRPr sz="1800" kern="1200">
+                <a:solidFill>
+                  <a:schemeClr val="tx1"/>
+                </a:solidFill>
+                <a:latin typeface="+mn-lt"/>
+                <a:ea typeface="+mn-ea"/>
+                <a:cs typeface="+mn-cs"/>
+              </a:defRPr>
+            </a:lvl8pPr>
+            <a:lvl9pPr marL="3886200" indent="-228600" algn="l" defTabSz="914400" rtl="0" eaLnBrk="1" latinLnBrk="0" hangingPunct="1">
+              <a:lnSpc>
+                <a:spcPct val="90000"/>
+              </a:lnSpc>
+              <a:spcBef>
+                <a:spcPct val="30000"/>
+              </a:spcBef>
+              <a:buFont typeface="Arial" panose="020B0604020202020204" pitchFamily="34" charset="0"/>
+              <a:buChar char="•"/>
+              <a:defRPr sz="1800" kern="1200">
+                <a:solidFill>
+                  <a:schemeClr val="tx1"/>
+                </a:solidFill>
+                <a:latin typeface="+mn-lt"/>
+                <a:ea typeface="+mn-ea"/>
+                <a:cs typeface="+mn-cs"/>
+              </a:defRPr>
+            </a:lvl9pPr>
+          </a:lstStyle>
+          <a:p>
+            <a:r>
+              <a:rPr lang="en-US" sz="2000" smtClean="0">
+                <a:latin typeface="Arial" panose="020B0604020202020204" pitchFamily="34" charset="0"/>
+              </a:rPr>
+              <a:t>Memberi warna pada citra graylevel</a:t>
+            </a:r>
+          </a:p>
+          <a:p>
+            <a:r>
+              <a:rPr lang="en-US" sz="2000" smtClean="0">
+                <a:latin typeface="Arial" panose="020B0604020202020204" pitchFamily="34" charset="0"/>
+              </a:rPr>
+              <a:t>Warna yang diberikan bukan warna objek yang sesungguhnya</a:t>
+            </a:r>
+          </a:p>
+          <a:p>
+            <a:r>
+              <a:rPr lang="en-US" sz="2000" smtClean="0">
+                <a:latin typeface="Arial" panose="020B0604020202020204" pitchFamily="34" charset="0"/>
+              </a:rPr>
+              <a:t>Tujuan utamanya adalah agar citra lebih mudah dilihat/dipahami oleh mata manusia</a:t>
+            </a:r>
+          </a:p>
+          <a:p>
+            <a:r>
+              <a:rPr lang="en-US" sz="2000" smtClean="0">
+                <a:latin typeface="Arial" panose="020B0604020202020204" pitchFamily="34" charset="0"/>
+              </a:rPr>
+              <a:t>Yang hendak kita bahas:</a:t>
+            </a:r>
+          </a:p>
+          <a:p>
+            <a:pPr lvl="1"/>
+            <a:r>
+              <a:rPr lang="en-US" sz="1800" smtClean="0">
+                <a:latin typeface="Arial" panose="020B0604020202020204" pitchFamily="34" charset="0"/>
+              </a:rPr>
+              <a:t>Intensity slicing</a:t>
+            </a:r>
+          </a:p>
+          <a:p>
+            <a:pPr lvl="1"/>
+            <a:r>
+              <a:rPr lang="en-US" sz="1800" smtClean="0">
+                <a:latin typeface="Arial" panose="020B0604020202020204" pitchFamily="34" charset="0"/>
+              </a:rPr>
+              <a:t>Graylevel to color processing</a:t>
+            </a:r>
+          </a:p>
+          <a:p>
+            <a:pPr lvl="1"/>
+            <a:r>
+              <a:rPr lang="en-US" sz="1800" smtClean="0">
+                <a:latin typeface="Arial" panose="020B0604020202020204" pitchFamily="34" charset="0"/>
+              </a:rPr>
+              <a:t>Filtering approach</a:t>
+            </a:r>
+            <a:endParaRPr lang="en-US" sz="1800" dirty="0">
+              <a:latin typeface="Arial" panose="020B0604020202020204" pitchFamily="34" charset="0"/>
+            </a:endParaRPr>
+          </a:p>
+        </p:txBody>
+      </p:sp>
+    </p:spTree>
+    <p:extLst>
+      <p:ext uri="{BB962C8B-B14F-4D97-AF65-F5344CB8AC3E}">
+        <p14:creationId xmlns:p14="http://schemas.microsoft.com/office/powerpoint/2010/main" val="3209307533"/>
+      </p:ext>
+    </p:extLst>
+  </p:cSld>
+  <p:clrMapOvr>
+    <a:masterClrMapping/>
+  </p:clrMapOvr>
 </p:sld>
 </file>
 
@@ -5726,6 +12940,132 @@
 </file>
 
 <file path=customXml/item1.xml><?xml version="1.0" encoding="utf-8"?>
+<p:properties xmlns:p="http://schemas.microsoft.com/office/2006/metadata/properties" xmlns:xsi="http://www.w3.org/2001/XMLSchema-instance" xmlns:pc="http://schemas.microsoft.com/office/infopath/2007/PartnerControls">
+  <documentManagement>
+    <DirectSourceMarket xmlns="4873beb7-5857-4685-be1f-d57550cc96cc" xsi:nil="true"/>
+    <ApprovalStatus xmlns="4873beb7-5857-4685-be1f-d57550cc96cc">InProgress</ApprovalStatus>
+    <MarketSpecific xmlns="4873beb7-5857-4685-be1f-d57550cc96cc">false</MarketSpecific>
+    <LocComments xmlns="4873beb7-5857-4685-be1f-d57550cc96cc" xsi:nil="true"/>
+    <ThumbnailAssetId xmlns="4873beb7-5857-4685-be1f-d57550cc96cc" xsi:nil="true"/>
+    <PrimaryImageGen xmlns="4873beb7-5857-4685-be1f-d57550cc96cc">true</PrimaryImageGen>
+    <LegacyData xmlns="4873beb7-5857-4685-be1f-d57550cc96cc" xsi:nil="true"/>
+    <LocRecommendedHandoff xmlns="4873beb7-5857-4685-be1f-d57550cc96cc" xsi:nil="true"/>
+    <BusinessGroup xmlns="4873beb7-5857-4685-be1f-d57550cc96cc" xsi:nil="true"/>
+    <BlockPublish xmlns="4873beb7-5857-4685-be1f-d57550cc96cc">false</BlockPublish>
+    <TPFriendlyName xmlns="4873beb7-5857-4685-be1f-d57550cc96cc" xsi:nil="true"/>
+    <NumericId xmlns="4873beb7-5857-4685-be1f-d57550cc96cc" xsi:nil="true"/>
+    <APEditor xmlns="4873beb7-5857-4685-be1f-d57550cc96cc">
+      <UserInfo>
+        <DisplayName/>
+        <AccountId xsi:nil="true"/>
+        <AccountType/>
+      </UserInfo>
+    </APEditor>
+    <SourceTitle xmlns="4873beb7-5857-4685-be1f-d57550cc96cc" xsi:nil="true"/>
+    <OpenTemplate xmlns="4873beb7-5857-4685-be1f-d57550cc96cc">true</OpenTemplate>
+    <UALocComments xmlns="4873beb7-5857-4685-be1f-d57550cc96cc" xsi:nil="true"/>
+    <ParentAssetId xmlns="4873beb7-5857-4685-be1f-d57550cc96cc" xsi:nil="true"/>
+    <IntlLangReviewDate xmlns="4873beb7-5857-4685-be1f-d57550cc96cc" xsi:nil="true"/>
+    <FeatureTagsTaxHTField0 xmlns="4873beb7-5857-4685-be1f-d57550cc96cc">
+      <Terms xmlns="http://schemas.microsoft.com/office/infopath/2007/PartnerControls"/>
+    </FeatureTagsTaxHTField0>
+    <PublishStatusLookup xmlns="4873beb7-5857-4685-be1f-d57550cc96cc">
+      <Value>1584528</Value>
+    </PublishStatusLookup>
+    <Providers xmlns="4873beb7-5857-4685-be1f-d57550cc96cc" xsi:nil="true"/>
+    <MachineTranslated xmlns="4873beb7-5857-4685-be1f-d57550cc96cc">false</MachineTranslated>
+    <OriginalSourceMarket xmlns="4873beb7-5857-4685-be1f-d57550cc96cc" xsi:nil="true"/>
+    <APDescription xmlns="4873beb7-5857-4685-be1f-d57550cc96cc" xsi:nil="true"/>
+    <ClipArtFilename xmlns="4873beb7-5857-4685-be1f-d57550cc96cc" xsi:nil="true"/>
+    <ContentItem xmlns="4873beb7-5857-4685-be1f-d57550cc96cc" xsi:nil="true"/>
+    <TPInstallLocation xmlns="4873beb7-5857-4685-be1f-d57550cc96cc" xsi:nil="true"/>
+    <PublishTargets xmlns="4873beb7-5857-4685-be1f-d57550cc96cc">OfficeOnlineVNext</PublishTargets>
+    <TimesCloned xmlns="4873beb7-5857-4685-be1f-d57550cc96cc" xsi:nil="true"/>
+    <AssetStart xmlns="4873beb7-5857-4685-be1f-d57550cc96cc">2012-06-20T23:39:00+00:00</AssetStart>
+    <Provider xmlns="4873beb7-5857-4685-be1f-d57550cc96cc" xsi:nil="true"/>
+    <AcquiredFrom xmlns="4873beb7-5857-4685-be1f-d57550cc96cc">Internal MS</AcquiredFrom>
+    <FriendlyTitle xmlns="4873beb7-5857-4685-be1f-d57550cc96cc" xsi:nil="true"/>
+    <LastHandOff xmlns="4873beb7-5857-4685-be1f-d57550cc96cc" xsi:nil="true"/>
+    <TPClientViewer xmlns="4873beb7-5857-4685-be1f-d57550cc96cc" xsi:nil="true"/>
+    <UACurrentWords xmlns="4873beb7-5857-4685-be1f-d57550cc96cc" xsi:nil="true"/>
+    <ArtSampleDocs xmlns="4873beb7-5857-4685-be1f-d57550cc96cc" xsi:nil="true"/>
+    <UALocRecommendation xmlns="4873beb7-5857-4685-be1f-d57550cc96cc">Localize</UALocRecommendation>
+    <Manager xmlns="4873beb7-5857-4685-be1f-d57550cc96cc" xsi:nil="true"/>
+    <ShowIn xmlns="4873beb7-5857-4685-be1f-d57550cc96cc">Show everywhere</ShowIn>
+    <UANotes xmlns="4873beb7-5857-4685-be1f-d57550cc96cc" xsi:nil="true"/>
+    <TemplateStatus xmlns="4873beb7-5857-4685-be1f-d57550cc96cc">Complete</TemplateStatus>
+    <InternalTagsTaxHTField0 xmlns="4873beb7-5857-4685-be1f-d57550cc96cc">
+      <Terms xmlns="http://schemas.microsoft.com/office/infopath/2007/PartnerControls"/>
+    </InternalTagsTaxHTField0>
+    <CSXHash xmlns="4873beb7-5857-4685-be1f-d57550cc96cc" xsi:nil="true"/>
+    <Downloads xmlns="4873beb7-5857-4685-be1f-d57550cc96cc">0</Downloads>
+    <VoteCount xmlns="4873beb7-5857-4685-be1f-d57550cc96cc" xsi:nil="true"/>
+    <OOCacheId xmlns="4873beb7-5857-4685-be1f-d57550cc96cc" xsi:nil="true"/>
+    <IsDeleted xmlns="4873beb7-5857-4685-be1f-d57550cc96cc">false</IsDeleted>
+    <AssetExpire xmlns="4873beb7-5857-4685-be1f-d57550cc96cc">2029-01-01T08:00:00+00:00</AssetExpire>
+    <DSATActionTaken xmlns="4873beb7-5857-4685-be1f-d57550cc96cc" xsi:nil="true"/>
+    <CSXSubmissionMarket xmlns="4873beb7-5857-4685-be1f-d57550cc96cc" xsi:nil="true"/>
+    <TPExecutable xmlns="4873beb7-5857-4685-be1f-d57550cc96cc" xsi:nil="true"/>
+    <SubmitterId xmlns="4873beb7-5857-4685-be1f-d57550cc96cc" xsi:nil="true"/>
+    <EditorialTags xmlns="4873beb7-5857-4685-be1f-d57550cc96cc" xsi:nil="true"/>
+    <ApprovalLog xmlns="4873beb7-5857-4685-be1f-d57550cc96cc" xsi:nil="true"/>
+    <AssetType xmlns="4873beb7-5857-4685-be1f-d57550cc96cc">TP</AssetType>
+    <BugNumber xmlns="4873beb7-5857-4685-be1f-d57550cc96cc" xsi:nil="true"/>
+    <CSXSubmissionDate xmlns="4873beb7-5857-4685-be1f-d57550cc96cc" xsi:nil="true"/>
+    <CSXUpdate xmlns="4873beb7-5857-4685-be1f-d57550cc96cc">false</CSXUpdate>
+    <Milestone xmlns="4873beb7-5857-4685-be1f-d57550cc96cc" xsi:nil="true"/>
+    <RecommendationsModifier xmlns="4873beb7-5857-4685-be1f-d57550cc96cc" xsi:nil="true"/>
+    <OriginAsset xmlns="4873beb7-5857-4685-be1f-d57550cc96cc" xsi:nil="true"/>
+    <TPComponent xmlns="4873beb7-5857-4685-be1f-d57550cc96cc" xsi:nil="true"/>
+    <AssetId xmlns="4873beb7-5857-4685-be1f-d57550cc96cc">TP102923943</AssetId>
+    <IntlLocPriority xmlns="4873beb7-5857-4685-be1f-d57550cc96cc" xsi:nil="true"/>
+    <PolicheckWords xmlns="4873beb7-5857-4685-be1f-d57550cc96cc" xsi:nil="true"/>
+    <TPLaunchHelpLink xmlns="4873beb7-5857-4685-be1f-d57550cc96cc" xsi:nil="true"/>
+    <TPApplication xmlns="4873beb7-5857-4685-be1f-d57550cc96cc" xsi:nil="true"/>
+    <CrawlForDependencies xmlns="4873beb7-5857-4685-be1f-d57550cc96cc">false</CrawlForDependencies>
+    <HandoffToMSDN xmlns="4873beb7-5857-4685-be1f-d57550cc96cc" xsi:nil="true"/>
+    <PlannedPubDate xmlns="4873beb7-5857-4685-be1f-d57550cc96cc" xsi:nil="true"/>
+    <IntlLangReviewer xmlns="4873beb7-5857-4685-be1f-d57550cc96cc" xsi:nil="true"/>
+    <TrustLevel xmlns="4873beb7-5857-4685-be1f-d57550cc96cc">1 Microsoft Managed Content</TrustLevel>
+    <LocLastLocAttemptVersionLookup xmlns="4873beb7-5857-4685-be1f-d57550cc96cc">843282</LocLastLocAttemptVersionLookup>
+    <IsSearchable xmlns="4873beb7-5857-4685-be1f-d57550cc96cc">true</IsSearchable>
+    <TemplateTemplateType xmlns="4873beb7-5857-4685-be1f-d57550cc96cc">PowerPoint Template - Slideshow Launch</TemplateTemplateType>
+    <CampaignTagsTaxHTField0 xmlns="4873beb7-5857-4685-be1f-d57550cc96cc">
+      <Terms xmlns="http://schemas.microsoft.com/office/infopath/2007/PartnerControls"/>
+    </CampaignTagsTaxHTField0>
+    <TPNamespace xmlns="4873beb7-5857-4685-be1f-d57550cc96cc" xsi:nil="true"/>
+    <TaxCatchAll xmlns="4873beb7-5857-4685-be1f-d57550cc96cc"/>
+    <Markets xmlns="4873beb7-5857-4685-be1f-d57550cc96cc"/>
+    <UAProjectedTotalWords xmlns="4873beb7-5857-4685-be1f-d57550cc96cc" xsi:nil="true"/>
+    <IntlLangReview xmlns="4873beb7-5857-4685-be1f-d57550cc96cc">false</IntlLangReview>
+    <OutputCachingOn xmlns="4873beb7-5857-4685-be1f-d57550cc96cc">false</OutputCachingOn>
+    <AverageRating xmlns="4873beb7-5857-4685-be1f-d57550cc96cc" xsi:nil="true"/>
+    <LocMarketGroupTiers2 xmlns="4873beb7-5857-4685-be1f-d57550cc96cc" xsi:nil="true"/>
+    <APAuthor xmlns="4873beb7-5857-4685-be1f-d57550cc96cc">
+      <UserInfo>
+        <DisplayName>REDMOND\v-sa</DisplayName>
+        <AccountId>2467</AccountId>
+        <AccountType/>
+      </UserInfo>
+    </APAuthor>
+    <LocManualTestRequired xmlns="4873beb7-5857-4685-be1f-d57550cc96cc">false</LocManualTestRequired>
+    <TPCommandLine xmlns="4873beb7-5857-4685-be1f-d57550cc96cc" xsi:nil="true"/>
+    <TPAppVersion xmlns="4873beb7-5857-4685-be1f-d57550cc96cc" xsi:nil="true"/>
+    <EditorialStatus xmlns="4873beb7-5857-4685-be1f-d57550cc96cc">Complete</EditorialStatus>
+    <LastModifiedDateTime xmlns="4873beb7-5857-4685-be1f-d57550cc96cc" xsi:nil="true"/>
+    <ScenarioTagsTaxHTField0 xmlns="4873beb7-5857-4685-be1f-d57550cc96cc">
+      <Terms xmlns="http://schemas.microsoft.com/office/infopath/2007/PartnerControls"/>
+    </ScenarioTagsTaxHTField0>
+    <OriginalRelease xmlns="4873beb7-5857-4685-be1f-d57550cc96cc">15</OriginalRelease>
+    <TPLaunchHelpLinkType xmlns="4873beb7-5857-4685-be1f-d57550cc96cc">Template</TPLaunchHelpLinkType>
+    <LocalizationTagsTaxHTField0 xmlns="4873beb7-5857-4685-be1f-d57550cc96cc">
+      <Terms xmlns="http://schemas.microsoft.com/office/infopath/2007/PartnerControls"/>
+    </LocalizationTagsTaxHTField0>
+  </documentManagement>
+</p:properties>
+</file>
+
+<file path=customXml/item2.xml><?xml version="1.0" encoding="utf-8"?>
 <ct:contentTypeSchema xmlns:ct="http://schemas.microsoft.com/office/2006/metadata/contentType" xmlns:ma="http://schemas.microsoft.com/office/2006/metadata/properties/metaAttributes" ct:_="" ma:_="" ma:contentTypeName="TemplateFile" ma:contentTypeID="0x0101006EDDDB5EE6D98C44930B742096920B300400F5B6D36B3EF94B4E9A635CDF2A18F5B8" ma:contentTypeVersion="72" ma:contentTypeDescription="Create a new document." ma:contentTypeScope="" ma:versionID="a23e56308344d904b51738559c3d67c9">
   <xsd:schema xmlns:xsd="http://www.w3.org/2001/XMLSchema" xmlns:xs="http://www.w3.org/2001/XMLSchema" xmlns:p="http://schemas.microsoft.com/office/2006/metadata/properties" xmlns:ns2="4873beb7-5857-4685-be1f-d57550cc96cc" targetNamespace="http://schemas.microsoft.com/office/2006/metadata/properties" ma:root="true" ma:fieldsID="cd0908cc4600e77bf5da051303e00c8d" ns2:_="">
     <xsd:import namespace="4873beb7-5857-4685-be1f-d57550cc96cc"/>
@@ -6765,132 +14105,6 @@
 </ct:contentTypeSchema>
 </file>
 
-<file path=customXml/item2.xml><?xml version="1.0" encoding="utf-8"?>
-<p:properties xmlns:p="http://schemas.microsoft.com/office/2006/metadata/properties" xmlns:xsi="http://www.w3.org/2001/XMLSchema-instance" xmlns:pc="http://schemas.microsoft.com/office/infopath/2007/PartnerControls">
-  <documentManagement>
-    <DirectSourceMarket xmlns="4873beb7-5857-4685-be1f-d57550cc96cc" xsi:nil="true"/>
-    <ApprovalStatus xmlns="4873beb7-5857-4685-be1f-d57550cc96cc">InProgress</ApprovalStatus>
-    <MarketSpecific xmlns="4873beb7-5857-4685-be1f-d57550cc96cc">false</MarketSpecific>
-    <LocComments xmlns="4873beb7-5857-4685-be1f-d57550cc96cc" xsi:nil="true"/>
-    <ThumbnailAssetId xmlns="4873beb7-5857-4685-be1f-d57550cc96cc" xsi:nil="true"/>
-    <PrimaryImageGen xmlns="4873beb7-5857-4685-be1f-d57550cc96cc">true</PrimaryImageGen>
-    <LegacyData xmlns="4873beb7-5857-4685-be1f-d57550cc96cc" xsi:nil="true"/>
-    <LocRecommendedHandoff xmlns="4873beb7-5857-4685-be1f-d57550cc96cc" xsi:nil="true"/>
-    <BusinessGroup xmlns="4873beb7-5857-4685-be1f-d57550cc96cc" xsi:nil="true"/>
-    <BlockPublish xmlns="4873beb7-5857-4685-be1f-d57550cc96cc">false</BlockPublish>
-    <TPFriendlyName xmlns="4873beb7-5857-4685-be1f-d57550cc96cc" xsi:nil="true"/>
-    <NumericId xmlns="4873beb7-5857-4685-be1f-d57550cc96cc" xsi:nil="true"/>
-    <APEditor xmlns="4873beb7-5857-4685-be1f-d57550cc96cc">
-      <UserInfo>
-        <DisplayName/>
-        <AccountId xsi:nil="true"/>
-        <AccountType/>
-      </UserInfo>
-    </APEditor>
-    <SourceTitle xmlns="4873beb7-5857-4685-be1f-d57550cc96cc" xsi:nil="true"/>
-    <OpenTemplate xmlns="4873beb7-5857-4685-be1f-d57550cc96cc">true</OpenTemplate>
-    <UALocComments xmlns="4873beb7-5857-4685-be1f-d57550cc96cc" xsi:nil="true"/>
-    <ParentAssetId xmlns="4873beb7-5857-4685-be1f-d57550cc96cc" xsi:nil="true"/>
-    <IntlLangReviewDate xmlns="4873beb7-5857-4685-be1f-d57550cc96cc" xsi:nil="true"/>
-    <FeatureTagsTaxHTField0 xmlns="4873beb7-5857-4685-be1f-d57550cc96cc">
-      <Terms xmlns="http://schemas.microsoft.com/office/infopath/2007/PartnerControls"/>
-    </FeatureTagsTaxHTField0>
-    <PublishStatusLookup xmlns="4873beb7-5857-4685-be1f-d57550cc96cc">
-      <Value>1584528</Value>
-    </PublishStatusLookup>
-    <Providers xmlns="4873beb7-5857-4685-be1f-d57550cc96cc" xsi:nil="true"/>
-    <MachineTranslated xmlns="4873beb7-5857-4685-be1f-d57550cc96cc">false</MachineTranslated>
-    <OriginalSourceMarket xmlns="4873beb7-5857-4685-be1f-d57550cc96cc" xsi:nil="true"/>
-    <APDescription xmlns="4873beb7-5857-4685-be1f-d57550cc96cc" xsi:nil="true"/>
-    <ClipArtFilename xmlns="4873beb7-5857-4685-be1f-d57550cc96cc" xsi:nil="true"/>
-    <ContentItem xmlns="4873beb7-5857-4685-be1f-d57550cc96cc" xsi:nil="true"/>
-    <TPInstallLocation xmlns="4873beb7-5857-4685-be1f-d57550cc96cc" xsi:nil="true"/>
-    <PublishTargets xmlns="4873beb7-5857-4685-be1f-d57550cc96cc">OfficeOnlineVNext</PublishTargets>
-    <TimesCloned xmlns="4873beb7-5857-4685-be1f-d57550cc96cc" xsi:nil="true"/>
-    <AssetStart xmlns="4873beb7-5857-4685-be1f-d57550cc96cc">2012-06-20T23:39:00+00:00</AssetStart>
-    <Provider xmlns="4873beb7-5857-4685-be1f-d57550cc96cc" xsi:nil="true"/>
-    <AcquiredFrom xmlns="4873beb7-5857-4685-be1f-d57550cc96cc">Internal MS</AcquiredFrom>
-    <FriendlyTitle xmlns="4873beb7-5857-4685-be1f-d57550cc96cc" xsi:nil="true"/>
-    <LastHandOff xmlns="4873beb7-5857-4685-be1f-d57550cc96cc" xsi:nil="true"/>
-    <TPClientViewer xmlns="4873beb7-5857-4685-be1f-d57550cc96cc" xsi:nil="true"/>
-    <UACurrentWords xmlns="4873beb7-5857-4685-be1f-d57550cc96cc" xsi:nil="true"/>
-    <ArtSampleDocs xmlns="4873beb7-5857-4685-be1f-d57550cc96cc" xsi:nil="true"/>
-    <UALocRecommendation xmlns="4873beb7-5857-4685-be1f-d57550cc96cc">Localize</UALocRecommendation>
-    <Manager xmlns="4873beb7-5857-4685-be1f-d57550cc96cc" xsi:nil="true"/>
-    <ShowIn xmlns="4873beb7-5857-4685-be1f-d57550cc96cc">Show everywhere</ShowIn>
-    <UANotes xmlns="4873beb7-5857-4685-be1f-d57550cc96cc" xsi:nil="true"/>
-    <TemplateStatus xmlns="4873beb7-5857-4685-be1f-d57550cc96cc">Complete</TemplateStatus>
-    <InternalTagsTaxHTField0 xmlns="4873beb7-5857-4685-be1f-d57550cc96cc">
-      <Terms xmlns="http://schemas.microsoft.com/office/infopath/2007/PartnerControls"/>
-    </InternalTagsTaxHTField0>
-    <CSXHash xmlns="4873beb7-5857-4685-be1f-d57550cc96cc" xsi:nil="true"/>
-    <Downloads xmlns="4873beb7-5857-4685-be1f-d57550cc96cc">0</Downloads>
-    <VoteCount xmlns="4873beb7-5857-4685-be1f-d57550cc96cc" xsi:nil="true"/>
-    <OOCacheId xmlns="4873beb7-5857-4685-be1f-d57550cc96cc" xsi:nil="true"/>
-    <IsDeleted xmlns="4873beb7-5857-4685-be1f-d57550cc96cc">false</IsDeleted>
-    <AssetExpire xmlns="4873beb7-5857-4685-be1f-d57550cc96cc">2029-01-01T08:00:00+00:00</AssetExpire>
-    <DSATActionTaken xmlns="4873beb7-5857-4685-be1f-d57550cc96cc" xsi:nil="true"/>
-    <CSXSubmissionMarket xmlns="4873beb7-5857-4685-be1f-d57550cc96cc" xsi:nil="true"/>
-    <TPExecutable xmlns="4873beb7-5857-4685-be1f-d57550cc96cc" xsi:nil="true"/>
-    <SubmitterId xmlns="4873beb7-5857-4685-be1f-d57550cc96cc" xsi:nil="true"/>
-    <EditorialTags xmlns="4873beb7-5857-4685-be1f-d57550cc96cc" xsi:nil="true"/>
-    <ApprovalLog xmlns="4873beb7-5857-4685-be1f-d57550cc96cc" xsi:nil="true"/>
-    <AssetType xmlns="4873beb7-5857-4685-be1f-d57550cc96cc">TP</AssetType>
-    <BugNumber xmlns="4873beb7-5857-4685-be1f-d57550cc96cc" xsi:nil="true"/>
-    <CSXSubmissionDate xmlns="4873beb7-5857-4685-be1f-d57550cc96cc" xsi:nil="true"/>
-    <CSXUpdate xmlns="4873beb7-5857-4685-be1f-d57550cc96cc">false</CSXUpdate>
-    <Milestone xmlns="4873beb7-5857-4685-be1f-d57550cc96cc" xsi:nil="true"/>
-    <RecommendationsModifier xmlns="4873beb7-5857-4685-be1f-d57550cc96cc" xsi:nil="true"/>
-    <OriginAsset xmlns="4873beb7-5857-4685-be1f-d57550cc96cc" xsi:nil="true"/>
-    <TPComponent xmlns="4873beb7-5857-4685-be1f-d57550cc96cc" xsi:nil="true"/>
-    <AssetId xmlns="4873beb7-5857-4685-be1f-d57550cc96cc">TP102923943</AssetId>
-    <IntlLocPriority xmlns="4873beb7-5857-4685-be1f-d57550cc96cc" xsi:nil="true"/>
-    <PolicheckWords xmlns="4873beb7-5857-4685-be1f-d57550cc96cc" xsi:nil="true"/>
-    <TPLaunchHelpLink xmlns="4873beb7-5857-4685-be1f-d57550cc96cc" xsi:nil="true"/>
-    <TPApplication xmlns="4873beb7-5857-4685-be1f-d57550cc96cc" xsi:nil="true"/>
-    <CrawlForDependencies xmlns="4873beb7-5857-4685-be1f-d57550cc96cc">false</CrawlForDependencies>
-    <HandoffToMSDN xmlns="4873beb7-5857-4685-be1f-d57550cc96cc" xsi:nil="true"/>
-    <PlannedPubDate xmlns="4873beb7-5857-4685-be1f-d57550cc96cc" xsi:nil="true"/>
-    <IntlLangReviewer xmlns="4873beb7-5857-4685-be1f-d57550cc96cc" xsi:nil="true"/>
-    <TrustLevel xmlns="4873beb7-5857-4685-be1f-d57550cc96cc">1 Microsoft Managed Content</TrustLevel>
-    <LocLastLocAttemptVersionLookup xmlns="4873beb7-5857-4685-be1f-d57550cc96cc">843282</LocLastLocAttemptVersionLookup>
-    <IsSearchable xmlns="4873beb7-5857-4685-be1f-d57550cc96cc">true</IsSearchable>
-    <TemplateTemplateType xmlns="4873beb7-5857-4685-be1f-d57550cc96cc">PowerPoint Template - Slideshow Launch</TemplateTemplateType>
-    <CampaignTagsTaxHTField0 xmlns="4873beb7-5857-4685-be1f-d57550cc96cc">
-      <Terms xmlns="http://schemas.microsoft.com/office/infopath/2007/PartnerControls"/>
-    </CampaignTagsTaxHTField0>
-    <TPNamespace xmlns="4873beb7-5857-4685-be1f-d57550cc96cc" xsi:nil="true"/>
-    <TaxCatchAll xmlns="4873beb7-5857-4685-be1f-d57550cc96cc"/>
-    <Markets xmlns="4873beb7-5857-4685-be1f-d57550cc96cc"/>
-    <UAProjectedTotalWords xmlns="4873beb7-5857-4685-be1f-d57550cc96cc" xsi:nil="true"/>
-    <IntlLangReview xmlns="4873beb7-5857-4685-be1f-d57550cc96cc">false</IntlLangReview>
-    <OutputCachingOn xmlns="4873beb7-5857-4685-be1f-d57550cc96cc">false</OutputCachingOn>
-    <AverageRating xmlns="4873beb7-5857-4685-be1f-d57550cc96cc" xsi:nil="true"/>
-    <LocMarketGroupTiers2 xmlns="4873beb7-5857-4685-be1f-d57550cc96cc" xsi:nil="true"/>
-    <APAuthor xmlns="4873beb7-5857-4685-be1f-d57550cc96cc">
-      <UserInfo>
-        <DisplayName>REDMOND\v-sa</DisplayName>
-        <AccountId>2467</AccountId>
-        <AccountType/>
-      </UserInfo>
-    </APAuthor>
-    <LocManualTestRequired xmlns="4873beb7-5857-4685-be1f-d57550cc96cc">false</LocManualTestRequired>
-    <TPCommandLine xmlns="4873beb7-5857-4685-be1f-d57550cc96cc" xsi:nil="true"/>
-    <TPAppVersion xmlns="4873beb7-5857-4685-be1f-d57550cc96cc" xsi:nil="true"/>
-    <EditorialStatus xmlns="4873beb7-5857-4685-be1f-d57550cc96cc">Complete</EditorialStatus>
-    <LastModifiedDateTime xmlns="4873beb7-5857-4685-be1f-d57550cc96cc" xsi:nil="true"/>
-    <ScenarioTagsTaxHTField0 xmlns="4873beb7-5857-4685-be1f-d57550cc96cc">
-      <Terms xmlns="http://schemas.microsoft.com/office/infopath/2007/PartnerControls"/>
-    </ScenarioTagsTaxHTField0>
-    <OriginalRelease xmlns="4873beb7-5857-4685-be1f-d57550cc96cc">15</OriginalRelease>
-    <TPLaunchHelpLinkType xmlns="4873beb7-5857-4685-be1f-d57550cc96cc">Template</TPLaunchHelpLinkType>
-    <LocalizationTagsTaxHTField0 xmlns="4873beb7-5857-4685-be1f-d57550cc96cc">
-      <Terms xmlns="http://schemas.microsoft.com/office/infopath/2007/PartnerControls"/>
-    </LocalizationTagsTaxHTField0>
-  </documentManagement>
-</p:properties>
-</file>
-
 <file path=customXml/item3.xml><?xml version="1.0" encoding="utf-8"?>
 <?mso-contentType ?>
 <FormTemplates xmlns="http://schemas.microsoft.com/sharepoint/v3/contenttype/forms">
@@ -6901,6 +14115,22 @@
 </file>
 
 <file path=customXml/itemProps1.xml><?xml version="1.0" encoding="utf-8"?>
+<ds:datastoreItem xmlns:ds="http://schemas.openxmlformats.org/officeDocument/2006/customXml" ds:itemID="{B970C04F-E7AC-41AB-9C6D-1B1BB88BFF7F}">
+  <ds:schemaRefs>
+    <ds:schemaRef ds:uri="http://purl.org/dc/elements/1.1/"/>
+    <ds:schemaRef ds:uri="http://schemas.microsoft.com/office/2006/metadata/properties"/>
+    <ds:schemaRef ds:uri="4873beb7-5857-4685-be1f-d57550cc96cc"/>
+    <ds:schemaRef ds:uri="http://purl.org/dc/terms/"/>
+    <ds:schemaRef ds:uri="http://schemas.openxmlformats.org/package/2006/metadata/core-properties"/>
+    <ds:schemaRef ds:uri="http://schemas.microsoft.com/office/2006/documentManagement/types"/>
+    <ds:schemaRef ds:uri="http://schemas.microsoft.com/office/infopath/2007/PartnerControls"/>
+    <ds:schemaRef ds:uri="http://www.w3.org/XML/1998/namespace"/>
+    <ds:schemaRef ds:uri="http://purl.org/dc/dcmitype/"/>
+  </ds:schemaRefs>
+</ds:datastoreItem>
+</file>
+
+<file path=customXml/itemProps2.xml><?xml version="1.0" encoding="utf-8"?>
 <ds:datastoreItem xmlns:ds="http://schemas.openxmlformats.org/officeDocument/2006/customXml" ds:itemID="{63EE7759-C66F-4EA4-9863-7EBA32518D3D}">
   <ds:schemaRefs>
     <ds:schemaRef ds:uri="http://schemas.microsoft.com/office/2006/metadata/contentType"/>
@@ -6918,22 +14148,6 @@
 </ds:datastoreItem>
 </file>
 
-<file path=customXml/itemProps2.xml><?xml version="1.0" encoding="utf-8"?>
-<ds:datastoreItem xmlns:ds="http://schemas.openxmlformats.org/officeDocument/2006/customXml" ds:itemID="{B970C04F-E7AC-41AB-9C6D-1B1BB88BFF7F}">
-  <ds:schemaRefs>
-    <ds:schemaRef ds:uri="http://purl.org/dc/elements/1.1/"/>
-    <ds:schemaRef ds:uri="http://schemas.microsoft.com/office/2006/metadata/properties"/>
-    <ds:schemaRef ds:uri="4873beb7-5857-4685-be1f-d57550cc96cc"/>
-    <ds:schemaRef ds:uri="http://purl.org/dc/terms/"/>
-    <ds:schemaRef ds:uri="http://schemas.openxmlformats.org/package/2006/metadata/core-properties"/>
-    <ds:schemaRef ds:uri="http://schemas.microsoft.com/office/2006/documentManagement/types"/>
-    <ds:schemaRef ds:uri="http://schemas.microsoft.com/office/infopath/2007/PartnerControls"/>
-    <ds:schemaRef ds:uri="http://www.w3.org/XML/1998/namespace"/>
-    <ds:schemaRef ds:uri="http://purl.org/dc/dcmitype/"/>
-  </ds:schemaRefs>
-</ds:datastoreItem>
-</file>
-
 <file path=customXml/itemProps3.xml><?xml version="1.0" encoding="utf-8"?>
 <ds:datastoreItem xmlns:ds="http://schemas.openxmlformats.org/officeDocument/2006/customXml" ds:itemID="{C3DEC53A-9DF1-4780-BE92-17E971B7A9ED}">
   <ds:schemaRefs>
